--- a/SRM-NIRS-EEG Update 6-7-2024.pptx
+++ b/SRM-NIRS-EEG Update 6-7-2024.pptx
@@ -8,12 +8,16 @@
     <p:sldId id="256" r:id="rId2"/>
     <p:sldId id="257" r:id="rId3"/>
     <p:sldId id="258" r:id="rId4"/>
-    <p:sldId id="263" r:id="rId5"/>
-    <p:sldId id="264" r:id="rId6"/>
-    <p:sldId id="259" r:id="rId7"/>
-    <p:sldId id="262" r:id="rId8"/>
-    <p:sldId id="261" r:id="rId9"/>
-    <p:sldId id="260" r:id="rId10"/>
+    <p:sldId id="266" r:id="rId5"/>
+    <p:sldId id="267" r:id="rId6"/>
+    <p:sldId id="268" r:id="rId7"/>
+    <p:sldId id="264" r:id="rId8"/>
+    <p:sldId id="263" r:id="rId9"/>
+    <p:sldId id="259" r:id="rId10"/>
+    <p:sldId id="262" r:id="rId11"/>
+    <p:sldId id="261" r:id="rId12"/>
+    <p:sldId id="260" r:id="rId13"/>
+    <p:sldId id="265" r:id="rId14"/>
   </p:sldIdLst>
   <p:sldSz cx="12192000" cy="6858000"/>
   <p:notesSz cx="6858000" cy="9144000"/>
@@ -112,6 +116,11 @@
       </a:defRPr>
     </a:lvl9pPr>
   </p:defaultTextStyle>
+  <p:extLst>
+    <p:ext uri="{EFAFB233-063F-42B5-8137-9DF3F51BA10A}">
+      <p15:sldGuideLst xmlns:p15="http://schemas.microsoft.com/office/powerpoint/2012/main"/>
+    </p:ext>
+  </p:extLst>
 </p:presentation>
 </file>
 
@@ -262,7 +271,7 @@
           <a:p>
             <a:fld id="{844B939F-3FB1-4DA9-BBAD-2CC7FE554B1A}" type="datetimeFigureOut">
               <a:rPr lang="en-US" smtClean="0"/>
-              <a:t>6/4/2024</a:t>
+              <a:t>6/5/2024</a:t>
             </a:fld>
             <a:endParaRPr lang="en-US"/>
           </a:p>
@@ -460,7 +469,7 @@
           <a:p>
             <a:fld id="{844B939F-3FB1-4DA9-BBAD-2CC7FE554B1A}" type="datetimeFigureOut">
               <a:rPr lang="en-US" smtClean="0"/>
-              <a:t>6/4/2024</a:t>
+              <a:t>6/5/2024</a:t>
             </a:fld>
             <a:endParaRPr lang="en-US"/>
           </a:p>
@@ -668,7 +677,7 @@
           <a:p>
             <a:fld id="{844B939F-3FB1-4DA9-BBAD-2CC7FE554B1A}" type="datetimeFigureOut">
               <a:rPr lang="en-US" smtClean="0"/>
-              <a:t>6/4/2024</a:t>
+              <a:t>6/5/2024</a:t>
             </a:fld>
             <a:endParaRPr lang="en-US"/>
           </a:p>
@@ -866,7 +875,7 @@
           <a:p>
             <a:fld id="{844B939F-3FB1-4DA9-BBAD-2CC7FE554B1A}" type="datetimeFigureOut">
               <a:rPr lang="en-US" smtClean="0"/>
-              <a:t>6/4/2024</a:t>
+              <a:t>6/5/2024</a:t>
             </a:fld>
             <a:endParaRPr lang="en-US"/>
           </a:p>
@@ -1141,7 +1150,7 @@
           <a:p>
             <a:fld id="{844B939F-3FB1-4DA9-BBAD-2CC7FE554B1A}" type="datetimeFigureOut">
               <a:rPr lang="en-US" smtClean="0"/>
-              <a:t>6/4/2024</a:t>
+              <a:t>6/5/2024</a:t>
             </a:fld>
             <a:endParaRPr lang="en-US"/>
           </a:p>
@@ -1406,7 +1415,7 @@
           <a:p>
             <a:fld id="{844B939F-3FB1-4DA9-BBAD-2CC7FE554B1A}" type="datetimeFigureOut">
               <a:rPr lang="en-US" smtClean="0"/>
-              <a:t>6/4/2024</a:t>
+              <a:t>6/5/2024</a:t>
             </a:fld>
             <a:endParaRPr lang="en-US"/>
           </a:p>
@@ -1818,7 +1827,7 @@
           <a:p>
             <a:fld id="{844B939F-3FB1-4DA9-BBAD-2CC7FE554B1A}" type="datetimeFigureOut">
               <a:rPr lang="en-US" smtClean="0"/>
-              <a:t>6/4/2024</a:t>
+              <a:t>6/5/2024</a:t>
             </a:fld>
             <a:endParaRPr lang="en-US"/>
           </a:p>
@@ -1959,7 +1968,7 @@
           <a:p>
             <a:fld id="{844B939F-3FB1-4DA9-BBAD-2CC7FE554B1A}" type="datetimeFigureOut">
               <a:rPr lang="en-US" smtClean="0"/>
-              <a:t>6/4/2024</a:t>
+              <a:t>6/5/2024</a:t>
             </a:fld>
             <a:endParaRPr lang="en-US"/>
           </a:p>
@@ -2072,7 +2081,7 @@
           <a:p>
             <a:fld id="{844B939F-3FB1-4DA9-BBAD-2CC7FE554B1A}" type="datetimeFigureOut">
               <a:rPr lang="en-US" smtClean="0"/>
-              <a:t>6/4/2024</a:t>
+              <a:t>6/5/2024</a:t>
             </a:fld>
             <a:endParaRPr lang="en-US"/>
           </a:p>
@@ -2383,7 +2392,7 @@
           <a:p>
             <a:fld id="{844B939F-3FB1-4DA9-BBAD-2CC7FE554B1A}" type="datetimeFigureOut">
               <a:rPr lang="en-US" smtClean="0"/>
-              <a:t>6/4/2024</a:t>
+              <a:t>6/5/2024</a:t>
             </a:fld>
             <a:endParaRPr lang="en-US"/>
           </a:p>
@@ -2671,7 +2680,7 @@
           <a:p>
             <a:fld id="{844B939F-3FB1-4DA9-BBAD-2CC7FE554B1A}" type="datetimeFigureOut">
               <a:rPr lang="en-US" smtClean="0"/>
-              <a:t>6/4/2024</a:t>
+              <a:t>6/5/2024</a:t>
             </a:fld>
             <a:endParaRPr lang="en-US"/>
           </a:p>
@@ -2912,7 +2921,7 @@
           <a:p>
             <a:fld id="{844B939F-3FB1-4DA9-BBAD-2CC7FE554B1A}" type="datetimeFigureOut">
               <a:rPr lang="en-US" smtClean="0"/>
-              <a:t>6/4/2024</a:t>
+              <a:t>6/5/2024</a:t>
             </a:fld>
             <a:endParaRPr lang="en-US"/>
           </a:p>
@@ -3398,6 +3407,614 @@
 </p:sld>
 </file>
 
+<file path=ppt/slides/slide10.xml><?xml version="1.0" encoding="utf-8"?>
+<p:sld xmlns:a="http://schemas.openxmlformats.org/drawingml/2006/main" xmlns:r="http://schemas.openxmlformats.org/officeDocument/2006/relationships" xmlns:p="http://schemas.openxmlformats.org/presentationml/2006/main">
+  <p:cSld>
+    <p:spTree>
+      <p:nvGrpSpPr>
+        <p:cNvPr id="1" name=""/>
+        <p:cNvGrpSpPr/>
+        <p:nvPr/>
+      </p:nvGrpSpPr>
+      <p:grpSpPr>
+        <a:xfrm>
+          <a:off x="0" y="0"/>
+          <a:ext cx="0" cy="0"/>
+          <a:chOff x="0" y="0"/>
+          <a:chExt cx="0" cy="0"/>
+        </a:xfrm>
+      </p:grpSpPr>
+      <p:sp>
+        <p:nvSpPr>
+          <p:cNvPr id="2" name="Title 1">
+            <a:extLst>
+              <a:ext uri="{FF2B5EF4-FFF2-40B4-BE49-F238E27FC236}">
+                <a16:creationId xmlns:a16="http://schemas.microsoft.com/office/drawing/2014/main" id="{EBE6161A-9094-26BB-F266-A48556AE5609}"/>
+              </a:ext>
+            </a:extLst>
+          </p:cNvPr>
+          <p:cNvSpPr>
+            <a:spLocks noGrp="1"/>
+          </p:cNvSpPr>
+          <p:nvPr>
+            <p:ph type="title"/>
+          </p:nvPr>
+        </p:nvSpPr>
+        <p:spPr>
+          <a:xfrm>
+            <a:off x="838200" y="365125"/>
+            <a:ext cx="10515600" cy="823595"/>
+          </a:xfrm>
+        </p:spPr>
+        <p:txBody>
+          <a:bodyPr/>
+          <a:lstStyle/>
+          <a:p>
+            <a:r>
+              <a:rPr lang="en-US" dirty="0"/>
+              <a:t>GLM </a:t>
+            </a:r>
+            <a:r>
+              <a:rPr lang="en-US" dirty="0" err="1"/>
+              <a:t>topoplots</a:t>
+            </a:r>
+            <a:r>
+              <a:rPr lang="en-US" dirty="0"/>
+              <a:t> (BH Corrected a la Eli)</a:t>
+            </a:r>
+          </a:p>
+        </p:txBody>
+      </p:sp>
+      <p:sp>
+        <p:nvSpPr>
+          <p:cNvPr id="4" name="TextBox 3">
+            <a:extLst>
+              <a:ext uri="{FF2B5EF4-FFF2-40B4-BE49-F238E27FC236}">
+                <a16:creationId xmlns:a16="http://schemas.microsoft.com/office/drawing/2014/main" id="{EF2246E9-812C-67E4-EDE1-3294B11ADFED}"/>
+              </a:ext>
+            </a:extLst>
+          </p:cNvPr>
+          <p:cNvSpPr txBox="1"/>
+          <p:nvPr/>
+        </p:nvSpPr>
+        <p:spPr>
+          <a:xfrm>
+            <a:off x="364028" y="1004054"/>
+            <a:ext cx="1837421" cy="369332"/>
+          </a:xfrm>
+          <a:prstGeom prst="rect">
+            <a:avLst/>
+          </a:prstGeom>
+          <a:noFill/>
+        </p:spPr>
+        <p:txBody>
+          <a:bodyPr wrap="square" rtlCol="0">
+            <a:spAutoFit/>
+          </a:bodyPr>
+          <a:lstStyle/>
+          <a:p>
+            <a:r>
+              <a:rPr lang="en-US" dirty="0"/>
+              <a:t>Speech masker</a:t>
+            </a:r>
+          </a:p>
+        </p:txBody>
+      </p:sp>
+      <p:pic>
+        <p:nvPicPr>
+          <p:cNvPr id="16" name="Picture 15">
+            <a:extLst>
+              <a:ext uri="{FF2B5EF4-FFF2-40B4-BE49-F238E27FC236}">
+                <a16:creationId xmlns:a16="http://schemas.microsoft.com/office/drawing/2014/main" id="{F332F77E-7440-B40C-A2C3-F155A6D74460}"/>
+              </a:ext>
+            </a:extLst>
+          </p:cNvPr>
+          <p:cNvPicPr>
+            <a:picLocks noChangeAspect="1"/>
+          </p:cNvPicPr>
+          <p:nvPr/>
+        </p:nvPicPr>
+        <p:blipFill>
+          <a:blip r:embed="rId2"/>
+          <a:stretch>
+            <a:fillRect/>
+          </a:stretch>
+        </p:blipFill>
+        <p:spPr>
+          <a:xfrm>
+            <a:off x="158317" y="4368800"/>
+            <a:ext cx="3032246" cy="2367280"/>
+          </a:xfrm>
+          <a:prstGeom prst="rect">
+            <a:avLst/>
+          </a:prstGeom>
+        </p:spPr>
+      </p:pic>
+      <p:pic>
+        <p:nvPicPr>
+          <p:cNvPr id="18" name="Picture 17">
+            <a:extLst>
+              <a:ext uri="{FF2B5EF4-FFF2-40B4-BE49-F238E27FC236}">
+                <a16:creationId xmlns:a16="http://schemas.microsoft.com/office/drawing/2014/main" id="{D2C54787-D6C5-01A0-802E-040B7167778D}"/>
+              </a:ext>
+            </a:extLst>
+          </p:cNvPr>
+          <p:cNvPicPr>
+            <a:picLocks noChangeAspect="1"/>
+          </p:cNvPicPr>
+          <p:nvPr/>
+        </p:nvPicPr>
+        <p:blipFill>
+          <a:blip r:embed="rId3"/>
+          <a:stretch>
+            <a:fillRect/>
+          </a:stretch>
+        </p:blipFill>
+        <p:spPr>
+          <a:xfrm>
+            <a:off x="3388457" y="4409764"/>
+            <a:ext cx="2961544" cy="2285352"/>
+          </a:xfrm>
+          <a:prstGeom prst="rect">
+            <a:avLst/>
+          </a:prstGeom>
+        </p:spPr>
+      </p:pic>
+      <p:pic>
+        <p:nvPicPr>
+          <p:cNvPr id="20" name="Picture 19">
+            <a:extLst>
+              <a:ext uri="{FF2B5EF4-FFF2-40B4-BE49-F238E27FC236}">
+                <a16:creationId xmlns:a16="http://schemas.microsoft.com/office/drawing/2014/main" id="{CFE8CD7E-392F-2BDF-7275-7BC451C2271A}"/>
+              </a:ext>
+            </a:extLst>
+          </p:cNvPr>
+          <p:cNvPicPr>
+            <a:picLocks noChangeAspect="1"/>
+          </p:cNvPicPr>
+          <p:nvPr/>
+        </p:nvPicPr>
+        <p:blipFill>
+          <a:blip r:embed="rId4"/>
+          <a:stretch>
+            <a:fillRect/>
+          </a:stretch>
+        </p:blipFill>
+        <p:spPr>
+          <a:xfrm>
+            <a:off x="6363083" y="4384674"/>
+            <a:ext cx="2969940" cy="2298476"/>
+          </a:xfrm>
+          <a:prstGeom prst="rect">
+            <a:avLst/>
+          </a:prstGeom>
+        </p:spPr>
+      </p:pic>
+      <p:pic>
+        <p:nvPicPr>
+          <p:cNvPr id="22" name="Picture 21">
+            <a:extLst>
+              <a:ext uri="{FF2B5EF4-FFF2-40B4-BE49-F238E27FC236}">
+                <a16:creationId xmlns:a16="http://schemas.microsoft.com/office/drawing/2014/main" id="{26EB9422-572A-FC38-E0E3-3B80055E81B9}"/>
+              </a:ext>
+            </a:extLst>
+          </p:cNvPr>
+          <p:cNvPicPr>
+            <a:picLocks noChangeAspect="1"/>
+          </p:cNvPicPr>
+          <p:nvPr/>
+        </p:nvPicPr>
+        <p:blipFill>
+          <a:blip r:embed="rId5"/>
+          <a:stretch>
+            <a:fillRect/>
+          </a:stretch>
+        </p:blipFill>
+        <p:spPr>
+          <a:xfrm>
+            <a:off x="9346106" y="4489994"/>
+            <a:ext cx="2713814" cy="2124892"/>
+          </a:xfrm>
+          <a:prstGeom prst="rect">
+            <a:avLst/>
+          </a:prstGeom>
+        </p:spPr>
+      </p:pic>
+      <p:sp>
+        <p:nvSpPr>
+          <p:cNvPr id="23" name="TextBox 22">
+            <a:extLst>
+              <a:ext uri="{FF2B5EF4-FFF2-40B4-BE49-F238E27FC236}">
+                <a16:creationId xmlns:a16="http://schemas.microsoft.com/office/drawing/2014/main" id="{F1CCC18E-2398-5D97-6937-4FF3D5C826B2}"/>
+              </a:ext>
+            </a:extLst>
+          </p:cNvPr>
+          <p:cNvSpPr txBox="1"/>
+          <p:nvPr/>
+        </p:nvSpPr>
+        <p:spPr>
+          <a:xfrm>
+            <a:off x="364027" y="3814802"/>
+            <a:ext cx="1837421" cy="369332"/>
+          </a:xfrm>
+          <a:prstGeom prst="rect">
+            <a:avLst/>
+          </a:prstGeom>
+          <a:noFill/>
+        </p:spPr>
+        <p:txBody>
+          <a:bodyPr wrap="square" rtlCol="0">
+            <a:spAutoFit/>
+          </a:bodyPr>
+          <a:lstStyle/>
+          <a:p>
+            <a:r>
+              <a:rPr lang="en-US" dirty="0"/>
+              <a:t>Noise masker</a:t>
+            </a:r>
+          </a:p>
+        </p:txBody>
+      </p:sp>
+      <p:pic>
+        <p:nvPicPr>
+          <p:cNvPr id="25" name="Picture 24">
+            <a:extLst>
+              <a:ext uri="{FF2B5EF4-FFF2-40B4-BE49-F238E27FC236}">
+                <a16:creationId xmlns:a16="http://schemas.microsoft.com/office/drawing/2014/main" id="{E3B432D0-0C6B-B343-6B31-7C972210F553}"/>
+              </a:ext>
+            </a:extLst>
+          </p:cNvPr>
+          <p:cNvPicPr>
+            <a:picLocks noChangeAspect="1"/>
+          </p:cNvPicPr>
+          <p:nvPr/>
+        </p:nvPicPr>
+        <p:blipFill>
+          <a:blip r:embed="rId6"/>
+          <a:stretch>
+            <a:fillRect/>
+          </a:stretch>
+        </p:blipFill>
+        <p:spPr>
+          <a:xfrm>
+            <a:off x="158317" y="1478584"/>
+            <a:ext cx="2857712" cy="2231020"/>
+          </a:xfrm>
+          <a:prstGeom prst="rect">
+            <a:avLst/>
+          </a:prstGeom>
+        </p:spPr>
+      </p:pic>
+      <p:pic>
+        <p:nvPicPr>
+          <p:cNvPr id="27" name="Picture 26">
+            <a:extLst>
+              <a:ext uri="{FF2B5EF4-FFF2-40B4-BE49-F238E27FC236}">
+                <a16:creationId xmlns:a16="http://schemas.microsoft.com/office/drawing/2014/main" id="{ECA9F22E-18B1-CDE2-C73F-ED268BA12217}"/>
+              </a:ext>
+            </a:extLst>
+          </p:cNvPr>
+          <p:cNvPicPr>
+            <a:picLocks noChangeAspect="1"/>
+          </p:cNvPicPr>
+          <p:nvPr/>
+        </p:nvPicPr>
+        <p:blipFill>
+          <a:blip r:embed="rId7"/>
+          <a:stretch>
+            <a:fillRect/>
+          </a:stretch>
+        </p:blipFill>
+        <p:spPr>
+          <a:xfrm>
+            <a:off x="3016029" y="1478584"/>
+            <a:ext cx="2844802" cy="2195266"/>
+          </a:xfrm>
+          <a:prstGeom prst="rect">
+            <a:avLst/>
+          </a:prstGeom>
+        </p:spPr>
+      </p:pic>
+      <p:pic>
+        <p:nvPicPr>
+          <p:cNvPr id="29" name="Picture 28">
+            <a:extLst>
+              <a:ext uri="{FF2B5EF4-FFF2-40B4-BE49-F238E27FC236}">
+                <a16:creationId xmlns:a16="http://schemas.microsoft.com/office/drawing/2014/main" id="{579E7447-7235-F1C8-79C9-21E853BAC6EB}"/>
+              </a:ext>
+            </a:extLst>
+          </p:cNvPr>
+          <p:cNvPicPr>
+            <a:picLocks noChangeAspect="1"/>
+          </p:cNvPicPr>
+          <p:nvPr/>
+        </p:nvPicPr>
+        <p:blipFill>
+          <a:blip r:embed="rId8"/>
+          <a:stretch>
+            <a:fillRect/>
+          </a:stretch>
+        </p:blipFill>
+        <p:spPr>
+          <a:xfrm>
+            <a:off x="6096000" y="1478584"/>
+            <a:ext cx="3008788" cy="2328540"/>
+          </a:xfrm>
+          <a:prstGeom prst="rect">
+            <a:avLst/>
+          </a:prstGeom>
+        </p:spPr>
+      </p:pic>
+    </p:spTree>
+    <p:extLst>
+      <p:ext uri="{BB962C8B-B14F-4D97-AF65-F5344CB8AC3E}">
+        <p14:creationId xmlns:p14="http://schemas.microsoft.com/office/powerpoint/2010/main" val="2454698054"/>
+      </p:ext>
+    </p:extLst>
+  </p:cSld>
+  <p:clrMapOvr>
+    <a:masterClrMapping/>
+  </p:clrMapOvr>
+</p:sld>
+</file>
+
+<file path=ppt/slides/slide11.xml><?xml version="1.0" encoding="utf-8"?>
+<p:sld xmlns:a="http://schemas.openxmlformats.org/drawingml/2006/main" xmlns:r="http://schemas.openxmlformats.org/officeDocument/2006/relationships" xmlns:p="http://schemas.openxmlformats.org/presentationml/2006/main">
+  <p:cSld>
+    <p:spTree>
+      <p:nvGrpSpPr>
+        <p:cNvPr id="1" name=""/>
+        <p:cNvGrpSpPr/>
+        <p:nvPr/>
+      </p:nvGrpSpPr>
+      <p:grpSpPr>
+        <a:xfrm>
+          <a:off x="0" y="0"/>
+          <a:ext cx="0" cy="0"/>
+          <a:chOff x="0" y="0"/>
+          <a:chExt cx="0" cy="0"/>
+        </a:xfrm>
+      </p:grpSpPr>
+      <p:sp>
+        <p:nvSpPr>
+          <p:cNvPr id="2" name="Title 1">
+            <a:extLst>
+              <a:ext uri="{FF2B5EF4-FFF2-40B4-BE49-F238E27FC236}">
+                <a16:creationId xmlns:a16="http://schemas.microsoft.com/office/drawing/2014/main" id="{01AAF186-A7CB-8F9D-6786-97CA2C012479}"/>
+              </a:ext>
+            </a:extLst>
+          </p:cNvPr>
+          <p:cNvSpPr>
+            <a:spLocks noGrp="1"/>
+          </p:cNvSpPr>
+          <p:nvPr>
+            <p:ph type="title"/>
+          </p:nvPr>
+        </p:nvSpPr>
+        <p:spPr/>
+        <p:txBody>
+          <a:bodyPr/>
+          <a:lstStyle/>
+          <a:p>
+            <a:r>
+              <a:rPr lang="en-US" dirty="0"/>
+              <a:t>GLM Channel by Channel, across subjects</a:t>
+            </a:r>
+          </a:p>
+        </p:txBody>
+      </p:sp>
+      <p:sp>
+        <p:nvSpPr>
+          <p:cNvPr id="3" name="Content Placeholder 2">
+            <a:extLst>
+              <a:ext uri="{FF2B5EF4-FFF2-40B4-BE49-F238E27FC236}">
+                <a16:creationId xmlns:a16="http://schemas.microsoft.com/office/drawing/2014/main" id="{8661222C-D35E-816E-65F5-A8F84ECAE8B8}"/>
+              </a:ext>
+            </a:extLst>
+          </p:cNvPr>
+          <p:cNvSpPr>
+            <a:spLocks noGrp="1"/>
+          </p:cNvSpPr>
+          <p:nvPr>
+            <p:ph idx="1"/>
+          </p:nvPr>
+        </p:nvSpPr>
+        <p:spPr/>
+        <p:txBody>
+          <a:bodyPr/>
+          <a:lstStyle/>
+          <a:p>
+            <a:endParaRPr lang="en-US"/>
+          </a:p>
+        </p:txBody>
+      </p:sp>
+    </p:spTree>
+    <p:extLst>
+      <p:ext uri="{BB962C8B-B14F-4D97-AF65-F5344CB8AC3E}">
+        <p14:creationId xmlns:p14="http://schemas.microsoft.com/office/powerpoint/2010/main" val="15692493"/>
+      </p:ext>
+    </p:extLst>
+  </p:cSld>
+  <p:clrMapOvr>
+    <a:masterClrMapping/>
+  </p:clrMapOvr>
+</p:sld>
+</file>
+
+<file path=ppt/slides/slide12.xml><?xml version="1.0" encoding="utf-8"?>
+<p:sld xmlns:a="http://schemas.openxmlformats.org/drawingml/2006/main" xmlns:r="http://schemas.openxmlformats.org/officeDocument/2006/relationships" xmlns:p="http://schemas.openxmlformats.org/presentationml/2006/main">
+  <p:cSld>
+    <p:spTree>
+      <p:nvGrpSpPr>
+        <p:cNvPr id="1" name=""/>
+        <p:cNvGrpSpPr/>
+        <p:nvPr/>
+      </p:nvGrpSpPr>
+      <p:grpSpPr>
+        <a:xfrm>
+          <a:off x="0" y="0"/>
+          <a:ext cx="0" cy="0"/>
+          <a:chOff x="0" y="0"/>
+          <a:chExt cx="0" cy="0"/>
+        </a:xfrm>
+      </p:grpSpPr>
+      <p:sp>
+        <p:nvSpPr>
+          <p:cNvPr id="2" name="Title 1">
+            <a:extLst>
+              <a:ext uri="{FF2B5EF4-FFF2-40B4-BE49-F238E27FC236}">
+                <a16:creationId xmlns:a16="http://schemas.microsoft.com/office/drawing/2014/main" id="{80343B3E-3B81-7802-6F55-676A963D053B}"/>
+              </a:ext>
+            </a:extLst>
+          </p:cNvPr>
+          <p:cNvSpPr>
+            <a:spLocks noGrp="1"/>
+          </p:cNvSpPr>
+          <p:nvPr>
+            <p:ph type="title"/>
+          </p:nvPr>
+        </p:nvSpPr>
+        <p:spPr/>
+        <p:txBody>
+          <a:bodyPr/>
+          <a:lstStyle/>
+          <a:p>
+            <a:r>
+              <a:rPr lang="en-US" dirty="0"/>
+              <a:t>Mixed Effects Model Analysis (Mean </a:t>
+            </a:r>
+            <a:r>
+              <a:rPr lang="en-US" dirty="0" err="1"/>
+              <a:t>HbO</a:t>
+            </a:r>
+            <a:r>
+              <a:rPr lang="en-US" dirty="0"/>
+              <a:t>)</a:t>
+            </a:r>
+          </a:p>
+        </p:txBody>
+      </p:sp>
+      <p:sp>
+        <p:nvSpPr>
+          <p:cNvPr id="3" name="Content Placeholder 2">
+            <a:extLst>
+              <a:ext uri="{FF2B5EF4-FFF2-40B4-BE49-F238E27FC236}">
+                <a16:creationId xmlns:a16="http://schemas.microsoft.com/office/drawing/2014/main" id="{B77BFE24-49DE-2AB6-FDE5-A2AA3BF4B15D}"/>
+              </a:ext>
+            </a:extLst>
+          </p:cNvPr>
+          <p:cNvSpPr>
+            <a:spLocks noGrp="1"/>
+          </p:cNvSpPr>
+          <p:nvPr>
+            <p:ph idx="1"/>
+          </p:nvPr>
+        </p:nvSpPr>
+        <p:spPr/>
+        <p:txBody>
+          <a:bodyPr/>
+          <a:lstStyle/>
+          <a:p>
+            <a:endParaRPr lang="en-US"/>
+          </a:p>
+        </p:txBody>
+      </p:sp>
+    </p:spTree>
+    <p:extLst>
+      <p:ext uri="{BB962C8B-B14F-4D97-AF65-F5344CB8AC3E}">
+        <p14:creationId xmlns:p14="http://schemas.microsoft.com/office/powerpoint/2010/main" val="1614852943"/>
+      </p:ext>
+    </p:extLst>
+  </p:cSld>
+  <p:clrMapOvr>
+    <a:masterClrMapping/>
+  </p:clrMapOvr>
+</p:sld>
+</file>
+
+<file path=ppt/slides/slide13.xml><?xml version="1.0" encoding="utf-8"?>
+<p:sld xmlns:a="http://schemas.openxmlformats.org/drawingml/2006/main" xmlns:r="http://schemas.openxmlformats.org/officeDocument/2006/relationships" xmlns:p="http://schemas.openxmlformats.org/presentationml/2006/main">
+  <p:cSld>
+    <p:spTree>
+      <p:nvGrpSpPr>
+        <p:cNvPr id="1" name=""/>
+        <p:cNvGrpSpPr/>
+        <p:nvPr/>
+      </p:nvGrpSpPr>
+      <p:grpSpPr>
+        <a:xfrm>
+          <a:off x="0" y="0"/>
+          <a:ext cx="0" cy="0"/>
+          <a:chOff x="0" y="0"/>
+          <a:chExt cx="0" cy="0"/>
+        </a:xfrm>
+      </p:grpSpPr>
+      <p:sp>
+        <p:nvSpPr>
+          <p:cNvPr id="2" name="Title 1">
+            <a:extLst>
+              <a:ext uri="{FF2B5EF4-FFF2-40B4-BE49-F238E27FC236}">
+                <a16:creationId xmlns:a16="http://schemas.microsoft.com/office/drawing/2014/main" id="{80343B3E-3B81-7802-6F55-676A963D053B}"/>
+              </a:ext>
+            </a:extLst>
+          </p:cNvPr>
+          <p:cNvSpPr>
+            <a:spLocks noGrp="1"/>
+          </p:cNvSpPr>
+          <p:nvPr>
+            <p:ph type="title"/>
+          </p:nvPr>
+        </p:nvSpPr>
+        <p:spPr/>
+        <p:txBody>
+          <a:bodyPr/>
+          <a:lstStyle/>
+          <a:p>
+            <a:r>
+              <a:rPr lang="en-US" dirty="0"/>
+              <a:t>Mixed Effects Model Analysis (Beta)</a:t>
+            </a:r>
+          </a:p>
+        </p:txBody>
+      </p:sp>
+      <p:sp>
+        <p:nvSpPr>
+          <p:cNvPr id="3" name="Content Placeholder 2">
+            <a:extLst>
+              <a:ext uri="{FF2B5EF4-FFF2-40B4-BE49-F238E27FC236}">
+                <a16:creationId xmlns:a16="http://schemas.microsoft.com/office/drawing/2014/main" id="{B77BFE24-49DE-2AB6-FDE5-A2AA3BF4B15D}"/>
+              </a:ext>
+            </a:extLst>
+          </p:cNvPr>
+          <p:cNvSpPr>
+            <a:spLocks noGrp="1"/>
+          </p:cNvSpPr>
+          <p:nvPr>
+            <p:ph idx="1"/>
+          </p:nvPr>
+        </p:nvSpPr>
+        <p:spPr/>
+        <p:txBody>
+          <a:bodyPr/>
+          <a:lstStyle/>
+          <a:p>
+            <a:endParaRPr lang="en-US"/>
+          </a:p>
+        </p:txBody>
+      </p:sp>
+    </p:spTree>
+    <p:extLst>
+      <p:ext uri="{BB962C8B-B14F-4D97-AF65-F5344CB8AC3E}">
+        <p14:creationId xmlns:p14="http://schemas.microsoft.com/office/powerpoint/2010/main" val="2189436101"/>
+      </p:ext>
+    </p:extLst>
+  </p:cSld>
+  <p:clrMapOvr>
+    <a:masterClrMapping/>
+  </p:clrMapOvr>
+</p:sld>
+</file>
+
 <file path=ppt/slides/slide2.xml><?xml version="1.0" encoding="utf-8"?>
 <p:sld xmlns:a="http://schemas.openxmlformats.org/drawingml/2006/main" xmlns:r="http://schemas.openxmlformats.org/officeDocument/2006/relationships" xmlns:p="http://schemas.openxmlformats.org/presentationml/2006/main">
   <p:cSld>
@@ -3431,7 +4048,12 @@
             <p:ph type="title"/>
           </p:nvPr>
         </p:nvSpPr>
-        <p:spPr/>
+        <p:spPr>
+          <a:xfrm>
+            <a:off x="838200" y="259079"/>
+            <a:ext cx="10515600" cy="843915"/>
+          </a:xfrm>
+        </p:spPr>
         <p:txBody>
           <a:bodyPr/>
           <a:lstStyle/>
@@ -3464,7 +4086,7 @@
           <a:bodyPr/>
           <a:lstStyle/>
           <a:p>
-            <a:endParaRPr lang="en-US"/>
+            <a:endParaRPr lang="en-US" dirty="0"/>
           </a:p>
         </p:txBody>
       </p:sp>
@@ -3516,8 +4138,8 @@
         </p:nvSpPr>
         <p:spPr>
           <a:xfrm>
-            <a:off x="838200" y="212725"/>
-            <a:ext cx="10515600" cy="1325563"/>
+            <a:off x="838200" y="-46269"/>
+            <a:ext cx="7604760" cy="701675"/>
           </a:xfrm>
         </p:spPr>
         <p:txBody>
@@ -3526,41 +4148,101 @@
           <a:p>
             <a:r>
               <a:rPr lang="en-US" dirty="0"/>
-              <a:t>Block average </a:t>
-            </a:r>
-            <a:r>
-              <a:rPr lang="en-US" dirty="0" err="1"/>
-              <a:t>topoplots</a:t>
-            </a:r>
-            <a:endParaRPr lang="en-US" dirty="0"/>
-          </a:p>
-        </p:txBody>
-      </p:sp>
-      <p:sp>
-        <p:nvSpPr>
-          <p:cNvPr id="3" name="Content Placeholder 2">
-            <a:extLst>
-              <a:ext uri="{FF2B5EF4-FFF2-40B4-BE49-F238E27FC236}">
-                <a16:creationId xmlns:a16="http://schemas.microsoft.com/office/drawing/2014/main" id="{8EE3472F-A5F5-4E8A-E2F0-9C91311633A0}"/>
-              </a:ext>
-            </a:extLst>
-          </p:cNvPr>
-          <p:cNvSpPr>
-            <a:spLocks noGrp="1"/>
-          </p:cNvSpPr>
-          <p:nvPr>
-            <p:ph idx="1"/>
-          </p:nvPr>
-        </p:nvSpPr>
-        <p:spPr/>
-        <p:txBody>
-          <a:bodyPr/>
-          <a:lstStyle/>
-          <a:p>
-            <a:endParaRPr lang="en-US" dirty="0"/>
-          </a:p>
-        </p:txBody>
-      </p:sp>
+              <a:t>Block averages by channel (PFC)</a:t>
+            </a:r>
+          </a:p>
+        </p:txBody>
+      </p:sp>
+      <p:pic>
+        <p:nvPicPr>
+          <p:cNvPr id="17" name="Picture 16">
+            <a:extLst>
+              <a:ext uri="{FF2B5EF4-FFF2-40B4-BE49-F238E27FC236}">
+                <a16:creationId xmlns:a16="http://schemas.microsoft.com/office/drawing/2014/main" id="{CBFAF68C-639C-1E7C-239A-1B00377EC731}"/>
+              </a:ext>
+            </a:extLst>
+          </p:cNvPr>
+          <p:cNvPicPr>
+            <a:picLocks noChangeAspect="1"/>
+          </p:cNvPicPr>
+          <p:nvPr/>
+        </p:nvPicPr>
+        <p:blipFill>
+          <a:blip r:embed="rId2"/>
+          <a:stretch>
+            <a:fillRect/>
+          </a:stretch>
+        </p:blipFill>
+        <p:spPr>
+          <a:xfrm>
+            <a:off x="477520" y="452796"/>
+            <a:ext cx="11480800" cy="2157612"/>
+          </a:xfrm>
+          <a:prstGeom prst="rect">
+            <a:avLst/>
+          </a:prstGeom>
+        </p:spPr>
+      </p:pic>
+      <p:pic>
+        <p:nvPicPr>
+          <p:cNvPr id="19" name="Picture 18">
+            <a:extLst>
+              <a:ext uri="{FF2B5EF4-FFF2-40B4-BE49-F238E27FC236}">
+                <a16:creationId xmlns:a16="http://schemas.microsoft.com/office/drawing/2014/main" id="{700E8B35-2FE9-7907-48EE-65579EA611BD}"/>
+              </a:ext>
+            </a:extLst>
+          </p:cNvPr>
+          <p:cNvPicPr>
+            <a:picLocks noChangeAspect="1"/>
+          </p:cNvPicPr>
+          <p:nvPr/>
+        </p:nvPicPr>
+        <p:blipFill>
+          <a:blip r:embed="rId3"/>
+          <a:stretch>
+            <a:fillRect/>
+          </a:stretch>
+        </p:blipFill>
+        <p:spPr>
+          <a:xfrm>
+            <a:off x="477520" y="2641873"/>
+            <a:ext cx="11480800" cy="2127938"/>
+          </a:xfrm>
+          <a:prstGeom prst="rect">
+            <a:avLst/>
+          </a:prstGeom>
+        </p:spPr>
+      </p:pic>
+      <p:pic>
+        <p:nvPicPr>
+          <p:cNvPr id="21" name="Picture 20">
+            <a:extLst>
+              <a:ext uri="{FF2B5EF4-FFF2-40B4-BE49-F238E27FC236}">
+                <a16:creationId xmlns:a16="http://schemas.microsoft.com/office/drawing/2014/main" id="{3ED3110C-31E1-0EC1-E2C4-A073D8FE1865}"/>
+              </a:ext>
+            </a:extLst>
+          </p:cNvPr>
+          <p:cNvPicPr>
+            <a:picLocks noChangeAspect="1"/>
+          </p:cNvPicPr>
+          <p:nvPr/>
+        </p:nvPicPr>
+        <p:blipFill>
+          <a:blip r:embed="rId4"/>
+          <a:stretch>
+            <a:fillRect/>
+          </a:stretch>
+        </p:blipFill>
+        <p:spPr>
+          <a:xfrm>
+            <a:off x="396240" y="4720694"/>
+            <a:ext cx="11480800" cy="2137306"/>
+          </a:xfrm>
+          <a:prstGeom prst="rect">
+            <a:avLst/>
+          </a:prstGeom>
+        </p:spPr>
+      </p:pic>
     </p:spTree>
     <p:extLst>
       <p:ext uri="{BB962C8B-B14F-4D97-AF65-F5344CB8AC3E}">
@@ -3593,10 +4275,10 @@
       </p:grpSpPr>
       <p:sp>
         <p:nvSpPr>
-          <p:cNvPr id="2" name="Title 1">
-            <a:extLst>
-              <a:ext uri="{FF2B5EF4-FFF2-40B4-BE49-F238E27FC236}">
-                <a16:creationId xmlns:a16="http://schemas.microsoft.com/office/drawing/2014/main" id="{29AF55CE-0436-2773-4527-649CC18DD771}"/>
+          <p:cNvPr id="4" name="Title 1">
+            <a:extLst>
+              <a:ext uri="{FF2B5EF4-FFF2-40B4-BE49-F238E27FC236}">
+                <a16:creationId xmlns:a16="http://schemas.microsoft.com/office/drawing/2014/main" id="{BF777B0F-4011-A720-0F02-653DA1880CA0}"/>
               </a:ext>
             </a:extLst>
           </p:cNvPr>
@@ -3607,55 +4289,125 @@
             <p:ph type="title"/>
           </p:nvPr>
         </p:nvSpPr>
-        <p:spPr/>
+        <p:spPr>
+          <a:xfrm>
+            <a:off x="838200" y="29845"/>
+            <a:ext cx="10515600" cy="701675"/>
+          </a:xfrm>
+        </p:spPr>
         <p:txBody>
           <a:bodyPr/>
           <a:lstStyle/>
           <a:p>
             <a:r>
               <a:rPr lang="en-US" dirty="0"/>
-              <a:t>Block average </a:t>
+              <a:t>Block averages by channel (PFC </a:t>
             </a:r>
             <a:r>
               <a:rPr lang="en-US" dirty="0" err="1"/>
-              <a:t>topoplots</a:t>
+              <a:t>cont</a:t>
             </a:r>
             <a:r>
               <a:rPr lang="en-US" dirty="0"/>
-              <a:t> (BH corrected)</a:t>
-            </a:r>
-          </a:p>
-        </p:txBody>
-      </p:sp>
-      <p:sp>
-        <p:nvSpPr>
-          <p:cNvPr id="3" name="Content Placeholder 2">
-            <a:extLst>
-              <a:ext uri="{FF2B5EF4-FFF2-40B4-BE49-F238E27FC236}">
-                <a16:creationId xmlns:a16="http://schemas.microsoft.com/office/drawing/2014/main" id="{4045D7C7-8831-D53B-3B56-0486A15439FB}"/>
-              </a:ext>
-            </a:extLst>
-          </p:cNvPr>
-          <p:cNvSpPr>
-            <a:spLocks noGrp="1"/>
-          </p:cNvSpPr>
-          <p:nvPr>
-            <p:ph idx="1"/>
-          </p:nvPr>
-        </p:nvSpPr>
-        <p:spPr/>
-        <p:txBody>
-          <a:bodyPr/>
-          <a:lstStyle/>
-          <a:p>
-            <a:endParaRPr lang="en-US"/>
-          </a:p>
-        </p:txBody>
-      </p:sp>
+              <a:t>)</a:t>
+            </a:r>
+          </a:p>
+        </p:txBody>
+      </p:sp>
+      <p:pic>
+        <p:nvPicPr>
+          <p:cNvPr id="18" name="Picture 17">
+            <a:extLst>
+              <a:ext uri="{FF2B5EF4-FFF2-40B4-BE49-F238E27FC236}">
+                <a16:creationId xmlns:a16="http://schemas.microsoft.com/office/drawing/2014/main" id="{52ACAAAF-7ADC-06DC-A825-CDF845BB112F}"/>
+              </a:ext>
+            </a:extLst>
+          </p:cNvPr>
+          <p:cNvPicPr>
+            <a:picLocks noChangeAspect="1"/>
+          </p:cNvPicPr>
+          <p:nvPr/>
+        </p:nvPicPr>
+        <p:blipFill>
+          <a:blip r:embed="rId2"/>
+          <a:stretch>
+            <a:fillRect/>
+          </a:stretch>
+        </p:blipFill>
+        <p:spPr>
+          <a:xfrm>
+            <a:off x="523240" y="731520"/>
+            <a:ext cx="11145520" cy="2082819"/>
+          </a:xfrm>
+          <a:prstGeom prst="rect">
+            <a:avLst/>
+          </a:prstGeom>
+        </p:spPr>
+      </p:pic>
+      <p:pic>
+        <p:nvPicPr>
+          <p:cNvPr id="20" name="Picture 19">
+            <a:extLst>
+              <a:ext uri="{FF2B5EF4-FFF2-40B4-BE49-F238E27FC236}">
+                <a16:creationId xmlns:a16="http://schemas.microsoft.com/office/drawing/2014/main" id="{79DF8ABE-2048-078E-EDE4-47DAA0747979}"/>
+              </a:ext>
+            </a:extLst>
+          </p:cNvPr>
+          <p:cNvPicPr>
+            <a:picLocks noChangeAspect="1"/>
+          </p:cNvPicPr>
+          <p:nvPr/>
+        </p:nvPicPr>
+        <p:blipFill>
+          <a:blip r:embed="rId3"/>
+          <a:stretch>
+            <a:fillRect/>
+          </a:stretch>
+        </p:blipFill>
+        <p:spPr>
+          <a:xfrm>
+            <a:off x="523240" y="2666038"/>
+            <a:ext cx="11145520" cy="2072774"/>
+          </a:xfrm>
+          <a:prstGeom prst="rect">
+            <a:avLst/>
+          </a:prstGeom>
+        </p:spPr>
+      </p:pic>
+      <p:pic>
+        <p:nvPicPr>
+          <p:cNvPr id="22" name="Picture 21">
+            <a:extLst>
+              <a:ext uri="{FF2B5EF4-FFF2-40B4-BE49-F238E27FC236}">
+                <a16:creationId xmlns:a16="http://schemas.microsoft.com/office/drawing/2014/main" id="{64E511FE-243B-513C-2CA9-83395E706F1C}"/>
+              </a:ext>
+            </a:extLst>
+          </p:cNvPr>
+          <p:cNvPicPr>
+            <a:picLocks noChangeAspect="1"/>
+          </p:cNvPicPr>
+          <p:nvPr/>
+        </p:nvPicPr>
+        <p:blipFill>
+          <a:blip r:embed="rId4"/>
+          <a:stretch>
+            <a:fillRect/>
+          </a:stretch>
+        </p:blipFill>
+        <p:spPr>
+          <a:xfrm>
+            <a:off x="523240" y="4607535"/>
+            <a:ext cx="11145520" cy="2065795"/>
+          </a:xfrm>
+          <a:prstGeom prst="rect">
+            <a:avLst/>
+          </a:prstGeom>
+        </p:spPr>
+      </p:pic>
     </p:spTree>
     <p:extLst>
       <p:ext uri="{BB962C8B-B14F-4D97-AF65-F5344CB8AC3E}">
-        <p14:creationId xmlns:p14="http://schemas.microsoft.com/office/powerpoint/2010/main" val="1713963719"/>
+        <p14:creationId xmlns:p14="http://schemas.microsoft.com/office/powerpoint/2010/main" val="2628261487"/>
       </p:ext>
     </p:extLst>
   </p:cSld>
@@ -3684,10 +4436,10 @@
       </p:grpSpPr>
       <p:sp>
         <p:nvSpPr>
-          <p:cNvPr id="2" name="Title 1">
-            <a:extLst>
-              <a:ext uri="{FF2B5EF4-FFF2-40B4-BE49-F238E27FC236}">
-                <a16:creationId xmlns:a16="http://schemas.microsoft.com/office/drawing/2014/main" id="{7A4511FE-55EB-7D42-60EE-3058B3C98E98}"/>
+          <p:cNvPr id="4" name="Title 1">
+            <a:extLst>
+              <a:ext uri="{FF2B5EF4-FFF2-40B4-BE49-F238E27FC236}">
+                <a16:creationId xmlns:a16="http://schemas.microsoft.com/office/drawing/2014/main" id="{159FE0E1-7ABA-F1DA-7A1E-01E3712222C0}"/>
               </a:ext>
             </a:extLst>
           </p:cNvPr>
@@ -3698,60 +4450,149 @@
             <p:ph type="title"/>
           </p:nvPr>
         </p:nvSpPr>
-        <p:spPr/>
-        <p:txBody>
-          <a:bodyPr/>
+        <p:spPr>
+          <a:xfrm>
+            <a:off x="838200" y="-46269"/>
+            <a:ext cx="8376920" cy="701675"/>
+          </a:xfrm>
+        </p:spPr>
+        <p:txBody>
+          <a:bodyPr>
+            <a:normAutofit fontScale="90000"/>
+          </a:bodyPr>
           <a:lstStyle/>
           <a:p>
             <a:r>
               <a:rPr lang="en-US" dirty="0"/>
-              <a:t>Mean </a:t>
-            </a:r>
-            <a:r>
-              <a:rPr lang="en-US" dirty="0" err="1"/>
-              <a:t>HbO</a:t>
-            </a:r>
-            <a:r>
-              <a:rPr lang="en-US" dirty="0"/>
-              <a:t> </a:t>
-            </a:r>
-            <a:r>
-              <a:rPr lang="en-US" dirty="0" err="1"/>
-              <a:t>topoplots</a:t>
-            </a:r>
-            <a:endParaRPr lang="en-US" dirty="0"/>
-          </a:p>
-        </p:txBody>
-      </p:sp>
-      <p:sp>
-        <p:nvSpPr>
-          <p:cNvPr id="3" name="Content Placeholder 2">
-            <a:extLst>
-              <a:ext uri="{FF2B5EF4-FFF2-40B4-BE49-F238E27FC236}">
-                <a16:creationId xmlns:a16="http://schemas.microsoft.com/office/drawing/2014/main" id="{FB6FBE8C-A3C2-EE85-BF3E-AA502EAA9C1F}"/>
-              </a:ext>
-            </a:extLst>
-          </p:cNvPr>
-          <p:cNvSpPr>
-            <a:spLocks noGrp="1"/>
-          </p:cNvSpPr>
-          <p:nvPr>
-            <p:ph idx="1"/>
-          </p:nvPr>
-        </p:nvSpPr>
-        <p:spPr/>
-        <p:txBody>
-          <a:bodyPr/>
-          <a:lstStyle/>
-          <a:p>
-            <a:endParaRPr lang="en-US"/>
-          </a:p>
-        </p:txBody>
-      </p:sp>
+              <a:t>Block averages by channel (STG Left)</a:t>
+            </a:r>
+          </a:p>
+        </p:txBody>
+      </p:sp>
+      <p:pic>
+        <p:nvPicPr>
+          <p:cNvPr id="12" name="Picture 11">
+            <a:extLst>
+              <a:ext uri="{FF2B5EF4-FFF2-40B4-BE49-F238E27FC236}">
+                <a16:creationId xmlns:a16="http://schemas.microsoft.com/office/drawing/2014/main" id="{C437ED37-70E6-7AC1-23ED-5D26701BC1D2}"/>
+              </a:ext>
+            </a:extLst>
+          </p:cNvPr>
+          <p:cNvPicPr>
+            <a:picLocks noChangeAspect="1"/>
+          </p:cNvPicPr>
+          <p:nvPr/>
+        </p:nvPicPr>
+        <p:blipFill>
+          <a:blip r:embed="rId2"/>
+          <a:stretch>
+            <a:fillRect/>
+          </a:stretch>
+        </p:blipFill>
+        <p:spPr>
+          <a:xfrm>
+            <a:off x="1832344" y="655406"/>
+            <a:ext cx="8376920" cy="1532619"/>
+          </a:xfrm>
+          <a:prstGeom prst="rect">
+            <a:avLst/>
+          </a:prstGeom>
+        </p:spPr>
+      </p:pic>
+      <p:pic>
+        <p:nvPicPr>
+          <p:cNvPr id="14" name="Picture 13">
+            <a:extLst>
+              <a:ext uri="{FF2B5EF4-FFF2-40B4-BE49-F238E27FC236}">
+                <a16:creationId xmlns:a16="http://schemas.microsoft.com/office/drawing/2014/main" id="{3C6BE627-E8EA-45CF-2CAB-D904B12F23E5}"/>
+              </a:ext>
+            </a:extLst>
+          </p:cNvPr>
+          <p:cNvPicPr>
+            <a:picLocks noChangeAspect="1"/>
+          </p:cNvPicPr>
+          <p:nvPr/>
+        </p:nvPicPr>
+        <p:blipFill>
+          <a:blip r:embed="rId3"/>
+          <a:stretch>
+            <a:fillRect/>
+          </a:stretch>
+        </p:blipFill>
+        <p:spPr>
+          <a:xfrm>
+            <a:off x="1832344" y="2188025"/>
+            <a:ext cx="8376920" cy="1583828"/>
+          </a:xfrm>
+          <a:prstGeom prst="rect">
+            <a:avLst/>
+          </a:prstGeom>
+        </p:spPr>
+      </p:pic>
+      <p:pic>
+        <p:nvPicPr>
+          <p:cNvPr id="16" name="Picture 15">
+            <a:extLst>
+              <a:ext uri="{FF2B5EF4-FFF2-40B4-BE49-F238E27FC236}">
+                <a16:creationId xmlns:a16="http://schemas.microsoft.com/office/drawing/2014/main" id="{5D198A49-9E69-4235-A209-BDADA9554043}"/>
+              </a:ext>
+            </a:extLst>
+          </p:cNvPr>
+          <p:cNvPicPr>
+            <a:picLocks noChangeAspect="1"/>
+          </p:cNvPicPr>
+          <p:nvPr/>
+        </p:nvPicPr>
+        <p:blipFill>
+          <a:blip r:embed="rId4"/>
+          <a:stretch>
+            <a:fillRect/>
+          </a:stretch>
+        </p:blipFill>
+        <p:spPr>
+          <a:xfrm>
+            <a:off x="1772172" y="3634357"/>
+            <a:ext cx="8376920" cy="1551282"/>
+          </a:xfrm>
+          <a:prstGeom prst="rect">
+            <a:avLst/>
+          </a:prstGeom>
+        </p:spPr>
+      </p:pic>
+      <p:pic>
+        <p:nvPicPr>
+          <p:cNvPr id="18" name="Picture 17">
+            <a:extLst>
+              <a:ext uri="{FF2B5EF4-FFF2-40B4-BE49-F238E27FC236}">
+                <a16:creationId xmlns:a16="http://schemas.microsoft.com/office/drawing/2014/main" id="{0015C12C-7CDD-EBB3-B7FE-66E09C5B9C38}"/>
+              </a:ext>
+            </a:extLst>
+          </p:cNvPr>
+          <p:cNvPicPr>
+            <a:picLocks noChangeAspect="1"/>
+          </p:cNvPicPr>
+          <p:nvPr/>
+        </p:nvPicPr>
+        <p:blipFill>
+          <a:blip r:embed="rId5"/>
+          <a:stretch>
+            <a:fillRect/>
+          </a:stretch>
+        </p:blipFill>
+        <p:spPr>
+          <a:xfrm>
+            <a:off x="1719136" y="5166976"/>
+            <a:ext cx="8490128" cy="1593564"/>
+          </a:xfrm>
+          <a:prstGeom prst="rect">
+            <a:avLst/>
+          </a:prstGeom>
+        </p:spPr>
+      </p:pic>
     </p:spTree>
     <p:extLst>
       <p:ext uri="{BB962C8B-B14F-4D97-AF65-F5344CB8AC3E}">
-        <p14:creationId xmlns:p14="http://schemas.microsoft.com/office/powerpoint/2010/main" val="469896196"/>
+        <p14:creationId xmlns:p14="http://schemas.microsoft.com/office/powerpoint/2010/main" val="27210607"/>
       </p:ext>
     </p:extLst>
   </p:cSld>
@@ -3780,10 +4621,10 @@
       </p:grpSpPr>
       <p:sp>
         <p:nvSpPr>
-          <p:cNvPr id="2" name="Title 1">
-            <a:extLst>
-              <a:ext uri="{FF2B5EF4-FFF2-40B4-BE49-F238E27FC236}">
-                <a16:creationId xmlns:a16="http://schemas.microsoft.com/office/drawing/2014/main" id="{7D982123-15B2-1432-2665-37AFC5D3121A}"/>
+          <p:cNvPr id="4" name="Title 1">
+            <a:extLst>
+              <a:ext uri="{FF2B5EF4-FFF2-40B4-BE49-F238E27FC236}">
+                <a16:creationId xmlns:a16="http://schemas.microsoft.com/office/drawing/2014/main" id="{2E684FBC-5142-18A9-9AA1-627E4D1B2044}"/>
               </a:ext>
             </a:extLst>
           </p:cNvPr>
@@ -3796,102 +4637,29 @@
         </p:nvSpPr>
         <p:spPr>
           <a:xfrm>
-            <a:off x="838200" y="0"/>
-            <a:ext cx="10515600" cy="1325563"/>
-          </a:xfrm>
-        </p:spPr>
-        <p:txBody>
-          <a:bodyPr/>
+            <a:off x="838200" y="-46269"/>
+            <a:ext cx="8986520" cy="701675"/>
+          </a:xfrm>
+        </p:spPr>
+        <p:txBody>
+          <a:bodyPr>
+            <a:normAutofit/>
+          </a:bodyPr>
           <a:lstStyle/>
           <a:p>
             <a:r>
               <a:rPr lang="en-US" dirty="0"/>
-              <a:t>GLM </a:t>
-            </a:r>
-            <a:r>
-              <a:rPr lang="en-US" dirty="0" err="1"/>
-              <a:t>topoplots</a:t>
-            </a:r>
-            <a:endParaRPr lang="en-US" dirty="0"/>
-          </a:p>
-        </p:txBody>
-      </p:sp>
-      <p:sp>
-        <p:nvSpPr>
-          <p:cNvPr id="10" name="TextBox 9">
-            <a:extLst>
-              <a:ext uri="{FF2B5EF4-FFF2-40B4-BE49-F238E27FC236}">
-                <a16:creationId xmlns:a16="http://schemas.microsoft.com/office/drawing/2014/main" id="{333A7074-FAA7-39C8-2789-A75504149594}"/>
-              </a:ext>
-            </a:extLst>
-          </p:cNvPr>
-          <p:cNvSpPr txBox="1"/>
-          <p:nvPr/>
-        </p:nvSpPr>
-        <p:spPr>
-          <a:xfrm>
-            <a:off x="364028" y="956231"/>
-            <a:ext cx="1837421" cy="369332"/>
-          </a:xfrm>
-          <a:prstGeom prst="rect">
-            <a:avLst/>
-          </a:prstGeom>
-          <a:noFill/>
-        </p:spPr>
-        <p:txBody>
-          <a:bodyPr wrap="square" rtlCol="0">
-            <a:spAutoFit/>
-          </a:bodyPr>
-          <a:lstStyle/>
-          <a:p>
-            <a:r>
-              <a:rPr lang="en-US" dirty="0"/>
-              <a:t>Speech masker</a:t>
-            </a:r>
-          </a:p>
-        </p:txBody>
-      </p:sp>
-      <p:sp>
-        <p:nvSpPr>
-          <p:cNvPr id="21" name="TextBox 20">
-            <a:extLst>
-              <a:ext uri="{FF2B5EF4-FFF2-40B4-BE49-F238E27FC236}">
-                <a16:creationId xmlns:a16="http://schemas.microsoft.com/office/drawing/2014/main" id="{4DAA716A-D4C9-DF2C-19F5-01F3E91CE933}"/>
-              </a:ext>
-            </a:extLst>
-          </p:cNvPr>
-          <p:cNvSpPr txBox="1"/>
-          <p:nvPr/>
-        </p:nvSpPr>
-        <p:spPr>
-          <a:xfrm>
-            <a:off x="364028" y="3910620"/>
-            <a:ext cx="1837421" cy="369332"/>
-          </a:xfrm>
-          <a:prstGeom prst="rect">
-            <a:avLst/>
-          </a:prstGeom>
-          <a:noFill/>
-        </p:spPr>
-        <p:txBody>
-          <a:bodyPr wrap="square" rtlCol="0">
-            <a:spAutoFit/>
-          </a:bodyPr>
-          <a:lstStyle/>
-          <a:p>
-            <a:r>
-              <a:rPr lang="en-US" dirty="0"/>
-              <a:t>Noise masker</a:t>
+              <a:t>Block averages by channel (STG Right)</a:t>
             </a:r>
           </a:p>
         </p:txBody>
       </p:sp>
       <p:pic>
         <p:nvPicPr>
-          <p:cNvPr id="27" name="Picture 26">
-            <a:extLst>
-              <a:ext uri="{FF2B5EF4-FFF2-40B4-BE49-F238E27FC236}">
-                <a16:creationId xmlns:a16="http://schemas.microsoft.com/office/drawing/2014/main" id="{F01F33EF-9D02-703E-72EA-9D000BBAC166}"/>
+          <p:cNvPr id="12" name="Picture 11">
+            <a:extLst>
+              <a:ext uri="{FF2B5EF4-FFF2-40B4-BE49-F238E27FC236}">
+                <a16:creationId xmlns:a16="http://schemas.microsoft.com/office/drawing/2014/main" id="{A769FA23-FFCB-1A6A-983C-62A8EDB5BC5C}"/>
               </a:ext>
             </a:extLst>
           </p:cNvPr>
@@ -3908,8 +4676,8 @@
         </p:blipFill>
         <p:spPr>
           <a:xfrm>
-            <a:off x="364028" y="4279952"/>
-            <a:ext cx="2820844" cy="2355016"/>
+            <a:off x="1483360" y="649168"/>
+            <a:ext cx="9225280" cy="1718889"/>
           </a:xfrm>
           <a:prstGeom prst="rect">
             <a:avLst/>
@@ -3918,10 +4686,10 @@
       </p:pic>
       <p:pic>
         <p:nvPicPr>
-          <p:cNvPr id="29" name="Picture 28">
-            <a:extLst>
-              <a:ext uri="{FF2B5EF4-FFF2-40B4-BE49-F238E27FC236}">
-                <a16:creationId xmlns:a16="http://schemas.microsoft.com/office/drawing/2014/main" id="{9CC59EEB-4CA3-6FC9-2A8C-3835D3979562}"/>
+          <p:cNvPr id="14" name="Picture 13">
+            <a:extLst>
+              <a:ext uri="{FF2B5EF4-FFF2-40B4-BE49-F238E27FC236}">
+                <a16:creationId xmlns:a16="http://schemas.microsoft.com/office/drawing/2014/main" id="{D311B9B1-847E-1D83-77A9-99897B798A89}"/>
               </a:ext>
             </a:extLst>
           </p:cNvPr>
@@ -3938,8 +4706,8 @@
         </p:blipFill>
         <p:spPr>
           <a:xfrm>
-            <a:off x="3184872" y="4279952"/>
-            <a:ext cx="2945414" cy="2459016"/>
+            <a:off x="1402080" y="2195368"/>
+            <a:ext cx="9225280" cy="1736251"/>
           </a:xfrm>
           <a:prstGeom prst="rect">
             <a:avLst/>
@@ -3948,10 +4716,10 @@
       </p:pic>
       <p:pic>
         <p:nvPicPr>
-          <p:cNvPr id="31" name="Picture 30">
-            <a:extLst>
-              <a:ext uri="{FF2B5EF4-FFF2-40B4-BE49-F238E27FC236}">
-                <a16:creationId xmlns:a16="http://schemas.microsoft.com/office/drawing/2014/main" id="{1225F699-3A16-CE02-C9DD-DCD98B6CE9CD}"/>
+          <p:cNvPr id="16" name="Picture 15">
+            <a:extLst>
+              <a:ext uri="{FF2B5EF4-FFF2-40B4-BE49-F238E27FC236}">
+                <a16:creationId xmlns:a16="http://schemas.microsoft.com/office/drawing/2014/main" id="{1FBD4C10-FD20-666D-EC29-ADD03E4F3B24}"/>
               </a:ext>
             </a:extLst>
           </p:cNvPr>
@@ -3968,8 +4736,8 @@
         </p:blipFill>
         <p:spPr>
           <a:xfrm>
-            <a:off x="6130286" y="4382562"/>
-            <a:ext cx="2822508" cy="2356406"/>
+            <a:off x="1402080" y="3840665"/>
+            <a:ext cx="9225280" cy="1683107"/>
           </a:xfrm>
           <a:prstGeom prst="rect">
             <a:avLst/>
@@ -3978,10 +4746,10 @@
       </p:pic>
       <p:pic>
         <p:nvPicPr>
-          <p:cNvPr id="33" name="Picture 32">
-            <a:extLst>
-              <a:ext uri="{FF2B5EF4-FFF2-40B4-BE49-F238E27FC236}">
-                <a16:creationId xmlns:a16="http://schemas.microsoft.com/office/drawing/2014/main" id="{10E26111-D51A-9A87-79F3-CB08DD72147E}"/>
+          <p:cNvPr id="18" name="Picture 17">
+            <a:extLst>
+              <a:ext uri="{FF2B5EF4-FFF2-40B4-BE49-F238E27FC236}">
+                <a16:creationId xmlns:a16="http://schemas.microsoft.com/office/drawing/2014/main" id="{17500730-FF23-F23A-C8BA-9786282DA5D9}"/>
               </a:ext>
             </a:extLst>
           </p:cNvPr>
@@ -3998,128 +4766,8 @@
         </p:blipFill>
         <p:spPr>
           <a:xfrm>
-            <a:off x="9097710" y="4382562"/>
-            <a:ext cx="2912138" cy="2431236"/>
-          </a:xfrm>
-          <a:prstGeom prst="rect">
-            <a:avLst/>
-          </a:prstGeom>
-        </p:spPr>
-      </p:pic>
-      <p:pic>
-        <p:nvPicPr>
-          <p:cNvPr id="35" name="Picture 34">
-            <a:extLst>
-              <a:ext uri="{FF2B5EF4-FFF2-40B4-BE49-F238E27FC236}">
-                <a16:creationId xmlns:a16="http://schemas.microsoft.com/office/drawing/2014/main" id="{80CAD29F-88AE-4723-EFAC-F8BB17F74CAB}"/>
-              </a:ext>
-            </a:extLst>
-          </p:cNvPr>
-          <p:cNvPicPr>
-            <a:picLocks noChangeAspect="1"/>
-          </p:cNvPicPr>
-          <p:nvPr/>
-        </p:nvPicPr>
-        <p:blipFill>
-          <a:blip r:embed="rId6"/>
-          <a:stretch>
-            <a:fillRect/>
-          </a:stretch>
-        </p:blipFill>
-        <p:spPr>
-          <a:xfrm>
-            <a:off x="285237" y="1419632"/>
-            <a:ext cx="2762518" cy="2306322"/>
-          </a:xfrm>
-          <a:prstGeom prst="rect">
-            <a:avLst/>
-          </a:prstGeom>
-        </p:spPr>
-      </p:pic>
-      <p:pic>
-        <p:nvPicPr>
-          <p:cNvPr id="37" name="Picture 36">
-            <a:extLst>
-              <a:ext uri="{FF2B5EF4-FFF2-40B4-BE49-F238E27FC236}">
-                <a16:creationId xmlns:a16="http://schemas.microsoft.com/office/drawing/2014/main" id="{E7673780-6817-483B-CF1E-9F705A80C046}"/>
-              </a:ext>
-            </a:extLst>
-          </p:cNvPr>
-          <p:cNvPicPr>
-            <a:picLocks noChangeAspect="1"/>
-          </p:cNvPicPr>
-          <p:nvPr/>
-        </p:nvPicPr>
-        <p:blipFill>
-          <a:blip r:embed="rId7"/>
-          <a:stretch>
-            <a:fillRect/>
-          </a:stretch>
-        </p:blipFill>
-        <p:spPr>
-          <a:xfrm>
-            <a:off x="3047755" y="1499669"/>
-            <a:ext cx="2570780" cy="2146248"/>
-          </a:xfrm>
-          <a:prstGeom prst="rect">
-            <a:avLst/>
-          </a:prstGeom>
-        </p:spPr>
-      </p:pic>
-      <p:pic>
-        <p:nvPicPr>
-          <p:cNvPr id="39" name="Picture 38">
-            <a:extLst>
-              <a:ext uri="{FF2B5EF4-FFF2-40B4-BE49-F238E27FC236}">
-                <a16:creationId xmlns:a16="http://schemas.microsoft.com/office/drawing/2014/main" id="{354FF7AF-31A1-C840-FC69-07610A166767}"/>
-              </a:ext>
-            </a:extLst>
-          </p:cNvPr>
-          <p:cNvPicPr>
-            <a:picLocks noChangeAspect="1"/>
-          </p:cNvPicPr>
-          <p:nvPr/>
-        </p:nvPicPr>
-        <p:blipFill>
-          <a:blip r:embed="rId8"/>
-          <a:stretch>
-            <a:fillRect/>
-          </a:stretch>
-        </p:blipFill>
-        <p:spPr>
-          <a:xfrm>
-            <a:off x="5945987" y="1499669"/>
-            <a:ext cx="2679354" cy="2236892"/>
-          </a:xfrm>
-          <a:prstGeom prst="rect">
-            <a:avLst/>
-          </a:prstGeom>
-        </p:spPr>
-      </p:pic>
-      <p:pic>
-        <p:nvPicPr>
-          <p:cNvPr id="41" name="Picture 40">
-            <a:extLst>
-              <a:ext uri="{FF2B5EF4-FFF2-40B4-BE49-F238E27FC236}">
-                <a16:creationId xmlns:a16="http://schemas.microsoft.com/office/drawing/2014/main" id="{105E53FF-44C7-96A4-7720-86AD677915DE}"/>
-              </a:ext>
-            </a:extLst>
-          </p:cNvPr>
-          <p:cNvPicPr>
-            <a:picLocks noChangeAspect="1"/>
-          </p:cNvPicPr>
-          <p:nvPr/>
-        </p:nvPicPr>
-        <p:blipFill>
-          <a:blip r:embed="rId9"/>
-          <a:stretch>
-            <a:fillRect/>
-          </a:stretch>
-        </p:blipFill>
-        <p:spPr>
-          <a:xfrm>
-            <a:off x="8896361" y="1442602"/>
-            <a:ext cx="2627212" cy="2193362"/>
+            <a:off x="1612191" y="5441783"/>
+            <a:ext cx="8805058" cy="1613984"/>
           </a:xfrm>
           <a:prstGeom prst="rect">
             <a:avLst/>
@@ -4129,7 +4777,7 @@
     </p:spTree>
     <p:extLst>
       <p:ext uri="{BB962C8B-B14F-4D97-AF65-F5344CB8AC3E}">
-        <p14:creationId xmlns:p14="http://schemas.microsoft.com/office/powerpoint/2010/main" val="2359869660"/>
+        <p14:creationId xmlns:p14="http://schemas.microsoft.com/office/powerpoint/2010/main" val="524710998"/>
       </p:ext>
     </p:extLst>
   </p:cSld>
@@ -4161,7 +4809,7 @@
           <p:cNvPr id="2" name="Title 1">
             <a:extLst>
               <a:ext uri="{FF2B5EF4-FFF2-40B4-BE49-F238E27FC236}">
-                <a16:creationId xmlns:a16="http://schemas.microsoft.com/office/drawing/2014/main" id="{EBE6161A-9094-26BB-F266-A48556AE5609}"/>
+                <a16:creationId xmlns:a16="http://schemas.microsoft.com/office/drawing/2014/main" id="{7A4511FE-55EB-7D42-60EE-3058B3C98E98}"/>
               </a:ext>
             </a:extLst>
           </p:cNvPr>
@@ -4172,28 +4820,28 @@
             <p:ph type="title"/>
           </p:nvPr>
         </p:nvSpPr>
-        <p:spPr>
-          <a:xfrm>
-            <a:off x="838200" y="365125"/>
-            <a:ext cx="10515600" cy="823595"/>
-          </a:xfrm>
-        </p:spPr>
+        <p:spPr/>
         <p:txBody>
           <a:bodyPr/>
           <a:lstStyle/>
           <a:p>
             <a:r>
               <a:rPr lang="en-US" dirty="0"/>
-              <a:t>GLM </a:t>
+              <a:t>Mean </a:t>
+            </a:r>
+            <a:r>
+              <a:rPr lang="en-US" dirty="0" err="1"/>
+              <a:t>HbO</a:t>
+            </a:r>
+            <a:r>
+              <a:rPr lang="en-US" dirty="0"/>
+              <a:t> </a:t>
             </a:r>
             <a:r>
               <a:rPr lang="en-US" dirty="0" err="1"/>
               <a:t>topoplots</a:t>
             </a:r>
-            <a:r>
-              <a:rPr lang="en-US" dirty="0"/>
-              <a:t> (BH Corrected a la Eli)</a:t>
-            </a:r>
+            <a:endParaRPr lang="en-US" dirty="0"/>
           </a:p>
         </p:txBody>
       </p:sp>
@@ -4202,7 +4850,7 @@
           <p:cNvPr id="4" name="TextBox 3">
             <a:extLst>
               <a:ext uri="{FF2B5EF4-FFF2-40B4-BE49-F238E27FC236}">
-                <a16:creationId xmlns:a16="http://schemas.microsoft.com/office/drawing/2014/main" id="{EF2246E9-812C-67E4-EDE1-3294B11ADFED}"/>
+                <a16:creationId xmlns:a16="http://schemas.microsoft.com/office/drawing/2014/main" id="{0899B2FC-9A30-F024-10B5-83B46544FDCD}"/>
               </a:ext>
             </a:extLst>
           </p:cNvPr>
@@ -4211,7 +4859,7 @@
         </p:nvSpPr>
         <p:spPr>
           <a:xfrm>
-            <a:off x="364028" y="1004054"/>
+            <a:off x="343708" y="1240711"/>
             <a:ext cx="1837421" cy="369332"/>
           </a:xfrm>
           <a:prstGeom prst="rect">
@@ -4232,132 +4880,12 @@
           </a:p>
         </p:txBody>
       </p:sp>
-      <p:pic>
-        <p:nvPicPr>
-          <p:cNvPr id="16" name="Picture 15">
-            <a:extLst>
-              <a:ext uri="{FF2B5EF4-FFF2-40B4-BE49-F238E27FC236}">
-                <a16:creationId xmlns:a16="http://schemas.microsoft.com/office/drawing/2014/main" id="{F332F77E-7440-B40C-A2C3-F155A6D74460}"/>
-              </a:ext>
-            </a:extLst>
-          </p:cNvPr>
-          <p:cNvPicPr>
-            <a:picLocks noChangeAspect="1"/>
-          </p:cNvPicPr>
-          <p:nvPr/>
-        </p:nvPicPr>
-        <p:blipFill>
-          <a:blip r:embed="rId2"/>
-          <a:stretch>
-            <a:fillRect/>
-          </a:stretch>
-        </p:blipFill>
-        <p:spPr>
-          <a:xfrm>
-            <a:off x="158317" y="4368800"/>
-            <a:ext cx="3032246" cy="2367280"/>
-          </a:xfrm>
-          <a:prstGeom prst="rect">
-            <a:avLst/>
-          </a:prstGeom>
-        </p:spPr>
-      </p:pic>
-      <p:pic>
-        <p:nvPicPr>
-          <p:cNvPr id="18" name="Picture 17">
-            <a:extLst>
-              <a:ext uri="{FF2B5EF4-FFF2-40B4-BE49-F238E27FC236}">
-                <a16:creationId xmlns:a16="http://schemas.microsoft.com/office/drawing/2014/main" id="{D2C54787-D6C5-01A0-802E-040B7167778D}"/>
-              </a:ext>
-            </a:extLst>
-          </p:cNvPr>
-          <p:cNvPicPr>
-            <a:picLocks noChangeAspect="1"/>
-          </p:cNvPicPr>
-          <p:nvPr/>
-        </p:nvPicPr>
-        <p:blipFill>
-          <a:blip r:embed="rId3"/>
-          <a:stretch>
-            <a:fillRect/>
-          </a:stretch>
-        </p:blipFill>
-        <p:spPr>
-          <a:xfrm>
-            <a:off x="3388457" y="4409764"/>
-            <a:ext cx="2961544" cy="2285352"/>
-          </a:xfrm>
-          <a:prstGeom prst="rect">
-            <a:avLst/>
-          </a:prstGeom>
-        </p:spPr>
-      </p:pic>
-      <p:pic>
-        <p:nvPicPr>
-          <p:cNvPr id="20" name="Picture 19">
-            <a:extLst>
-              <a:ext uri="{FF2B5EF4-FFF2-40B4-BE49-F238E27FC236}">
-                <a16:creationId xmlns:a16="http://schemas.microsoft.com/office/drawing/2014/main" id="{CFE8CD7E-392F-2BDF-7275-7BC451C2271A}"/>
-              </a:ext>
-            </a:extLst>
-          </p:cNvPr>
-          <p:cNvPicPr>
-            <a:picLocks noChangeAspect="1"/>
-          </p:cNvPicPr>
-          <p:nvPr/>
-        </p:nvPicPr>
-        <p:blipFill>
-          <a:blip r:embed="rId4"/>
-          <a:stretch>
-            <a:fillRect/>
-          </a:stretch>
-        </p:blipFill>
-        <p:spPr>
-          <a:xfrm>
-            <a:off x="6363083" y="4384674"/>
-            <a:ext cx="2969940" cy="2298476"/>
-          </a:xfrm>
-          <a:prstGeom prst="rect">
-            <a:avLst/>
-          </a:prstGeom>
-        </p:spPr>
-      </p:pic>
-      <p:pic>
-        <p:nvPicPr>
-          <p:cNvPr id="22" name="Picture 21">
-            <a:extLst>
-              <a:ext uri="{FF2B5EF4-FFF2-40B4-BE49-F238E27FC236}">
-                <a16:creationId xmlns:a16="http://schemas.microsoft.com/office/drawing/2014/main" id="{26EB9422-572A-FC38-E0E3-3B80055E81B9}"/>
-              </a:ext>
-            </a:extLst>
-          </p:cNvPr>
-          <p:cNvPicPr>
-            <a:picLocks noChangeAspect="1"/>
-          </p:cNvPicPr>
-          <p:nvPr/>
-        </p:nvPicPr>
-        <p:blipFill>
-          <a:blip r:embed="rId5"/>
-          <a:stretch>
-            <a:fillRect/>
-          </a:stretch>
-        </p:blipFill>
-        <p:spPr>
-          <a:xfrm>
-            <a:off x="9346106" y="4489994"/>
-            <a:ext cx="2713814" cy="2124892"/>
-          </a:xfrm>
-          <a:prstGeom prst="rect">
-            <a:avLst/>
-          </a:prstGeom>
-        </p:spPr>
-      </p:pic>
-      <p:sp>
-        <p:nvSpPr>
-          <p:cNvPr id="23" name="TextBox 22">
-            <a:extLst>
-              <a:ext uri="{FF2B5EF4-FFF2-40B4-BE49-F238E27FC236}">
-                <a16:creationId xmlns:a16="http://schemas.microsoft.com/office/drawing/2014/main" id="{F1CCC18E-2398-5D97-6937-4FF3D5C826B2}"/>
+      <p:sp>
+        <p:nvSpPr>
+          <p:cNvPr id="5" name="TextBox 4">
+            <a:extLst>
+              <a:ext uri="{FF2B5EF4-FFF2-40B4-BE49-F238E27FC236}">
+                <a16:creationId xmlns:a16="http://schemas.microsoft.com/office/drawing/2014/main" id="{E9A4A655-5A5C-E08B-476A-7775D8F1CA63}"/>
               </a:ext>
             </a:extLst>
           </p:cNvPr>
@@ -4366,7 +4894,7 @@
         </p:nvSpPr>
         <p:spPr>
           <a:xfrm>
-            <a:off x="364027" y="3814802"/>
+            <a:off x="343708" y="4195100"/>
             <a:ext cx="1837421" cy="369332"/>
           </a:xfrm>
           <a:prstGeom prst="rect">
@@ -4387,100 +4915,10 @@
           </a:p>
         </p:txBody>
       </p:sp>
-      <p:pic>
-        <p:nvPicPr>
-          <p:cNvPr id="25" name="Picture 24">
-            <a:extLst>
-              <a:ext uri="{FF2B5EF4-FFF2-40B4-BE49-F238E27FC236}">
-                <a16:creationId xmlns:a16="http://schemas.microsoft.com/office/drawing/2014/main" id="{E3B432D0-0C6B-B343-6B31-7C972210F553}"/>
-              </a:ext>
-            </a:extLst>
-          </p:cNvPr>
-          <p:cNvPicPr>
-            <a:picLocks noChangeAspect="1"/>
-          </p:cNvPicPr>
-          <p:nvPr/>
-        </p:nvPicPr>
-        <p:blipFill>
-          <a:blip r:embed="rId6"/>
-          <a:stretch>
-            <a:fillRect/>
-          </a:stretch>
-        </p:blipFill>
-        <p:spPr>
-          <a:xfrm>
-            <a:off x="158317" y="1478584"/>
-            <a:ext cx="2857712" cy="2231020"/>
-          </a:xfrm>
-          <a:prstGeom prst="rect">
-            <a:avLst/>
-          </a:prstGeom>
-        </p:spPr>
-      </p:pic>
-      <p:pic>
-        <p:nvPicPr>
-          <p:cNvPr id="27" name="Picture 26">
-            <a:extLst>
-              <a:ext uri="{FF2B5EF4-FFF2-40B4-BE49-F238E27FC236}">
-                <a16:creationId xmlns:a16="http://schemas.microsoft.com/office/drawing/2014/main" id="{ECA9F22E-18B1-CDE2-C73F-ED268BA12217}"/>
-              </a:ext>
-            </a:extLst>
-          </p:cNvPr>
-          <p:cNvPicPr>
-            <a:picLocks noChangeAspect="1"/>
-          </p:cNvPicPr>
-          <p:nvPr/>
-        </p:nvPicPr>
-        <p:blipFill>
-          <a:blip r:embed="rId7"/>
-          <a:stretch>
-            <a:fillRect/>
-          </a:stretch>
-        </p:blipFill>
-        <p:spPr>
-          <a:xfrm>
-            <a:off x="3016029" y="1478584"/>
-            <a:ext cx="2844802" cy="2195266"/>
-          </a:xfrm>
-          <a:prstGeom prst="rect">
-            <a:avLst/>
-          </a:prstGeom>
-        </p:spPr>
-      </p:pic>
-      <p:pic>
-        <p:nvPicPr>
-          <p:cNvPr id="29" name="Picture 28">
-            <a:extLst>
-              <a:ext uri="{FF2B5EF4-FFF2-40B4-BE49-F238E27FC236}">
-                <a16:creationId xmlns:a16="http://schemas.microsoft.com/office/drawing/2014/main" id="{579E7447-7235-F1C8-79C9-21E853BAC6EB}"/>
-              </a:ext>
-            </a:extLst>
-          </p:cNvPr>
-          <p:cNvPicPr>
-            <a:picLocks noChangeAspect="1"/>
-          </p:cNvPicPr>
-          <p:nvPr/>
-        </p:nvPicPr>
-        <p:blipFill>
-          <a:blip r:embed="rId8"/>
-          <a:stretch>
-            <a:fillRect/>
-          </a:stretch>
-        </p:blipFill>
-        <p:spPr>
-          <a:xfrm>
-            <a:off x="5950223" y="1478584"/>
-            <a:ext cx="3008788" cy="2328540"/>
-          </a:xfrm>
-          <a:prstGeom prst="rect">
-            <a:avLst/>
-          </a:prstGeom>
-        </p:spPr>
-      </p:pic>
     </p:spTree>
     <p:extLst>
       <p:ext uri="{BB962C8B-B14F-4D97-AF65-F5344CB8AC3E}">
-        <p14:creationId xmlns:p14="http://schemas.microsoft.com/office/powerpoint/2010/main" val="2454698054"/>
+        <p14:creationId xmlns:p14="http://schemas.microsoft.com/office/powerpoint/2010/main" val="469896196"/>
       </p:ext>
     </p:extLst>
   </p:cSld>
@@ -4512,7 +4950,7 @@
           <p:cNvPr id="2" name="Title 1">
             <a:extLst>
               <a:ext uri="{FF2B5EF4-FFF2-40B4-BE49-F238E27FC236}">
-                <a16:creationId xmlns:a16="http://schemas.microsoft.com/office/drawing/2014/main" id="{01AAF186-A7CB-8F9D-6786-97CA2C012479}"/>
+                <a16:creationId xmlns:a16="http://schemas.microsoft.com/office/drawing/2014/main" id="{29AF55CE-0436-2773-4527-649CC18DD771}"/>
               </a:ext>
             </a:extLst>
           </p:cNvPr>
@@ -4530,7 +4968,15 @@
           <a:p>
             <a:r>
               <a:rPr lang="en-US" dirty="0"/>
-              <a:t>GLM Channel by Channel, across subjects</a:t>
+              <a:t>Block average </a:t>
+            </a:r>
+            <a:r>
+              <a:rPr lang="en-US" dirty="0" err="1"/>
+              <a:t>topoplots</a:t>
+            </a:r>
+            <a:r>
+              <a:rPr lang="en-US" dirty="0"/>
+              <a:t> (BH corrected)</a:t>
             </a:r>
           </a:p>
         </p:txBody>
@@ -4540,7 +4986,7 @@
           <p:cNvPr id="3" name="Content Placeholder 2">
             <a:extLst>
               <a:ext uri="{FF2B5EF4-FFF2-40B4-BE49-F238E27FC236}">
-                <a16:creationId xmlns:a16="http://schemas.microsoft.com/office/drawing/2014/main" id="{8661222C-D35E-816E-65F5-A8F84ECAE8B8}"/>
+                <a16:creationId xmlns:a16="http://schemas.microsoft.com/office/drawing/2014/main" id="{4045D7C7-8831-D53B-3B56-0486A15439FB}"/>
               </a:ext>
             </a:extLst>
           </p:cNvPr>
@@ -4563,7 +5009,7 @@
     </p:spTree>
     <p:extLst>
       <p:ext uri="{BB962C8B-B14F-4D97-AF65-F5344CB8AC3E}">
-        <p14:creationId xmlns:p14="http://schemas.microsoft.com/office/powerpoint/2010/main" val="15692493"/>
+        <p14:creationId xmlns:p14="http://schemas.microsoft.com/office/powerpoint/2010/main" val="1713963719"/>
       </p:ext>
     </p:extLst>
   </p:cSld>
@@ -4595,7 +5041,7 @@
           <p:cNvPr id="2" name="Title 1">
             <a:extLst>
               <a:ext uri="{FF2B5EF4-FFF2-40B4-BE49-F238E27FC236}">
-                <a16:creationId xmlns:a16="http://schemas.microsoft.com/office/drawing/2014/main" id="{80343B3E-3B81-7802-6F55-676A963D053B}"/>
+                <a16:creationId xmlns:a16="http://schemas.microsoft.com/office/drawing/2014/main" id="{7D982123-15B2-1432-2665-37AFC5D3121A}"/>
               </a:ext>
             </a:extLst>
           </p:cNvPr>
@@ -4606,47 +5052,342 @@
             <p:ph type="title"/>
           </p:nvPr>
         </p:nvSpPr>
-        <p:spPr/>
+        <p:spPr>
+          <a:xfrm>
+            <a:off x="838200" y="0"/>
+            <a:ext cx="10515600" cy="1325563"/>
+          </a:xfrm>
+        </p:spPr>
         <p:txBody>
           <a:bodyPr/>
           <a:lstStyle/>
           <a:p>
             <a:r>
               <a:rPr lang="en-US" dirty="0"/>
-              <a:t>Mixed Effects Model Analysis</a:t>
-            </a:r>
-          </a:p>
-        </p:txBody>
-      </p:sp>
-      <p:sp>
-        <p:nvSpPr>
-          <p:cNvPr id="3" name="Content Placeholder 2">
-            <a:extLst>
-              <a:ext uri="{FF2B5EF4-FFF2-40B4-BE49-F238E27FC236}">
-                <a16:creationId xmlns:a16="http://schemas.microsoft.com/office/drawing/2014/main" id="{B77BFE24-49DE-2AB6-FDE5-A2AA3BF4B15D}"/>
-              </a:ext>
-            </a:extLst>
-          </p:cNvPr>
-          <p:cNvSpPr>
-            <a:spLocks noGrp="1"/>
-          </p:cNvSpPr>
-          <p:nvPr>
-            <p:ph idx="1"/>
-          </p:nvPr>
-        </p:nvSpPr>
-        <p:spPr/>
-        <p:txBody>
-          <a:bodyPr/>
-          <a:lstStyle/>
-          <a:p>
-            <a:endParaRPr lang="en-US"/>
-          </a:p>
-        </p:txBody>
-      </p:sp>
+              <a:t>GLM </a:t>
+            </a:r>
+            <a:r>
+              <a:rPr lang="en-US" dirty="0" err="1"/>
+              <a:t>topoplots</a:t>
+            </a:r>
+            <a:endParaRPr lang="en-US" dirty="0"/>
+          </a:p>
+        </p:txBody>
+      </p:sp>
+      <p:sp>
+        <p:nvSpPr>
+          <p:cNvPr id="10" name="TextBox 9">
+            <a:extLst>
+              <a:ext uri="{FF2B5EF4-FFF2-40B4-BE49-F238E27FC236}">
+                <a16:creationId xmlns:a16="http://schemas.microsoft.com/office/drawing/2014/main" id="{333A7074-FAA7-39C8-2789-A75504149594}"/>
+              </a:ext>
+            </a:extLst>
+          </p:cNvPr>
+          <p:cNvSpPr txBox="1"/>
+          <p:nvPr/>
+        </p:nvSpPr>
+        <p:spPr>
+          <a:xfrm>
+            <a:off x="364028" y="956231"/>
+            <a:ext cx="1837421" cy="369332"/>
+          </a:xfrm>
+          <a:prstGeom prst="rect">
+            <a:avLst/>
+          </a:prstGeom>
+          <a:noFill/>
+        </p:spPr>
+        <p:txBody>
+          <a:bodyPr wrap="square" rtlCol="0">
+            <a:spAutoFit/>
+          </a:bodyPr>
+          <a:lstStyle/>
+          <a:p>
+            <a:r>
+              <a:rPr lang="en-US" dirty="0"/>
+              <a:t>Speech masker</a:t>
+            </a:r>
+          </a:p>
+        </p:txBody>
+      </p:sp>
+      <p:sp>
+        <p:nvSpPr>
+          <p:cNvPr id="21" name="TextBox 20">
+            <a:extLst>
+              <a:ext uri="{FF2B5EF4-FFF2-40B4-BE49-F238E27FC236}">
+                <a16:creationId xmlns:a16="http://schemas.microsoft.com/office/drawing/2014/main" id="{4DAA716A-D4C9-DF2C-19F5-01F3E91CE933}"/>
+              </a:ext>
+            </a:extLst>
+          </p:cNvPr>
+          <p:cNvSpPr txBox="1"/>
+          <p:nvPr/>
+        </p:nvSpPr>
+        <p:spPr>
+          <a:xfrm>
+            <a:off x="364028" y="3910620"/>
+            <a:ext cx="1837421" cy="369332"/>
+          </a:xfrm>
+          <a:prstGeom prst="rect">
+            <a:avLst/>
+          </a:prstGeom>
+          <a:noFill/>
+        </p:spPr>
+        <p:txBody>
+          <a:bodyPr wrap="square" rtlCol="0">
+            <a:spAutoFit/>
+          </a:bodyPr>
+          <a:lstStyle/>
+          <a:p>
+            <a:r>
+              <a:rPr lang="en-US" dirty="0"/>
+              <a:t>Noise masker</a:t>
+            </a:r>
+          </a:p>
+        </p:txBody>
+      </p:sp>
+      <p:pic>
+        <p:nvPicPr>
+          <p:cNvPr id="27" name="Picture 26">
+            <a:extLst>
+              <a:ext uri="{FF2B5EF4-FFF2-40B4-BE49-F238E27FC236}">
+                <a16:creationId xmlns:a16="http://schemas.microsoft.com/office/drawing/2014/main" id="{F01F33EF-9D02-703E-72EA-9D000BBAC166}"/>
+              </a:ext>
+            </a:extLst>
+          </p:cNvPr>
+          <p:cNvPicPr>
+            <a:picLocks noChangeAspect="1"/>
+          </p:cNvPicPr>
+          <p:nvPr/>
+        </p:nvPicPr>
+        <p:blipFill>
+          <a:blip r:embed="rId2"/>
+          <a:stretch>
+            <a:fillRect/>
+          </a:stretch>
+        </p:blipFill>
+        <p:spPr>
+          <a:xfrm>
+            <a:off x="364028" y="4279952"/>
+            <a:ext cx="2820844" cy="2355016"/>
+          </a:xfrm>
+          <a:prstGeom prst="rect">
+            <a:avLst/>
+          </a:prstGeom>
+        </p:spPr>
+      </p:pic>
+      <p:pic>
+        <p:nvPicPr>
+          <p:cNvPr id="29" name="Picture 28">
+            <a:extLst>
+              <a:ext uri="{FF2B5EF4-FFF2-40B4-BE49-F238E27FC236}">
+                <a16:creationId xmlns:a16="http://schemas.microsoft.com/office/drawing/2014/main" id="{9CC59EEB-4CA3-6FC9-2A8C-3835D3979562}"/>
+              </a:ext>
+            </a:extLst>
+          </p:cNvPr>
+          <p:cNvPicPr>
+            <a:picLocks noChangeAspect="1"/>
+          </p:cNvPicPr>
+          <p:nvPr/>
+        </p:nvPicPr>
+        <p:blipFill>
+          <a:blip r:embed="rId3"/>
+          <a:stretch>
+            <a:fillRect/>
+          </a:stretch>
+        </p:blipFill>
+        <p:spPr>
+          <a:xfrm>
+            <a:off x="3184872" y="4279952"/>
+            <a:ext cx="2945414" cy="2459016"/>
+          </a:xfrm>
+          <a:prstGeom prst="rect">
+            <a:avLst/>
+          </a:prstGeom>
+        </p:spPr>
+      </p:pic>
+      <p:pic>
+        <p:nvPicPr>
+          <p:cNvPr id="31" name="Picture 30">
+            <a:extLst>
+              <a:ext uri="{FF2B5EF4-FFF2-40B4-BE49-F238E27FC236}">
+                <a16:creationId xmlns:a16="http://schemas.microsoft.com/office/drawing/2014/main" id="{1225F699-3A16-CE02-C9DD-DCD98B6CE9CD}"/>
+              </a:ext>
+            </a:extLst>
+          </p:cNvPr>
+          <p:cNvPicPr>
+            <a:picLocks noChangeAspect="1"/>
+          </p:cNvPicPr>
+          <p:nvPr/>
+        </p:nvPicPr>
+        <p:blipFill>
+          <a:blip r:embed="rId4"/>
+          <a:stretch>
+            <a:fillRect/>
+          </a:stretch>
+        </p:blipFill>
+        <p:spPr>
+          <a:xfrm>
+            <a:off x="6130286" y="4382562"/>
+            <a:ext cx="2822508" cy="2356406"/>
+          </a:xfrm>
+          <a:prstGeom prst="rect">
+            <a:avLst/>
+          </a:prstGeom>
+        </p:spPr>
+      </p:pic>
+      <p:pic>
+        <p:nvPicPr>
+          <p:cNvPr id="33" name="Picture 32">
+            <a:extLst>
+              <a:ext uri="{FF2B5EF4-FFF2-40B4-BE49-F238E27FC236}">
+                <a16:creationId xmlns:a16="http://schemas.microsoft.com/office/drawing/2014/main" id="{10E26111-D51A-9A87-79F3-CB08DD72147E}"/>
+              </a:ext>
+            </a:extLst>
+          </p:cNvPr>
+          <p:cNvPicPr>
+            <a:picLocks noChangeAspect="1"/>
+          </p:cNvPicPr>
+          <p:nvPr/>
+        </p:nvPicPr>
+        <p:blipFill>
+          <a:blip r:embed="rId5"/>
+          <a:stretch>
+            <a:fillRect/>
+          </a:stretch>
+        </p:blipFill>
+        <p:spPr>
+          <a:xfrm>
+            <a:off x="9097710" y="4382562"/>
+            <a:ext cx="2912138" cy="2431236"/>
+          </a:xfrm>
+          <a:prstGeom prst="rect">
+            <a:avLst/>
+          </a:prstGeom>
+        </p:spPr>
+      </p:pic>
+      <p:pic>
+        <p:nvPicPr>
+          <p:cNvPr id="35" name="Picture 34">
+            <a:extLst>
+              <a:ext uri="{FF2B5EF4-FFF2-40B4-BE49-F238E27FC236}">
+                <a16:creationId xmlns:a16="http://schemas.microsoft.com/office/drawing/2014/main" id="{80CAD29F-88AE-4723-EFAC-F8BB17F74CAB}"/>
+              </a:ext>
+            </a:extLst>
+          </p:cNvPr>
+          <p:cNvPicPr>
+            <a:picLocks noChangeAspect="1"/>
+          </p:cNvPicPr>
+          <p:nvPr/>
+        </p:nvPicPr>
+        <p:blipFill>
+          <a:blip r:embed="rId6"/>
+          <a:stretch>
+            <a:fillRect/>
+          </a:stretch>
+        </p:blipFill>
+        <p:spPr>
+          <a:xfrm>
+            <a:off x="285237" y="1419632"/>
+            <a:ext cx="2762518" cy="2306322"/>
+          </a:xfrm>
+          <a:prstGeom prst="rect">
+            <a:avLst/>
+          </a:prstGeom>
+        </p:spPr>
+      </p:pic>
+      <p:pic>
+        <p:nvPicPr>
+          <p:cNvPr id="37" name="Picture 36">
+            <a:extLst>
+              <a:ext uri="{FF2B5EF4-FFF2-40B4-BE49-F238E27FC236}">
+                <a16:creationId xmlns:a16="http://schemas.microsoft.com/office/drawing/2014/main" id="{E7673780-6817-483B-CF1E-9F705A80C046}"/>
+              </a:ext>
+            </a:extLst>
+          </p:cNvPr>
+          <p:cNvPicPr>
+            <a:picLocks noChangeAspect="1"/>
+          </p:cNvPicPr>
+          <p:nvPr/>
+        </p:nvPicPr>
+        <p:blipFill>
+          <a:blip r:embed="rId7"/>
+          <a:stretch>
+            <a:fillRect/>
+          </a:stretch>
+        </p:blipFill>
+        <p:spPr>
+          <a:xfrm>
+            <a:off x="3047755" y="1499669"/>
+            <a:ext cx="2570780" cy="2146248"/>
+          </a:xfrm>
+          <a:prstGeom prst="rect">
+            <a:avLst/>
+          </a:prstGeom>
+        </p:spPr>
+      </p:pic>
+      <p:pic>
+        <p:nvPicPr>
+          <p:cNvPr id="39" name="Picture 38">
+            <a:extLst>
+              <a:ext uri="{FF2B5EF4-FFF2-40B4-BE49-F238E27FC236}">
+                <a16:creationId xmlns:a16="http://schemas.microsoft.com/office/drawing/2014/main" id="{354FF7AF-31A1-C840-FC69-07610A166767}"/>
+              </a:ext>
+            </a:extLst>
+          </p:cNvPr>
+          <p:cNvPicPr>
+            <a:picLocks noChangeAspect="1"/>
+          </p:cNvPicPr>
+          <p:nvPr/>
+        </p:nvPicPr>
+        <p:blipFill>
+          <a:blip r:embed="rId8"/>
+          <a:stretch>
+            <a:fillRect/>
+          </a:stretch>
+        </p:blipFill>
+        <p:spPr>
+          <a:xfrm>
+            <a:off x="5945987" y="1499669"/>
+            <a:ext cx="2679354" cy="2236892"/>
+          </a:xfrm>
+          <a:prstGeom prst="rect">
+            <a:avLst/>
+          </a:prstGeom>
+        </p:spPr>
+      </p:pic>
+      <p:pic>
+        <p:nvPicPr>
+          <p:cNvPr id="41" name="Picture 40">
+            <a:extLst>
+              <a:ext uri="{FF2B5EF4-FFF2-40B4-BE49-F238E27FC236}">
+                <a16:creationId xmlns:a16="http://schemas.microsoft.com/office/drawing/2014/main" id="{105E53FF-44C7-96A4-7720-86AD677915DE}"/>
+              </a:ext>
+            </a:extLst>
+          </p:cNvPr>
+          <p:cNvPicPr>
+            <a:picLocks noChangeAspect="1"/>
+          </p:cNvPicPr>
+          <p:nvPr/>
+        </p:nvPicPr>
+        <p:blipFill>
+          <a:blip r:embed="rId9"/>
+          <a:stretch>
+            <a:fillRect/>
+          </a:stretch>
+        </p:blipFill>
+        <p:spPr>
+          <a:xfrm>
+            <a:off x="8896361" y="1442602"/>
+            <a:ext cx="2627212" cy="2193362"/>
+          </a:xfrm>
+          <a:prstGeom prst="rect">
+            <a:avLst/>
+          </a:prstGeom>
+        </p:spPr>
+      </p:pic>
     </p:spTree>
     <p:extLst>
       <p:ext uri="{BB962C8B-B14F-4D97-AF65-F5344CB8AC3E}">
-        <p14:creationId xmlns:p14="http://schemas.microsoft.com/office/powerpoint/2010/main" val="1614852943"/>
+        <p14:creationId xmlns:p14="http://schemas.microsoft.com/office/powerpoint/2010/main" val="2359869660"/>
       </p:ext>
     </p:extLst>
   </p:cSld>

--- a/SRM-NIRS-EEG Update 6-7-2024.pptx
+++ b/SRM-NIRS-EEG Update 6-7-2024.pptx
@@ -11,13 +11,18 @@
     <p:sldId id="266" r:id="rId5"/>
     <p:sldId id="267" r:id="rId6"/>
     <p:sldId id="268" r:id="rId7"/>
-    <p:sldId id="264" r:id="rId8"/>
-    <p:sldId id="263" r:id="rId9"/>
-    <p:sldId id="259" r:id="rId10"/>
-    <p:sldId id="262" r:id="rId11"/>
-    <p:sldId id="261" r:id="rId12"/>
-    <p:sldId id="260" r:id="rId13"/>
-    <p:sldId id="265" r:id="rId14"/>
+    <p:sldId id="274" r:id="rId8"/>
+    <p:sldId id="270" r:id="rId9"/>
+    <p:sldId id="271" r:id="rId10"/>
+    <p:sldId id="272" r:id="rId11"/>
+    <p:sldId id="273" r:id="rId12"/>
+    <p:sldId id="264" r:id="rId13"/>
+    <p:sldId id="259" r:id="rId14"/>
+    <p:sldId id="262" r:id="rId15"/>
+    <p:sldId id="261" r:id="rId16"/>
+    <p:sldId id="260" r:id="rId17"/>
+    <p:sldId id="265" r:id="rId18"/>
+    <p:sldId id="269" r:id="rId19"/>
   </p:sldIdLst>
   <p:sldSz cx="12192000" cy="6858000"/>
   <p:notesSz cx="6858000" cy="9144000"/>
@@ -3426,10 +3431,10 @@
       </p:grpSpPr>
       <p:sp>
         <p:nvSpPr>
-          <p:cNvPr id="2" name="Title 1">
-            <a:extLst>
-              <a:ext uri="{FF2B5EF4-FFF2-40B4-BE49-F238E27FC236}">
-                <a16:creationId xmlns:a16="http://schemas.microsoft.com/office/drawing/2014/main" id="{EBE6161A-9094-26BB-F266-A48556AE5609}"/>
+          <p:cNvPr id="4" name="Title 1">
+            <a:extLst>
+              <a:ext uri="{FF2B5EF4-FFF2-40B4-BE49-F238E27FC236}">
+                <a16:creationId xmlns:a16="http://schemas.microsoft.com/office/drawing/2014/main" id="{159FE0E1-7ABA-F1DA-7A1E-01E3712222C0}"/>
               </a:ext>
             </a:extLst>
           </p:cNvPr>
@@ -3442,70 +3447,29 @@
         </p:nvSpPr>
         <p:spPr>
           <a:xfrm>
-            <a:off x="838200" y="365125"/>
-            <a:ext cx="10515600" cy="823595"/>
-          </a:xfrm>
-        </p:spPr>
-        <p:txBody>
-          <a:bodyPr/>
+            <a:off x="838200" y="-46269"/>
+            <a:ext cx="11353800" cy="701675"/>
+          </a:xfrm>
+        </p:spPr>
+        <p:txBody>
+          <a:bodyPr>
+            <a:normAutofit fontScale="90000"/>
+          </a:bodyPr>
           <a:lstStyle/>
           <a:p>
             <a:r>
               <a:rPr lang="en-US" dirty="0"/>
-              <a:t>GLM </a:t>
-            </a:r>
-            <a:r>
-              <a:rPr lang="en-US" dirty="0" err="1"/>
-              <a:t>topoplots</a:t>
-            </a:r>
-            <a:r>
-              <a:rPr lang="en-US" dirty="0"/>
-              <a:t> (BH Corrected a la Eli)</a:t>
-            </a:r>
-          </a:p>
-        </p:txBody>
-      </p:sp>
-      <p:sp>
-        <p:nvSpPr>
-          <p:cNvPr id="4" name="TextBox 3">
-            <a:extLst>
-              <a:ext uri="{FF2B5EF4-FFF2-40B4-BE49-F238E27FC236}">
-                <a16:creationId xmlns:a16="http://schemas.microsoft.com/office/drawing/2014/main" id="{EF2246E9-812C-67E4-EDE1-3294B11ADFED}"/>
-              </a:ext>
-            </a:extLst>
-          </p:cNvPr>
-          <p:cNvSpPr txBox="1"/>
-          <p:nvPr/>
-        </p:nvSpPr>
-        <p:spPr>
-          <a:xfrm>
-            <a:off x="364028" y="1004054"/>
-            <a:ext cx="1837421" cy="369332"/>
-          </a:xfrm>
-          <a:prstGeom prst="rect">
-            <a:avLst/>
-          </a:prstGeom>
-          <a:noFill/>
-        </p:spPr>
-        <p:txBody>
-          <a:bodyPr wrap="square" rtlCol="0">
-            <a:spAutoFit/>
-          </a:bodyPr>
-          <a:lstStyle/>
-          <a:p>
-            <a:r>
-              <a:rPr lang="en-US" dirty="0"/>
-              <a:t>Speech masker</a:t>
+              <a:t>Block averages by channel (STG Left): Noise Masker</a:t>
             </a:r>
           </a:p>
         </p:txBody>
       </p:sp>
       <p:pic>
         <p:nvPicPr>
-          <p:cNvPr id="16" name="Picture 15">
-            <a:extLst>
-              <a:ext uri="{FF2B5EF4-FFF2-40B4-BE49-F238E27FC236}">
-                <a16:creationId xmlns:a16="http://schemas.microsoft.com/office/drawing/2014/main" id="{F332F77E-7440-B40C-A2C3-F155A6D74460}"/>
+          <p:cNvPr id="13" name="Picture 12">
+            <a:extLst>
+              <a:ext uri="{FF2B5EF4-FFF2-40B4-BE49-F238E27FC236}">
+                <a16:creationId xmlns:a16="http://schemas.microsoft.com/office/drawing/2014/main" id="{88E91EB3-26C7-159D-0947-934FFA22BD7B}"/>
               </a:ext>
             </a:extLst>
           </p:cNvPr>
@@ -3522,8 +3486,8 @@
         </p:blipFill>
         <p:spPr>
           <a:xfrm>
-            <a:off x="158317" y="4368800"/>
-            <a:ext cx="3032246" cy="2367280"/>
+            <a:off x="2581836" y="750626"/>
+            <a:ext cx="7218380" cy="1332694"/>
           </a:xfrm>
           <a:prstGeom prst="rect">
             <a:avLst/>
@@ -3532,10 +3496,10 @@
       </p:pic>
       <p:pic>
         <p:nvPicPr>
-          <p:cNvPr id="18" name="Picture 17">
-            <a:extLst>
-              <a:ext uri="{FF2B5EF4-FFF2-40B4-BE49-F238E27FC236}">
-                <a16:creationId xmlns:a16="http://schemas.microsoft.com/office/drawing/2014/main" id="{D2C54787-D6C5-01A0-802E-040B7167778D}"/>
+          <p:cNvPr id="17" name="Picture 16">
+            <a:extLst>
+              <a:ext uri="{FF2B5EF4-FFF2-40B4-BE49-F238E27FC236}">
+                <a16:creationId xmlns:a16="http://schemas.microsoft.com/office/drawing/2014/main" id="{760BDE54-DD4D-3C16-AEE3-A7D7224CDF1E}"/>
               </a:ext>
             </a:extLst>
           </p:cNvPr>
@@ -3552,8 +3516,8 @@
         </p:blipFill>
         <p:spPr>
           <a:xfrm>
-            <a:off x="3388457" y="4409764"/>
-            <a:ext cx="2961544" cy="2285352"/>
+            <a:off x="2486810" y="2174671"/>
+            <a:ext cx="7218380" cy="1331855"/>
           </a:xfrm>
           <a:prstGeom prst="rect">
             <a:avLst/>
@@ -3565,7 +3529,7 @@
           <p:cNvPr id="20" name="Picture 19">
             <a:extLst>
               <a:ext uri="{FF2B5EF4-FFF2-40B4-BE49-F238E27FC236}">
-                <a16:creationId xmlns:a16="http://schemas.microsoft.com/office/drawing/2014/main" id="{CFE8CD7E-392F-2BDF-7275-7BC451C2271A}"/>
+                <a16:creationId xmlns:a16="http://schemas.microsoft.com/office/drawing/2014/main" id="{B815AA91-58FC-02CE-78A4-D6D4F61FA850}"/>
               </a:ext>
             </a:extLst>
           </p:cNvPr>
@@ -3582,8 +3546,8 @@
         </p:blipFill>
         <p:spPr>
           <a:xfrm>
-            <a:off x="6363083" y="4384674"/>
-            <a:ext cx="2969940" cy="2298476"/>
+            <a:off x="2398520" y="3506526"/>
+            <a:ext cx="7585011" cy="1389073"/>
           </a:xfrm>
           <a:prstGeom prst="rect">
             <a:avLst/>
@@ -3595,7 +3559,7 @@
           <p:cNvPr id="22" name="Picture 21">
             <a:extLst>
               <a:ext uri="{FF2B5EF4-FFF2-40B4-BE49-F238E27FC236}">
-                <a16:creationId xmlns:a16="http://schemas.microsoft.com/office/drawing/2014/main" id="{26EB9422-572A-FC38-E0E3-3B80055E81B9}"/>
+                <a16:creationId xmlns:a16="http://schemas.microsoft.com/office/drawing/2014/main" id="{4B444A9A-210E-0028-A46D-05EEE3B5C9B9}"/>
               </a:ext>
             </a:extLst>
           </p:cNvPr>
@@ -3612,133 +3576,8 @@
         </p:blipFill>
         <p:spPr>
           <a:xfrm>
-            <a:off x="9346106" y="4489994"/>
-            <a:ext cx="2713814" cy="2124892"/>
-          </a:xfrm>
-          <a:prstGeom prst="rect">
-            <a:avLst/>
-          </a:prstGeom>
-        </p:spPr>
-      </p:pic>
-      <p:sp>
-        <p:nvSpPr>
-          <p:cNvPr id="23" name="TextBox 22">
-            <a:extLst>
-              <a:ext uri="{FF2B5EF4-FFF2-40B4-BE49-F238E27FC236}">
-                <a16:creationId xmlns:a16="http://schemas.microsoft.com/office/drawing/2014/main" id="{F1CCC18E-2398-5D97-6937-4FF3D5C826B2}"/>
-              </a:ext>
-            </a:extLst>
-          </p:cNvPr>
-          <p:cNvSpPr txBox="1"/>
-          <p:nvPr/>
-        </p:nvSpPr>
-        <p:spPr>
-          <a:xfrm>
-            <a:off x="364027" y="3814802"/>
-            <a:ext cx="1837421" cy="369332"/>
-          </a:xfrm>
-          <a:prstGeom prst="rect">
-            <a:avLst/>
-          </a:prstGeom>
-          <a:noFill/>
-        </p:spPr>
-        <p:txBody>
-          <a:bodyPr wrap="square" rtlCol="0">
-            <a:spAutoFit/>
-          </a:bodyPr>
-          <a:lstStyle/>
-          <a:p>
-            <a:r>
-              <a:rPr lang="en-US" dirty="0"/>
-              <a:t>Noise masker</a:t>
-            </a:r>
-          </a:p>
-        </p:txBody>
-      </p:sp>
-      <p:pic>
-        <p:nvPicPr>
-          <p:cNvPr id="25" name="Picture 24">
-            <a:extLst>
-              <a:ext uri="{FF2B5EF4-FFF2-40B4-BE49-F238E27FC236}">
-                <a16:creationId xmlns:a16="http://schemas.microsoft.com/office/drawing/2014/main" id="{E3B432D0-0C6B-B343-6B31-7C972210F553}"/>
-              </a:ext>
-            </a:extLst>
-          </p:cNvPr>
-          <p:cNvPicPr>
-            <a:picLocks noChangeAspect="1"/>
-          </p:cNvPicPr>
-          <p:nvPr/>
-        </p:nvPicPr>
-        <p:blipFill>
-          <a:blip r:embed="rId6"/>
-          <a:stretch>
-            <a:fillRect/>
-          </a:stretch>
-        </p:blipFill>
-        <p:spPr>
-          <a:xfrm>
-            <a:off x="158317" y="1478584"/>
-            <a:ext cx="2857712" cy="2231020"/>
-          </a:xfrm>
-          <a:prstGeom prst="rect">
-            <a:avLst/>
-          </a:prstGeom>
-        </p:spPr>
-      </p:pic>
-      <p:pic>
-        <p:nvPicPr>
-          <p:cNvPr id="27" name="Picture 26">
-            <a:extLst>
-              <a:ext uri="{FF2B5EF4-FFF2-40B4-BE49-F238E27FC236}">
-                <a16:creationId xmlns:a16="http://schemas.microsoft.com/office/drawing/2014/main" id="{ECA9F22E-18B1-CDE2-C73F-ED268BA12217}"/>
-              </a:ext>
-            </a:extLst>
-          </p:cNvPr>
-          <p:cNvPicPr>
-            <a:picLocks noChangeAspect="1"/>
-          </p:cNvPicPr>
-          <p:nvPr/>
-        </p:nvPicPr>
-        <p:blipFill>
-          <a:blip r:embed="rId7"/>
-          <a:stretch>
-            <a:fillRect/>
-          </a:stretch>
-        </p:blipFill>
-        <p:spPr>
-          <a:xfrm>
-            <a:off x="3016029" y="1478584"/>
-            <a:ext cx="2844802" cy="2195266"/>
-          </a:xfrm>
-          <a:prstGeom prst="rect">
-            <a:avLst/>
-          </a:prstGeom>
-        </p:spPr>
-      </p:pic>
-      <p:pic>
-        <p:nvPicPr>
-          <p:cNvPr id="29" name="Picture 28">
-            <a:extLst>
-              <a:ext uri="{FF2B5EF4-FFF2-40B4-BE49-F238E27FC236}">
-                <a16:creationId xmlns:a16="http://schemas.microsoft.com/office/drawing/2014/main" id="{579E7447-7235-F1C8-79C9-21E853BAC6EB}"/>
-              </a:ext>
-            </a:extLst>
-          </p:cNvPr>
-          <p:cNvPicPr>
-            <a:picLocks noChangeAspect="1"/>
-          </p:cNvPicPr>
-          <p:nvPr/>
-        </p:nvPicPr>
-        <p:blipFill>
-          <a:blip r:embed="rId8"/>
-          <a:stretch>
-            <a:fillRect/>
-          </a:stretch>
-        </p:blipFill>
-        <p:spPr>
-          <a:xfrm>
-            <a:off x="6096000" y="1478584"/>
-            <a:ext cx="3008788" cy="2328540"/>
+            <a:off x="2329031" y="5107890"/>
+            <a:ext cx="7533938" cy="1373252"/>
           </a:xfrm>
           <a:prstGeom prst="rect">
             <a:avLst/>
@@ -3748,7 +3587,7 @@
     </p:spTree>
     <p:extLst>
       <p:ext uri="{BB962C8B-B14F-4D97-AF65-F5344CB8AC3E}">
-        <p14:creationId xmlns:p14="http://schemas.microsoft.com/office/powerpoint/2010/main" val="2454698054"/>
+        <p14:creationId xmlns:p14="http://schemas.microsoft.com/office/powerpoint/2010/main" val="176858198"/>
       </p:ext>
     </p:extLst>
   </p:cSld>
@@ -3777,10 +3616,10 @@
       </p:grpSpPr>
       <p:sp>
         <p:nvSpPr>
-          <p:cNvPr id="2" name="Title 1">
-            <a:extLst>
-              <a:ext uri="{FF2B5EF4-FFF2-40B4-BE49-F238E27FC236}">
-                <a16:creationId xmlns:a16="http://schemas.microsoft.com/office/drawing/2014/main" id="{01AAF186-A7CB-8F9D-6786-97CA2C012479}"/>
+          <p:cNvPr id="4" name="Title 1">
+            <a:extLst>
+              <a:ext uri="{FF2B5EF4-FFF2-40B4-BE49-F238E27FC236}">
+                <a16:creationId xmlns:a16="http://schemas.microsoft.com/office/drawing/2014/main" id="{2E684FBC-5142-18A9-9AA1-627E4D1B2044}"/>
               </a:ext>
             </a:extLst>
           </p:cNvPr>
@@ -3791,47 +3630,149 @@
             <p:ph type="title"/>
           </p:nvPr>
         </p:nvSpPr>
-        <p:spPr/>
-        <p:txBody>
-          <a:bodyPr/>
+        <p:spPr>
+          <a:xfrm>
+            <a:off x="96520" y="-19054"/>
+            <a:ext cx="12176760" cy="701675"/>
+          </a:xfrm>
+        </p:spPr>
+        <p:txBody>
+          <a:bodyPr>
+            <a:normAutofit/>
+          </a:bodyPr>
           <a:lstStyle/>
           <a:p>
             <a:r>
               <a:rPr lang="en-US" dirty="0"/>
-              <a:t>GLM Channel by Channel, across subjects</a:t>
-            </a:r>
-          </a:p>
-        </p:txBody>
-      </p:sp>
-      <p:sp>
-        <p:nvSpPr>
-          <p:cNvPr id="3" name="Content Placeholder 2">
-            <a:extLst>
-              <a:ext uri="{FF2B5EF4-FFF2-40B4-BE49-F238E27FC236}">
-                <a16:creationId xmlns:a16="http://schemas.microsoft.com/office/drawing/2014/main" id="{8661222C-D35E-816E-65F5-A8F84ECAE8B8}"/>
-              </a:ext>
-            </a:extLst>
-          </p:cNvPr>
-          <p:cNvSpPr>
-            <a:spLocks noGrp="1"/>
-          </p:cNvSpPr>
-          <p:nvPr>
-            <p:ph idx="1"/>
-          </p:nvPr>
-        </p:nvSpPr>
-        <p:spPr/>
-        <p:txBody>
-          <a:bodyPr/>
-          <a:lstStyle/>
-          <a:p>
-            <a:endParaRPr lang="en-US"/>
-          </a:p>
-        </p:txBody>
-      </p:sp>
+              <a:t>Block averages by channel (STG Right): Noise Masker</a:t>
+            </a:r>
+          </a:p>
+        </p:txBody>
+      </p:sp>
+      <p:pic>
+        <p:nvPicPr>
+          <p:cNvPr id="13" name="Picture 12">
+            <a:extLst>
+              <a:ext uri="{FF2B5EF4-FFF2-40B4-BE49-F238E27FC236}">
+                <a16:creationId xmlns:a16="http://schemas.microsoft.com/office/drawing/2014/main" id="{3CF1574C-DB22-DAE4-941F-8ADE57B9AFE2}"/>
+              </a:ext>
+            </a:extLst>
+          </p:cNvPr>
+          <p:cNvPicPr>
+            <a:picLocks noChangeAspect="1"/>
+          </p:cNvPicPr>
+          <p:nvPr/>
+        </p:nvPicPr>
+        <p:blipFill>
+          <a:blip r:embed="rId2"/>
+          <a:stretch>
+            <a:fillRect/>
+          </a:stretch>
+        </p:blipFill>
+        <p:spPr>
+          <a:xfrm>
+            <a:off x="1430767" y="656951"/>
+            <a:ext cx="8928847" cy="1642862"/>
+          </a:xfrm>
+          <a:prstGeom prst="rect">
+            <a:avLst/>
+          </a:prstGeom>
+        </p:spPr>
+      </p:pic>
+      <p:pic>
+        <p:nvPicPr>
+          <p:cNvPr id="17" name="Picture 16">
+            <a:extLst>
+              <a:ext uri="{FF2B5EF4-FFF2-40B4-BE49-F238E27FC236}">
+                <a16:creationId xmlns:a16="http://schemas.microsoft.com/office/drawing/2014/main" id="{A1EFE2D4-7182-4B25-2E85-C8F1E2672124}"/>
+              </a:ext>
+            </a:extLst>
+          </p:cNvPr>
+          <p:cNvPicPr>
+            <a:picLocks noChangeAspect="1"/>
+          </p:cNvPicPr>
+          <p:nvPr/>
+        </p:nvPicPr>
+        <p:blipFill>
+          <a:blip r:embed="rId3"/>
+          <a:stretch>
+            <a:fillRect/>
+          </a:stretch>
+        </p:blipFill>
+        <p:spPr>
+          <a:xfrm>
+            <a:off x="1549101" y="2153939"/>
+            <a:ext cx="8928847" cy="1643758"/>
+          </a:xfrm>
+          <a:prstGeom prst="rect">
+            <a:avLst/>
+          </a:prstGeom>
+        </p:spPr>
+      </p:pic>
+      <p:pic>
+        <p:nvPicPr>
+          <p:cNvPr id="20" name="Picture 19">
+            <a:extLst>
+              <a:ext uri="{FF2B5EF4-FFF2-40B4-BE49-F238E27FC236}">
+                <a16:creationId xmlns:a16="http://schemas.microsoft.com/office/drawing/2014/main" id="{DB9BC71C-1FDF-9632-6F1F-457574550CA7}"/>
+              </a:ext>
+            </a:extLst>
+          </p:cNvPr>
+          <p:cNvPicPr>
+            <a:picLocks noChangeAspect="1"/>
+          </p:cNvPicPr>
+          <p:nvPr/>
+        </p:nvPicPr>
+        <p:blipFill>
+          <a:blip r:embed="rId4"/>
+          <a:stretch>
+            <a:fillRect/>
+          </a:stretch>
+        </p:blipFill>
+        <p:spPr>
+          <a:xfrm>
+            <a:off x="1667435" y="3771131"/>
+            <a:ext cx="8928847" cy="1643899"/>
+          </a:xfrm>
+          <a:prstGeom prst="rect">
+            <a:avLst/>
+          </a:prstGeom>
+        </p:spPr>
+      </p:pic>
+      <p:pic>
+        <p:nvPicPr>
+          <p:cNvPr id="22" name="Picture 21">
+            <a:extLst>
+              <a:ext uri="{FF2B5EF4-FFF2-40B4-BE49-F238E27FC236}">
+                <a16:creationId xmlns:a16="http://schemas.microsoft.com/office/drawing/2014/main" id="{D5970F0A-A754-68A4-EC38-ED609D40F549}"/>
+              </a:ext>
+            </a:extLst>
+          </p:cNvPr>
+          <p:cNvPicPr>
+            <a:picLocks noChangeAspect="1"/>
+          </p:cNvPicPr>
+          <p:nvPr/>
+        </p:nvPicPr>
+        <p:blipFill>
+          <a:blip r:embed="rId5"/>
+          <a:stretch>
+            <a:fillRect/>
+          </a:stretch>
+        </p:blipFill>
+        <p:spPr>
+          <a:xfrm>
+            <a:off x="1396645" y="5269015"/>
+            <a:ext cx="9233758" cy="1711030"/>
+          </a:xfrm>
+          <a:prstGeom prst="rect">
+            <a:avLst/>
+          </a:prstGeom>
+        </p:spPr>
+      </p:pic>
     </p:spTree>
     <p:extLst>
       <p:ext uri="{BB962C8B-B14F-4D97-AF65-F5344CB8AC3E}">
-        <p14:creationId xmlns:p14="http://schemas.microsoft.com/office/powerpoint/2010/main" val="15692493"/>
+        <p14:creationId xmlns:p14="http://schemas.microsoft.com/office/powerpoint/2010/main" val="3426120639"/>
       </p:ext>
     </p:extLst>
   </p:cSld>
@@ -3863,7 +3804,7 @@
           <p:cNvPr id="2" name="Title 1">
             <a:extLst>
               <a:ext uri="{FF2B5EF4-FFF2-40B4-BE49-F238E27FC236}">
-                <a16:creationId xmlns:a16="http://schemas.microsoft.com/office/drawing/2014/main" id="{80343B3E-3B81-7802-6F55-676A963D053B}"/>
+                <a16:creationId xmlns:a16="http://schemas.microsoft.com/office/drawing/2014/main" id="{7A4511FE-55EB-7D42-60EE-3058B3C98E98}"/>
               </a:ext>
             </a:extLst>
           </p:cNvPr>
@@ -3874,14 +3815,19 @@
             <p:ph type="title"/>
           </p:nvPr>
         </p:nvSpPr>
-        <p:spPr/>
+        <p:spPr>
+          <a:xfrm>
+            <a:off x="203499" y="-310930"/>
+            <a:ext cx="10515600" cy="1325563"/>
+          </a:xfrm>
+        </p:spPr>
         <p:txBody>
           <a:bodyPr/>
           <a:lstStyle/>
           <a:p>
             <a:r>
               <a:rPr lang="en-US" dirty="0"/>
-              <a:t>Mixed Effects Model Analysis (Mean </a:t>
+              <a:t>Mean </a:t>
             </a:r>
             <a:r>
               <a:rPr lang="en-US" dirty="0" err="1"/>
@@ -3889,40 +3835,149 @@
             </a:r>
             <a:r>
               <a:rPr lang="en-US" dirty="0"/>
-              <a:t>)</a:t>
-            </a:r>
-          </a:p>
-        </p:txBody>
-      </p:sp>
-      <p:sp>
-        <p:nvSpPr>
-          <p:cNvPr id="3" name="Content Placeholder 2">
-            <a:extLst>
-              <a:ext uri="{FF2B5EF4-FFF2-40B4-BE49-F238E27FC236}">
-                <a16:creationId xmlns:a16="http://schemas.microsoft.com/office/drawing/2014/main" id="{B77BFE24-49DE-2AB6-FDE5-A2AA3BF4B15D}"/>
-              </a:ext>
-            </a:extLst>
-          </p:cNvPr>
-          <p:cNvSpPr>
-            <a:spLocks noGrp="1"/>
-          </p:cNvSpPr>
-          <p:nvPr>
-            <p:ph idx="1"/>
-          </p:nvPr>
-        </p:nvSpPr>
-        <p:spPr/>
-        <p:txBody>
-          <a:bodyPr/>
-          <a:lstStyle/>
-          <a:p>
-            <a:endParaRPr lang="en-US"/>
-          </a:p>
-        </p:txBody>
-      </p:sp>
+              <a:t> </a:t>
+            </a:r>
+            <a:r>
+              <a:rPr lang="en-US" dirty="0" err="1"/>
+              <a:t>topoplots</a:t>
+            </a:r>
+            <a:endParaRPr lang="en-US" dirty="0"/>
+          </a:p>
+        </p:txBody>
+      </p:sp>
+      <p:sp>
+        <p:nvSpPr>
+          <p:cNvPr id="4" name="TextBox 3">
+            <a:extLst>
+              <a:ext uri="{FF2B5EF4-FFF2-40B4-BE49-F238E27FC236}">
+                <a16:creationId xmlns:a16="http://schemas.microsoft.com/office/drawing/2014/main" id="{0899B2FC-9A30-F024-10B5-83B46544FDCD}"/>
+              </a:ext>
+            </a:extLst>
+          </p:cNvPr>
+          <p:cNvSpPr txBox="1"/>
+          <p:nvPr/>
+        </p:nvSpPr>
+        <p:spPr>
+          <a:xfrm>
+            <a:off x="0" y="1892269"/>
+            <a:ext cx="1837421" cy="369332"/>
+          </a:xfrm>
+          <a:prstGeom prst="rect">
+            <a:avLst/>
+          </a:prstGeom>
+          <a:noFill/>
+        </p:spPr>
+        <p:txBody>
+          <a:bodyPr wrap="square" rtlCol="0">
+            <a:spAutoFit/>
+          </a:bodyPr>
+          <a:lstStyle/>
+          <a:p>
+            <a:r>
+              <a:rPr lang="en-US" dirty="0"/>
+              <a:t>Speech masker</a:t>
+            </a:r>
+          </a:p>
+        </p:txBody>
+      </p:sp>
+      <p:sp>
+        <p:nvSpPr>
+          <p:cNvPr id="5" name="TextBox 4">
+            <a:extLst>
+              <a:ext uri="{FF2B5EF4-FFF2-40B4-BE49-F238E27FC236}">
+                <a16:creationId xmlns:a16="http://schemas.microsoft.com/office/drawing/2014/main" id="{E9A4A655-5A5C-E08B-476A-7775D8F1CA63}"/>
+              </a:ext>
+            </a:extLst>
+          </p:cNvPr>
+          <p:cNvSpPr txBox="1"/>
+          <p:nvPr/>
+        </p:nvSpPr>
+        <p:spPr>
+          <a:xfrm>
+            <a:off x="-80511" y="4948251"/>
+            <a:ext cx="1837421" cy="369332"/>
+          </a:xfrm>
+          <a:prstGeom prst="rect">
+            <a:avLst/>
+          </a:prstGeom>
+          <a:noFill/>
+        </p:spPr>
+        <p:txBody>
+          <a:bodyPr wrap="square" rtlCol="0">
+            <a:spAutoFit/>
+          </a:bodyPr>
+          <a:lstStyle/>
+          <a:p>
+            <a:r>
+              <a:rPr lang="en-US" dirty="0"/>
+              <a:t>Noise masker</a:t>
+            </a:r>
+          </a:p>
+        </p:txBody>
+      </p:sp>
+      <p:pic>
+        <p:nvPicPr>
+          <p:cNvPr id="6" name="Picture 5">
+            <a:extLst>
+              <a:ext uri="{FF2B5EF4-FFF2-40B4-BE49-F238E27FC236}">
+                <a16:creationId xmlns:a16="http://schemas.microsoft.com/office/drawing/2014/main" id="{B5E20332-1F17-9C7D-837A-5F7636BD8172}"/>
+              </a:ext>
+            </a:extLst>
+          </p:cNvPr>
+          <p:cNvPicPr>
+            <a:picLocks noChangeAspect="1"/>
+          </p:cNvPicPr>
+          <p:nvPr/>
+        </p:nvPicPr>
+        <p:blipFill>
+          <a:blip r:embed="rId2"/>
+          <a:stretch>
+            <a:fillRect/>
+          </a:stretch>
+        </p:blipFill>
+        <p:spPr>
+          <a:xfrm>
+            <a:off x="1405666" y="3777166"/>
+            <a:ext cx="10786334" cy="3080834"/>
+          </a:xfrm>
+          <a:prstGeom prst="rect">
+            <a:avLst/>
+          </a:prstGeom>
+        </p:spPr>
+      </p:pic>
+      <p:pic>
+        <p:nvPicPr>
+          <p:cNvPr id="10" name="Picture 9">
+            <a:extLst>
+              <a:ext uri="{FF2B5EF4-FFF2-40B4-BE49-F238E27FC236}">
+                <a16:creationId xmlns:a16="http://schemas.microsoft.com/office/drawing/2014/main" id="{45473F51-657B-C4F6-C387-64C8DEE5ECE2}"/>
+              </a:ext>
+            </a:extLst>
+          </p:cNvPr>
+          <p:cNvPicPr>
+            <a:picLocks noChangeAspect="1"/>
+          </p:cNvPicPr>
+          <p:nvPr/>
+        </p:nvPicPr>
+        <p:blipFill rotWithShape="1">
+          <a:blip r:embed="rId3"/>
+          <a:srcRect l="11529"/>
+          <a:stretch/>
+        </p:blipFill>
+        <p:spPr>
+          <a:xfrm>
+            <a:off x="1951092" y="662781"/>
+            <a:ext cx="10240908" cy="3194180"/>
+          </a:xfrm>
+          <a:prstGeom prst="rect">
+            <a:avLst/>
+          </a:prstGeom>
+        </p:spPr>
+      </p:pic>
     </p:spTree>
     <p:extLst>
       <p:ext uri="{BB962C8B-B14F-4D97-AF65-F5344CB8AC3E}">
-        <p14:creationId xmlns:p14="http://schemas.microsoft.com/office/powerpoint/2010/main" val="1614852943"/>
+        <p14:creationId xmlns:p14="http://schemas.microsoft.com/office/powerpoint/2010/main" val="469896196"/>
       </p:ext>
     </p:extLst>
   </p:cSld>
@@ -3954,6 +4009,579 @@
           <p:cNvPr id="2" name="Title 1">
             <a:extLst>
               <a:ext uri="{FF2B5EF4-FFF2-40B4-BE49-F238E27FC236}">
+                <a16:creationId xmlns:a16="http://schemas.microsoft.com/office/drawing/2014/main" id="{7D982123-15B2-1432-2665-37AFC5D3121A}"/>
+              </a:ext>
+            </a:extLst>
+          </p:cNvPr>
+          <p:cNvSpPr>
+            <a:spLocks noGrp="1"/>
+          </p:cNvSpPr>
+          <p:nvPr>
+            <p:ph type="title"/>
+          </p:nvPr>
+        </p:nvSpPr>
+        <p:spPr>
+          <a:xfrm>
+            <a:off x="0" y="-331409"/>
+            <a:ext cx="10515600" cy="1325563"/>
+          </a:xfrm>
+        </p:spPr>
+        <p:txBody>
+          <a:bodyPr/>
+          <a:lstStyle/>
+          <a:p>
+            <a:r>
+              <a:rPr lang="en-US" dirty="0"/>
+              <a:t>GLM </a:t>
+            </a:r>
+            <a:r>
+              <a:rPr lang="en-US" dirty="0" err="1"/>
+              <a:t>topoplots</a:t>
+            </a:r>
+            <a:endParaRPr lang="en-US" dirty="0"/>
+          </a:p>
+        </p:txBody>
+      </p:sp>
+      <p:sp>
+        <p:nvSpPr>
+          <p:cNvPr id="10" name="TextBox 9">
+            <a:extLst>
+              <a:ext uri="{FF2B5EF4-FFF2-40B4-BE49-F238E27FC236}">
+                <a16:creationId xmlns:a16="http://schemas.microsoft.com/office/drawing/2014/main" id="{333A7074-FAA7-39C8-2789-A75504149594}"/>
+              </a:ext>
+            </a:extLst>
+          </p:cNvPr>
+          <p:cNvSpPr txBox="1"/>
+          <p:nvPr/>
+        </p:nvSpPr>
+        <p:spPr>
+          <a:xfrm>
+            <a:off x="-80511" y="2292966"/>
+            <a:ext cx="1837421" cy="369332"/>
+          </a:xfrm>
+          <a:prstGeom prst="rect">
+            <a:avLst/>
+          </a:prstGeom>
+          <a:noFill/>
+        </p:spPr>
+        <p:txBody>
+          <a:bodyPr wrap="square" rtlCol="0">
+            <a:spAutoFit/>
+          </a:bodyPr>
+          <a:lstStyle/>
+          <a:p>
+            <a:r>
+              <a:rPr lang="en-US" dirty="0"/>
+              <a:t>Speech masker</a:t>
+            </a:r>
+          </a:p>
+        </p:txBody>
+      </p:sp>
+      <p:sp>
+        <p:nvSpPr>
+          <p:cNvPr id="21" name="TextBox 20">
+            <a:extLst>
+              <a:ext uri="{FF2B5EF4-FFF2-40B4-BE49-F238E27FC236}">
+                <a16:creationId xmlns:a16="http://schemas.microsoft.com/office/drawing/2014/main" id="{4DAA716A-D4C9-DF2C-19F5-01F3E91CE933}"/>
+              </a:ext>
+            </a:extLst>
+          </p:cNvPr>
+          <p:cNvSpPr txBox="1"/>
+          <p:nvPr/>
+        </p:nvSpPr>
+        <p:spPr>
+          <a:xfrm>
+            <a:off x="0" y="4901762"/>
+            <a:ext cx="1837421" cy="369332"/>
+          </a:xfrm>
+          <a:prstGeom prst="rect">
+            <a:avLst/>
+          </a:prstGeom>
+          <a:noFill/>
+        </p:spPr>
+        <p:txBody>
+          <a:bodyPr wrap="square" rtlCol="0">
+            <a:spAutoFit/>
+          </a:bodyPr>
+          <a:lstStyle/>
+          <a:p>
+            <a:r>
+              <a:rPr lang="en-US" dirty="0"/>
+              <a:t>Noise masker</a:t>
+            </a:r>
+          </a:p>
+        </p:txBody>
+      </p:sp>
+      <p:pic>
+        <p:nvPicPr>
+          <p:cNvPr id="4" name="Picture 3">
+            <a:extLst>
+              <a:ext uri="{FF2B5EF4-FFF2-40B4-BE49-F238E27FC236}">
+                <a16:creationId xmlns:a16="http://schemas.microsoft.com/office/drawing/2014/main" id="{5AD8E4EB-EB0D-B390-495C-CD5BE46CF980}"/>
+              </a:ext>
+            </a:extLst>
+          </p:cNvPr>
+          <p:cNvPicPr>
+            <a:picLocks noChangeAspect="1"/>
+          </p:cNvPicPr>
+          <p:nvPr/>
+        </p:nvPicPr>
+        <p:blipFill>
+          <a:blip r:embed="rId2"/>
+          <a:stretch>
+            <a:fillRect/>
+          </a:stretch>
+        </p:blipFill>
+        <p:spPr>
+          <a:xfrm>
+            <a:off x="1771426" y="3684188"/>
+            <a:ext cx="10420574" cy="3173812"/>
+          </a:xfrm>
+          <a:prstGeom prst="rect">
+            <a:avLst/>
+          </a:prstGeom>
+        </p:spPr>
+      </p:pic>
+      <p:pic>
+        <p:nvPicPr>
+          <p:cNvPr id="8" name="Picture 7">
+            <a:extLst>
+              <a:ext uri="{FF2B5EF4-FFF2-40B4-BE49-F238E27FC236}">
+                <a16:creationId xmlns:a16="http://schemas.microsoft.com/office/drawing/2014/main" id="{59F31F80-1C73-F67A-296C-86064FCFB928}"/>
+              </a:ext>
+            </a:extLst>
+          </p:cNvPr>
+          <p:cNvPicPr>
+            <a:picLocks noChangeAspect="1"/>
+          </p:cNvPicPr>
+          <p:nvPr/>
+        </p:nvPicPr>
+        <p:blipFill>
+          <a:blip r:embed="rId3"/>
+          <a:stretch>
+            <a:fillRect/>
+          </a:stretch>
+        </p:blipFill>
+        <p:spPr>
+          <a:xfrm>
+            <a:off x="1519518" y="543065"/>
+            <a:ext cx="11291820" cy="3086636"/>
+          </a:xfrm>
+          <a:prstGeom prst="rect">
+            <a:avLst/>
+          </a:prstGeom>
+        </p:spPr>
+      </p:pic>
+    </p:spTree>
+    <p:extLst>
+      <p:ext uri="{BB962C8B-B14F-4D97-AF65-F5344CB8AC3E}">
+        <p14:creationId xmlns:p14="http://schemas.microsoft.com/office/powerpoint/2010/main" val="2359869660"/>
+      </p:ext>
+    </p:extLst>
+  </p:cSld>
+  <p:clrMapOvr>
+    <a:masterClrMapping/>
+  </p:clrMapOvr>
+</p:sld>
+</file>
+
+<file path=ppt/slides/slide14.xml><?xml version="1.0" encoding="utf-8"?>
+<p:sld xmlns:a="http://schemas.openxmlformats.org/drawingml/2006/main" xmlns:r="http://schemas.openxmlformats.org/officeDocument/2006/relationships" xmlns:p="http://schemas.openxmlformats.org/presentationml/2006/main">
+  <p:cSld>
+    <p:spTree>
+      <p:nvGrpSpPr>
+        <p:cNvPr id="1" name=""/>
+        <p:cNvGrpSpPr/>
+        <p:nvPr/>
+      </p:nvGrpSpPr>
+      <p:grpSpPr>
+        <a:xfrm>
+          <a:off x="0" y="0"/>
+          <a:ext cx="0" cy="0"/>
+          <a:chOff x="0" y="0"/>
+          <a:chExt cx="0" cy="0"/>
+        </a:xfrm>
+      </p:grpSpPr>
+      <p:sp>
+        <p:nvSpPr>
+          <p:cNvPr id="2" name="Title 1">
+            <a:extLst>
+              <a:ext uri="{FF2B5EF4-FFF2-40B4-BE49-F238E27FC236}">
+                <a16:creationId xmlns:a16="http://schemas.microsoft.com/office/drawing/2014/main" id="{EBE6161A-9094-26BB-F266-A48556AE5609}"/>
+              </a:ext>
+            </a:extLst>
+          </p:cNvPr>
+          <p:cNvSpPr>
+            <a:spLocks noGrp="1"/>
+          </p:cNvSpPr>
+          <p:nvPr>
+            <p:ph type="title"/>
+          </p:nvPr>
+        </p:nvSpPr>
+        <p:spPr>
+          <a:xfrm>
+            <a:off x="838200" y="25986"/>
+            <a:ext cx="10515600" cy="823595"/>
+          </a:xfrm>
+        </p:spPr>
+        <p:txBody>
+          <a:bodyPr/>
+          <a:lstStyle/>
+          <a:p>
+            <a:r>
+              <a:rPr lang="en-US" dirty="0"/>
+              <a:t>GLM </a:t>
+            </a:r>
+            <a:r>
+              <a:rPr lang="en-US" dirty="0" err="1"/>
+              <a:t>topoplots</a:t>
+            </a:r>
+            <a:r>
+              <a:rPr lang="en-US" dirty="0"/>
+              <a:t> (BH Corrected a la Eli)</a:t>
+            </a:r>
+          </a:p>
+        </p:txBody>
+      </p:sp>
+      <p:pic>
+        <p:nvPicPr>
+          <p:cNvPr id="5" name="Picture 4">
+            <a:extLst>
+              <a:ext uri="{FF2B5EF4-FFF2-40B4-BE49-F238E27FC236}">
+                <a16:creationId xmlns:a16="http://schemas.microsoft.com/office/drawing/2014/main" id="{5A72A81E-BD88-2189-C928-FCCD47498571}"/>
+              </a:ext>
+            </a:extLst>
+          </p:cNvPr>
+          <p:cNvPicPr>
+            <a:picLocks noChangeAspect="1"/>
+          </p:cNvPicPr>
+          <p:nvPr/>
+        </p:nvPicPr>
+        <p:blipFill>
+          <a:blip r:embed="rId2"/>
+          <a:stretch>
+            <a:fillRect/>
+          </a:stretch>
+        </p:blipFill>
+        <p:spPr>
+          <a:xfrm>
+            <a:off x="838200" y="3762800"/>
+            <a:ext cx="10829364" cy="3069214"/>
+          </a:xfrm>
+          <a:prstGeom prst="rect">
+            <a:avLst/>
+          </a:prstGeom>
+        </p:spPr>
+      </p:pic>
+      <p:pic>
+        <p:nvPicPr>
+          <p:cNvPr id="7" name="Picture 6">
+            <a:extLst>
+              <a:ext uri="{FF2B5EF4-FFF2-40B4-BE49-F238E27FC236}">
+                <a16:creationId xmlns:a16="http://schemas.microsoft.com/office/drawing/2014/main" id="{39661915-7F72-9D76-2E7C-145A98F86E10}"/>
+              </a:ext>
+            </a:extLst>
+          </p:cNvPr>
+          <p:cNvPicPr>
+            <a:picLocks noChangeAspect="1"/>
+          </p:cNvPicPr>
+          <p:nvPr/>
+        </p:nvPicPr>
+        <p:blipFill>
+          <a:blip r:embed="rId3"/>
+          <a:stretch>
+            <a:fillRect/>
+          </a:stretch>
+        </p:blipFill>
+        <p:spPr>
+          <a:xfrm>
+            <a:off x="986236" y="843908"/>
+            <a:ext cx="11205764" cy="2706058"/>
+          </a:xfrm>
+          <a:prstGeom prst="rect">
+            <a:avLst/>
+          </a:prstGeom>
+        </p:spPr>
+      </p:pic>
+      <p:sp>
+        <p:nvSpPr>
+          <p:cNvPr id="23" name="TextBox 22">
+            <a:extLst>
+              <a:ext uri="{FF2B5EF4-FFF2-40B4-BE49-F238E27FC236}">
+                <a16:creationId xmlns:a16="http://schemas.microsoft.com/office/drawing/2014/main" id="{F1CCC18E-2398-5D97-6937-4FF3D5C826B2}"/>
+              </a:ext>
+            </a:extLst>
+          </p:cNvPr>
+          <p:cNvSpPr txBox="1"/>
+          <p:nvPr/>
+        </p:nvSpPr>
+        <p:spPr>
+          <a:xfrm>
+            <a:off x="159629" y="3762800"/>
+            <a:ext cx="1837421" cy="369332"/>
+          </a:xfrm>
+          <a:prstGeom prst="rect">
+            <a:avLst/>
+          </a:prstGeom>
+          <a:noFill/>
+        </p:spPr>
+        <p:txBody>
+          <a:bodyPr wrap="square" rtlCol="0">
+            <a:spAutoFit/>
+          </a:bodyPr>
+          <a:lstStyle/>
+          <a:p>
+            <a:r>
+              <a:rPr lang="en-US" dirty="0"/>
+              <a:t>Noise masker</a:t>
+            </a:r>
+          </a:p>
+        </p:txBody>
+      </p:sp>
+      <p:sp>
+        <p:nvSpPr>
+          <p:cNvPr id="4" name="TextBox 3">
+            <a:extLst>
+              <a:ext uri="{FF2B5EF4-FFF2-40B4-BE49-F238E27FC236}">
+                <a16:creationId xmlns:a16="http://schemas.microsoft.com/office/drawing/2014/main" id="{EF2246E9-812C-67E4-EDE1-3294B11ADFED}"/>
+              </a:ext>
+            </a:extLst>
+          </p:cNvPr>
+          <p:cNvSpPr txBox="1"/>
+          <p:nvPr/>
+        </p:nvSpPr>
+        <p:spPr>
+          <a:xfrm>
+            <a:off x="159630" y="664915"/>
+            <a:ext cx="1837421" cy="369332"/>
+          </a:xfrm>
+          <a:prstGeom prst="rect">
+            <a:avLst/>
+          </a:prstGeom>
+          <a:noFill/>
+        </p:spPr>
+        <p:txBody>
+          <a:bodyPr wrap="square" rtlCol="0">
+            <a:spAutoFit/>
+          </a:bodyPr>
+          <a:lstStyle/>
+          <a:p>
+            <a:r>
+              <a:rPr lang="en-US" dirty="0"/>
+              <a:t>Speech masker</a:t>
+            </a:r>
+          </a:p>
+        </p:txBody>
+      </p:sp>
+    </p:spTree>
+    <p:extLst>
+      <p:ext uri="{BB962C8B-B14F-4D97-AF65-F5344CB8AC3E}">
+        <p14:creationId xmlns:p14="http://schemas.microsoft.com/office/powerpoint/2010/main" val="2454698054"/>
+      </p:ext>
+    </p:extLst>
+  </p:cSld>
+  <p:clrMapOvr>
+    <a:masterClrMapping/>
+  </p:clrMapOvr>
+</p:sld>
+</file>
+
+<file path=ppt/slides/slide15.xml><?xml version="1.0" encoding="utf-8"?>
+<p:sld xmlns:a="http://schemas.openxmlformats.org/drawingml/2006/main" xmlns:r="http://schemas.openxmlformats.org/officeDocument/2006/relationships" xmlns:p="http://schemas.openxmlformats.org/presentationml/2006/main">
+  <p:cSld>
+    <p:spTree>
+      <p:nvGrpSpPr>
+        <p:cNvPr id="1" name=""/>
+        <p:cNvGrpSpPr/>
+        <p:nvPr/>
+      </p:nvGrpSpPr>
+      <p:grpSpPr>
+        <a:xfrm>
+          <a:off x="0" y="0"/>
+          <a:ext cx="0" cy="0"/>
+          <a:chOff x="0" y="0"/>
+          <a:chExt cx="0" cy="0"/>
+        </a:xfrm>
+      </p:grpSpPr>
+      <p:sp>
+        <p:nvSpPr>
+          <p:cNvPr id="2" name="Title 1">
+            <a:extLst>
+              <a:ext uri="{FF2B5EF4-FFF2-40B4-BE49-F238E27FC236}">
+                <a16:creationId xmlns:a16="http://schemas.microsoft.com/office/drawing/2014/main" id="{01AAF186-A7CB-8F9D-6786-97CA2C012479}"/>
+              </a:ext>
+            </a:extLst>
+          </p:cNvPr>
+          <p:cNvSpPr>
+            <a:spLocks noGrp="1"/>
+          </p:cNvSpPr>
+          <p:nvPr>
+            <p:ph type="title"/>
+          </p:nvPr>
+        </p:nvSpPr>
+        <p:spPr/>
+        <p:txBody>
+          <a:bodyPr/>
+          <a:lstStyle/>
+          <a:p>
+            <a:r>
+              <a:rPr lang="en-US" dirty="0"/>
+              <a:t>GLM Channel by Channel, across subjects</a:t>
+            </a:r>
+          </a:p>
+        </p:txBody>
+      </p:sp>
+      <p:sp>
+        <p:nvSpPr>
+          <p:cNvPr id="3" name="Content Placeholder 2">
+            <a:extLst>
+              <a:ext uri="{FF2B5EF4-FFF2-40B4-BE49-F238E27FC236}">
+                <a16:creationId xmlns:a16="http://schemas.microsoft.com/office/drawing/2014/main" id="{8661222C-D35E-816E-65F5-A8F84ECAE8B8}"/>
+              </a:ext>
+            </a:extLst>
+          </p:cNvPr>
+          <p:cNvSpPr>
+            <a:spLocks noGrp="1"/>
+          </p:cNvSpPr>
+          <p:nvPr>
+            <p:ph idx="1"/>
+          </p:nvPr>
+        </p:nvSpPr>
+        <p:spPr/>
+        <p:txBody>
+          <a:bodyPr/>
+          <a:lstStyle/>
+          <a:p>
+            <a:endParaRPr lang="en-US"/>
+          </a:p>
+        </p:txBody>
+      </p:sp>
+    </p:spTree>
+    <p:extLst>
+      <p:ext uri="{BB962C8B-B14F-4D97-AF65-F5344CB8AC3E}">
+        <p14:creationId xmlns:p14="http://schemas.microsoft.com/office/powerpoint/2010/main" val="15692493"/>
+      </p:ext>
+    </p:extLst>
+  </p:cSld>
+  <p:clrMapOvr>
+    <a:masterClrMapping/>
+  </p:clrMapOvr>
+</p:sld>
+</file>
+
+<file path=ppt/slides/slide16.xml><?xml version="1.0" encoding="utf-8"?>
+<p:sld xmlns:a="http://schemas.openxmlformats.org/drawingml/2006/main" xmlns:r="http://schemas.openxmlformats.org/officeDocument/2006/relationships" xmlns:p="http://schemas.openxmlformats.org/presentationml/2006/main">
+  <p:cSld>
+    <p:spTree>
+      <p:nvGrpSpPr>
+        <p:cNvPr id="1" name=""/>
+        <p:cNvGrpSpPr/>
+        <p:nvPr/>
+      </p:nvGrpSpPr>
+      <p:grpSpPr>
+        <a:xfrm>
+          <a:off x="0" y="0"/>
+          <a:ext cx="0" cy="0"/>
+          <a:chOff x="0" y="0"/>
+          <a:chExt cx="0" cy="0"/>
+        </a:xfrm>
+      </p:grpSpPr>
+      <p:sp>
+        <p:nvSpPr>
+          <p:cNvPr id="2" name="Title 1">
+            <a:extLst>
+              <a:ext uri="{FF2B5EF4-FFF2-40B4-BE49-F238E27FC236}">
+                <a16:creationId xmlns:a16="http://schemas.microsoft.com/office/drawing/2014/main" id="{80343B3E-3B81-7802-6F55-676A963D053B}"/>
+              </a:ext>
+            </a:extLst>
+          </p:cNvPr>
+          <p:cNvSpPr>
+            <a:spLocks noGrp="1"/>
+          </p:cNvSpPr>
+          <p:nvPr>
+            <p:ph type="title"/>
+          </p:nvPr>
+        </p:nvSpPr>
+        <p:spPr/>
+        <p:txBody>
+          <a:bodyPr/>
+          <a:lstStyle/>
+          <a:p>
+            <a:r>
+              <a:rPr lang="en-US" dirty="0"/>
+              <a:t>Mixed Effects Model Analysis (Mean </a:t>
+            </a:r>
+            <a:r>
+              <a:rPr lang="en-US" dirty="0" err="1"/>
+              <a:t>HbO</a:t>
+            </a:r>
+            <a:r>
+              <a:rPr lang="en-US" dirty="0"/>
+              <a:t>)</a:t>
+            </a:r>
+          </a:p>
+        </p:txBody>
+      </p:sp>
+      <p:sp>
+        <p:nvSpPr>
+          <p:cNvPr id="3" name="Content Placeholder 2">
+            <a:extLst>
+              <a:ext uri="{FF2B5EF4-FFF2-40B4-BE49-F238E27FC236}">
+                <a16:creationId xmlns:a16="http://schemas.microsoft.com/office/drawing/2014/main" id="{B77BFE24-49DE-2AB6-FDE5-A2AA3BF4B15D}"/>
+              </a:ext>
+            </a:extLst>
+          </p:cNvPr>
+          <p:cNvSpPr>
+            <a:spLocks noGrp="1"/>
+          </p:cNvSpPr>
+          <p:nvPr>
+            <p:ph idx="1"/>
+          </p:nvPr>
+        </p:nvSpPr>
+        <p:spPr/>
+        <p:txBody>
+          <a:bodyPr/>
+          <a:lstStyle/>
+          <a:p>
+            <a:endParaRPr lang="en-US"/>
+          </a:p>
+        </p:txBody>
+      </p:sp>
+    </p:spTree>
+    <p:extLst>
+      <p:ext uri="{BB962C8B-B14F-4D97-AF65-F5344CB8AC3E}">
+        <p14:creationId xmlns:p14="http://schemas.microsoft.com/office/powerpoint/2010/main" val="1614852943"/>
+      </p:ext>
+    </p:extLst>
+  </p:cSld>
+  <p:clrMapOvr>
+    <a:masterClrMapping/>
+  </p:clrMapOvr>
+</p:sld>
+</file>
+
+<file path=ppt/slides/slide17.xml><?xml version="1.0" encoding="utf-8"?>
+<p:sld xmlns:a="http://schemas.openxmlformats.org/drawingml/2006/main" xmlns:r="http://schemas.openxmlformats.org/officeDocument/2006/relationships" xmlns:p="http://schemas.openxmlformats.org/presentationml/2006/main">
+  <p:cSld>
+    <p:spTree>
+      <p:nvGrpSpPr>
+        <p:cNvPr id="1" name=""/>
+        <p:cNvGrpSpPr/>
+        <p:nvPr/>
+      </p:nvGrpSpPr>
+      <p:grpSpPr>
+        <a:xfrm>
+          <a:off x="0" y="0"/>
+          <a:ext cx="0" cy="0"/>
+          <a:chOff x="0" y="0"/>
+          <a:chExt cx="0" cy="0"/>
+        </a:xfrm>
+      </p:grpSpPr>
+      <p:sp>
+        <p:nvSpPr>
+          <p:cNvPr id="2" name="Title 1">
+            <a:extLst>
+              <a:ext uri="{FF2B5EF4-FFF2-40B4-BE49-F238E27FC236}">
                 <a16:creationId xmlns:a16="http://schemas.microsoft.com/office/drawing/2014/main" id="{80343B3E-3B81-7802-6F55-676A963D053B}"/>
               </a:ext>
             </a:extLst>
@@ -4006,6 +4634,89 @@
     <p:extLst>
       <p:ext uri="{BB962C8B-B14F-4D97-AF65-F5344CB8AC3E}">
         <p14:creationId xmlns:p14="http://schemas.microsoft.com/office/powerpoint/2010/main" val="2189436101"/>
+      </p:ext>
+    </p:extLst>
+  </p:cSld>
+  <p:clrMapOvr>
+    <a:masterClrMapping/>
+  </p:clrMapOvr>
+</p:sld>
+</file>
+
+<file path=ppt/slides/slide18.xml><?xml version="1.0" encoding="utf-8"?>
+<p:sld xmlns:a="http://schemas.openxmlformats.org/drawingml/2006/main" xmlns:r="http://schemas.openxmlformats.org/officeDocument/2006/relationships" xmlns:p="http://schemas.openxmlformats.org/presentationml/2006/main">
+  <p:cSld>
+    <p:spTree>
+      <p:nvGrpSpPr>
+        <p:cNvPr id="1" name=""/>
+        <p:cNvGrpSpPr/>
+        <p:nvPr/>
+      </p:nvGrpSpPr>
+      <p:grpSpPr>
+        <a:xfrm>
+          <a:off x="0" y="0"/>
+          <a:ext cx="0" cy="0"/>
+          <a:chOff x="0" y="0"/>
+          <a:chExt cx="0" cy="0"/>
+        </a:xfrm>
+      </p:grpSpPr>
+      <p:sp>
+        <p:nvSpPr>
+          <p:cNvPr id="2" name="Title 1">
+            <a:extLst>
+              <a:ext uri="{FF2B5EF4-FFF2-40B4-BE49-F238E27FC236}">
+                <a16:creationId xmlns:a16="http://schemas.microsoft.com/office/drawing/2014/main" id="{A6C8BE94-FCEB-077E-5174-B7EC04FADFE7}"/>
+              </a:ext>
+            </a:extLst>
+          </p:cNvPr>
+          <p:cNvSpPr>
+            <a:spLocks noGrp="1"/>
+          </p:cNvSpPr>
+          <p:nvPr>
+            <p:ph type="title"/>
+          </p:nvPr>
+        </p:nvSpPr>
+        <p:spPr/>
+        <p:txBody>
+          <a:bodyPr/>
+          <a:lstStyle/>
+          <a:p>
+            <a:r>
+              <a:rPr lang="en-US" dirty="0"/>
+              <a:t>MILD2 stuff</a:t>
+            </a:r>
+          </a:p>
+        </p:txBody>
+      </p:sp>
+      <p:sp>
+        <p:nvSpPr>
+          <p:cNvPr id="3" name="Content Placeholder 2">
+            <a:extLst>
+              <a:ext uri="{FF2B5EF4-FFF2-40B4-BE49-F238E27FC236}">
+                <a16:creationId xmlns:a16="http://schemas.microsoft.com/office/drawing/2014/main" id="{519C6DE6-04A3-BF67-B760-AB13EA43488C}"/>
+              </a:ext>
+            </a:extLst>
+          </p:cNvPr>
+          <p:cNvSpPr>
+            <a:spLocks noGrp="1"/>
+          </p:cNvSpPr>
+          <p:nvPr>
+            <p:ph idx="1"/>
+          </p:nvPr>
+        </p:nvSpPr>
+        <p:spPr/>
+        <p:txBody>
+          <a:bodyPr/>
+          <a:lstStyle/>
+          <a:p>
+            <a:endParaRPr lang="en-US"/>
+          </a:p>
+        </p:txBody>
+      </p:sp>
+    </p:spTree>
+    <p:extLst>
+      <p:ext uri="{BB962C8B-B14F-4D97-AF65-F5344CB8AC3E}">
+        <p14:creationId xmlns:p14="http://schemas.microsoft.com/office/powerpoint/2010/main" val="3403349456"/>
       </p:ext>
     </p:extLst>
   </p:cSld>
@@ -4032,6 +4743,36 @@
           <a:chExt cx="0" cy="0"/>
         </a:xfrm>
       </p:grpSpPr>
+      <p:pic>
+        <p:nvPicPr>
+          <p:cNvPr id="11" name="Picture 10">
+            <a:extLst>
+              <a:ext uri="{FF2B5EF4-FFF2-40B4-BE49-F238E27FC236}">
+                <a16:creationId xmlns:a16="http://schemas.microsoft.com/office/drawing/2014/main" id="{A3FB79A3-9677-C854-FE16-1BD44F480EBA}"/>
+              </a:ext>
+            </a:extLst>
+          </p:cNvPr>
+          <p:cNvPicPr>
+            <a:picLocks noChangeAspect="1"/>
+          </p:cNvPicPr>
+          <p:nvPr/>
+        </p:nvPicPr>
+        <p:blipFill>
+          <a:blip r:embed="rId2"/>
+          <a:stretch>
+            <a:fillRect/>
+          </a:stretch>
+        </p:blipFill>
+        <p:spPr>
+          <a:xfrm>
+            <a:off x="4156095" y="1270413"/>
+            <a:ext cx="4147604" cy="5188772"/>
+          </a:xfrm>
+          <a:prstGeom prst="rect">
+            <a:avLst/>
+          </a:prstGeom>
+        </p:spPr>
+      </p:pic>
       <p:sp>
         <p:nvSpPr>
           <p:cNvPr id="2" name="Title 1">
@@ -4065,31 +4806,66 @@
           </a:p>
         </p:txBody>
       </p:sp>
-      <p:sp>
-        <p:nvSpPr>
-          <p:cNvPr id="3" name="Content Placeholder 2">
-            <a:extLst>
-              <a:ext uri="{FF2B5EF4-FFF2-40B4-BE49-F238E27FC236}">
-                <a16:creationId xmlns:a16="http://schemas.microsoft.com/office/drawing/2014/main" id="{5874BE25-74BC-E1DA-58F1-C8D9C5F23B77}"/>
-              </a:ext>
-            </a:extLst>
-          </p:cNvPr>
-          <p:cNvSpPr>
-            <a:spLocks noGrp="1"/>
-          </p:cNvSpPr>
-          <p:nvPr>
-            <p:ph idx="1"/>
-          </p:nvPr>
-        </p:nvSpPr>
-        <p:spPr/>
-        <p:txBody>
-          <a:bodyPr/>
-          <a:lstStyle/>
-          <a:p>
-            <a:endParaRPr lang="en-US" dirty="0"/>
-          </a:p>
-        </p:txBody>
-      </p:sp>
+      <p:pic>
+        <p:nvPicPr>
+          <p:cNvPr id="7" name="Picture 6">
+            <a:extLst>
+              <a:ext uri="{FF2B5EF4-FFF2-40B4-BE49-F238E27FC236}">
+                <a16:creationId xmlns:a16="http://schemas.microsoft.com/office/drawing/2014/main" id="{87B146DF-CEB5-3195-7CF8-45057F0F22F8}"/>
+              </a:ext>
+            </a:extLst>
+          </p:cNvPr>
+          <p:cNvPicPr>
+            <a:picLocks noChangeAspect="1"/>
+          </p:cNvPicPr>
+          <p:nvPr/>
+        </p:nvPicPr>
+        <p:blipFill>
+          <a:blip r:embed="rId3"/>
+          <a:stretch>
+            <a:fillRect/>
+          </a:stretch>
+        </p:blipFill>
+        <p:spPr>
+          <a:xfrm>
+            <a:off x="96759" y="1270413"/>
+            <a:ext cx="4059336" cy="5222838"/>
+          </a:xfrm>
+          <a:prstGeom prst="rect">
+            <a:avLst/>
+          </a:prstGeom>
+        </p:spPr>
+      </p:pic>
+      <p:pic>
+        <p:nvPicPr>
+          <p:cNvPr id="9" name="Picture 8">
+            <a:extLst>
+              <a:ext uri="{FF2B5EF4-FFF2-40B4-BE49-F238E27FC236}">
+                <a16:creationId xmlns:a16="http://schemas.microsoft.com/office/drawing/2014/main" id="{7396B84D-C2CC-6821-0EFD-31F8599FF4AE}"/>
+              </a:ext>
+            </a:extLst>
+          </p:cNvPr>
+          <p:cNvPicPr>
+            <a:picLocks noChangeAspect="1"/>
+          </p:cNvPicPr>
+          <p:nvPr/>
+        </p:nvPicPr>
+        <p:blipFill>
+          <a:blip r:embed="rId4"/>
+          <a:stretch>
+            <a:fillRect/>
+          </a:stretch>
+        </p:blipFill>
+        <p:spPr>
+          <a:xfrm>
+            <a:off x="7920384" y="1270413"/>
+            <a:ext cx="4271616" cy="5328508"/>
+          </a:xfrm>
+          <a:prstGeom prst="rect">
+            <a:avLst/>
+          </a:prstGeom>
+        </p:spPr>
+      </p:pic>
     </p:spTree>
     <p:extLst>
       <p:ext uri="{BB962C8B-B14F-4D97-AF65-F5344CB8AC3E}">
@@ -4139,16 +4915,18 @@
         <p:spPr>
           <a:xfrm>
             <a:off x="838200" y="-46269"/>
-            <a:ext cx="7604760" cy="701675"/>
-          </a:xfrm>
-        </p:spPr>
-        <p:txBody>
-          <a:bodyPr/>
+            <a:ext cx="10662920" cy="701675"/>
+          </a:xfrm>
+        </p:spPr>
+        <p:txBody>
+          <a:bodyPr>
+            <a:normAutofit fontScale="90000"/>
+          </a:bodyPr>
           <a:lstStyle/>
           <a:p>
             <a:r>
               <a:rPr lang="en-US" dirty="0"/>
-              <a:t>Block averages by channel (PFC)</a:t>
+              <a:t>Block averages by channel (PFC): Speech Masker</a:t>
             </a:r>
           </a:p>
         </p:txBody>
@@ -4291,12 +5069,14 @@
         </p:nvSpPr>
         <p:spPr>
           <a:xfrm>
-            <a:off x="838200" y="29845"/>
-            <a:ext cx="10515600" cy="701675"/>
-          </a:xfrm>
-        </p:spPr>
-        <p:txBody>
-          <a:bodyPr/>
+            <a:off x="373380" y="29845"/>
+            <a:ext cx="11445240" cy="701675"/>
+          </a:xfrm>
+        </p:spPr>
+        <p:txBody>
+          <a:bodyPr>
+            <a:normAutofit fontScale="90000"/>
+          </a:bodyPr>
           <a:lstStyle/>
           <a:p>
             <a:r>
@@ -4309,7 +5089,7 @@
             </a:r>
             <a:r>
               <a:rPr lang="en-US" dirty="0"/>
-              <a:t>)</a:t>
+              <a:t>): Speech Masker</a:t>
             </a:r>
           </a:p>
         </p:txBody>
@@ -4453,7 +5233,7 @@
         <p:spPr>
           <a:xfrm>
             <a:off x="838200" y="-46269"/>
-            <a:ext cx="8376920" cy="701675"/>
+            <a:ext cx="11353800" cy="701675"/>
           </a:xfrm>
         </p:spPr>
         <p:txBody>
@@ -4464,7 +5244,7 @@
           <a:p>
             <a:r>
               <a:rPr lang="en-US" dirty="0"/>
-              <a:t>Block averages by channel (STG Left)</a:t>
+              <a:t>Block averages by channel (STG Left): Speech Masker</a:t>
             </a:r>
           </a:p>
         </p:txBody>
@@ -4637,19 +5417,19 @@
         </p:nvSpPr>
         <p:spPr>
           <a:xfrm>
-            <a:off x="838200" y="-46269"/>
-            <a:ext cx="8986520" cy="701675"/>
+            <a:off x="96520" y="-19054"/>
+            <a:ext cx="12176760" cy="701675"/>
           </a:xfrm>
         </p:spPr>
         <p:txBody>
           <a:bodyPr>
-            <a:normAutofit/>
+            <a:normAutofit fontScale="90000"/>
           </a:bodyPr>
           <a:lstStyle/>
           <a:p>
             <a:r>
               <a:rPr lang="en-US" dirty="0"/>
-              <a:t>Block averages by channel (STG Right)</a:t>
+              <a:t>Block averages by channel (STG Right): Speech Masker</a:t>
             </a:r>
           </a:p>
         </p:txBody>
@@ -4809,7 +5589,7 @@
           <p:cNvPr id="2" name="Title 1">
             <a:extLst>
               <a:ext uri="{FF2B5EF4-FFF2-40B4-BE49-F238E27FC236}">
-                <a16:creationId xmlns:a16="http://schemas.microsoft.com/office/drawing/2014/main" id="{7A4511FE-55EB-7D42-60EE-3058B3C98E98}"/>
+                <a16:creationId xmlns:a16="http://schemas.microsoft.com/office/drawing/2014/main" id="{4C67F144-A231-1503-94B3-5418A50D1DBE}"/>
               </a:ext>
             </a:extLst>
           </p:cNvPr>
@@ -4827,98 +5607,48 @@
           <a:p>
             <a:r>
               <a:rPr lang="en-US" dirty="0"/>
-              <a:t>Mean </a:t>
+              <a:t>STG, </a:t>
             </a:r>
             <a:r>
               <a:rPr lang="en-US" dirty="0" err="1"/>
-              <a:t>HbO</a:t>
+              <a:t>ipsi</a:t>
             </a:r>
             <a:r>
               <a:rPr lang="en-US" dirty="0"/>
-              <a:t> </a:t>
-            </a:r>
-            <a:r>
-              <a:rPr lang="en-US" dirty="0" err="1"/>
-              <a:t>topoplots</a:t>
-            </a:r>
-            <a:endParaRPr lang="en-US" dirty="0"/>
-          </a:p>
-        </p:txBody>
-      </p:sp>
-      <p:sp>
-        <p:nvSpPr>
-          <p:cNvPr id="4" name="TextBox 3">
-            <a:extLst>
-              <a:ext uri="{FF2B5EF4-FFF2-40B4-BE49-F238E27FC236}">
-                <a16:creationId xmlns:a16="http://schemas.microsoft.com/office/drawing/2014/main" id="{0899B2FC-9A30-F024-10B5-83B46544FDCD}"/>
-              </a:ext>
-            </a:extLst>
-          </p:cNvPr>
-          <p:cNvSpPr txBox="1"/>
-          <p:nvPr/>
-        </p:nvSpPr>
-        <p:spPr>
-          <a:xfrm>
-            <a:off x="343708" y="1240711"/>
-            <a:ext cx="1837421" cy="369332"/>
-          </a:xfrm>
-          <a:prstGeom prst="rect">
-            <a:avLst/>
-          </a:prstGeom>
-          <a:noFill/>
-        </p:spPr>
-        <p:txBody>
-          <a:bodyPr wrap="square" rtlCol="0">
-            <a:spAutoFit/>
-          </a:bodyPr>
-          <a:lstStyle/>
-          <a:p>
-            <a:r>
-              <a:rPr lang="en-US" dirty="0"/>
-              <a:t>Speech masker</a:t>
-            </a:r>
-          </a:p>
-        </p:txBody>
-      </p:sp>
-      <p:sp>
-        <p:nvSpPr>
-          <p:cNvPr id="5" name="TextBox 4">
-            <a:extLst>
-              <a:ext uri="{FF2B5EF4-FFF2-40B4-BE49-F238E27FC236}">
-                <a16:creationId xmlns:a16="http://schemas.microsoft.com/office/drawing/2014/main" id="{E9A4A655-5A5C-E08B-476A-7775D8F1CA63}"/>
-              </a:ext>
-            </a:extLst>
-          </p:cNvPr>
-          <p:cNvSpPr txBox="1"/>
-          <p:nvPr/>
-        </p:nvSpPr>
-        <p:spPr>
-          <a:xfrm>
-            <a:off x="343708" y="4195100"/>
-            <a:ext cx="1837421" cy="369332"/>
-          </a:xfrm>
-          <a:prstGeom prst="rect">
-            <a:avLst/>
-          </a:prstGeom>
-          <a:noFill/>
-        </p:spPr>
-        <p:txBody>
-          <a:bodyPr wrap="square" rtlCol="0">
-            <a:spAutoFit/>
-          </a:bodyPr>
-          <a:lstStyle/>
-          <a:p>
-            <a:r>
-              <a:rPr lang="en-US" dirty="0"/>
-              <a:t>Noise masker</a:t>
-            </a:r>
+              <a:t> vs contra in each channel</a:t>
+            </a:r>
+          </a:p>
+        </p:txBody>
+      </p:sp>
+      <p:sp>
+        <p:nvSpPr>
+          <p:cNvPr id="3" name="Content Placeholder 2">
+            <a:extLst>
+              <a:ext uri="{FF2B5EF4-FFF2-40B4-BE49-F238E27FC236}">
+                <a16:creationId xmlns:a16="http://schemas.microsoft.com/office/drawing/2014/main" id="{10D6BA1F-212F-B0E5-59CA-998B8DF0FCDD}"/>
+              </a:ext>
+            </a:extLst>
+          </p:cNvPr>
+          <p:cNvSpPr>
+            <a:spLocks noGrp="1"/>
+          </p:cNvSpPr>
+          <p:nvPr>
+            <p:ph idx="1"/>
+          </p:nvPr>
+        </p:nvSpPr>
+        <p:spPr/>
+        <p:txBody>
+          <a:bodyPr/>
+          <a:lstStyle/>
+          <a:p>
+            <a:endParaRPr lang="en-US"/>
           </a:p>
         </p:txBody>
       </p:sp>
     </p:spTree>
     <p:extLst>
       <p:ext uri="{BB962C8B-B14F-4D97-AF65-F5344CB8AC3E}">
-        <p14:creationId xmlns:p14="http://schemas.microsoft.com/office/powerpoint/2010/main" val="469896196"/>
+        <p14:creationId xmlns:p14="http://schemas.microsoft.com/office/powerpoint/2010/main" val="4025899839"/>
       </p:ext>
     </p:extLst>
   </p:cSld>
@@ -4950,7 +5680,7 @@
           <p:cNvPr id="2" name="Title 1">
             <a:extLst>
               <a:ext uri="{FF2B5EF4-FFF2-40B4-BE49-F238E27FC236}">
-                <a16:creationId xmlns:a16="http://schemas.microsoft.com/office/drawing/2014/main" id="{29AF55CE-0436-2773-4527-649CC18DD771}"/>
+                <a16:creationId xmlns:a16="http://schemas.microsoft.com/office/drawing/2014/main" id="{DFFE666E-64BF-97BD-2E5A-99A453ADEF4F}"/>
               </a:ext>
             </a:extLst>
           </p:cNvPr>
@@ -4961,55 +5691,119 @@
             <p:ph type="title"/>
           </p:nvPr>
         </p:nvSpPr>
-        <p:spPr/>
-        <p:txBody>
-          <a:bodyPr/>
+        <p:spPr>
+          <a:xfrm>
+            <a:off x="838200" y="-46269"/>
+            <a:ext cx="10662920" cy="701675"/>
+          </a:xfrm>
+        </p:spPr>
+        <p:txBody>
+          <a:bodyPr>
+            <a:normAutofit fontScale="90000"/>
+          </a:bodyPr>
           <a:lstStyle/>
           <a:p>
             <a:r>
               <a:rPr lang="en-US" dirty="0"/>
-              <a:t>Block average </a:t>
-            </a:r>
-            <a:r>
-              <a:rPr lang="en-US" dirty="0" err="1"/>
-              <a:t>topoplots</a:t>
-            </a:r>
-            <a:r>
-              <a:rPr lang="en-US" dirty="0"/>
-              <a:t> (BH corrected)</a:t>
-            </a:r>
-          </a:p>
-        </p:txBody>
-      </p:sp>
-      <p:sp>
-        <p:nvSpPr>
-          <p:cNvPr id="3" name="Content Placeholder 2">
-            <a:extLst>
-              <a:ext uri="{FF2B5EF4-FFF2-40B4-BE49-F238E27FC236}">
-                <a16:creationId xmlns:a16="http://schemas.microsoft.com/office/drawing/2014/main" id="{4045D7C7-8831-D53B-3B56-0486A15439FB}"/>
-              </a:ext>
-            </a:extLst>
-          </p:cNvPr>
-          <p:cNvSpPr>
-            <a:spLocks noGrp="1"/>
-          </p:cNvSpPr>
-          <p:nvPr>
-            <p:ph idx="1"/>
-          </p:nvPr>
-        </p:nvSpPr>
-        <p:spPr/>
-        <p:txBody>
-          <a:bodyPr/>
-          <a:lstStyle/>
-          <a:p>
-            <a:endParaRPr lang="en-US"/>
-          </a:p>
-        </p:txBody>
-      </p:sp>
+              <a:t>Block averages by channel (PFC): Noise Masker</a:t>
+            </a:r>
+          </a:p>
+        </p:txBody>
+      </p:sp>
+      <p:pic>
+        <p:nvPicPr>
+          <p:cNvPr id="10" name="Picture 9">
+            <a:extLst>
+              <a:ext uri="{FF2B5EF4-FFF2-40B4-BE49-F238E27FC236}">
+                <a16:creationId xmlns:a16="http://schemas.microsoft.com/office/drawing/2014/main" id="{7D4BBFFE-C746-4E66-DA0C-5B2019668B1B}"/>
+              </a:ext>
+            </a:extLst>
+          </p:cNvPr>
+          <p:cNvPicPr>
+            <a:picLocks noChangeAspect="1"/>
+          </p:cNvPicPr>
+          <p:nvPr/>
+        </p:nvPicPr>
+        <p:blipFill>
+          <a:blip r:embed="rId2"/>
+          <a:stretch>
+            <a:fillRect/>
+          </a:stretch>
+        </p:blipFill>
+        <p:spPr>
+          <a:xfrm>
+            <a:off x="505609" y="510324"/>
+            <a:ext cx="11180781" cy="2065329"/>
+          </a:xfrm>
+          <a:prstGeom prst="rect">
+            <a:avLst/>
+          </a:prstGeom>
+        </p:spPr>
+      </p:pic>
+      <p:pic>
+        <p:nvPicPr>
+          <p:cNvPr id="12" name="Picture 11">
+            <a:extLst>
+              <a:ext uri="{FF2B5EF4-FFF2-40B4-BE49-F238E27FC236}">
+                <a16:creationId xmlns:a16="http://schemas.microsoft.com/office/drawing/2014/main" id="{6076C28C-2150-926F-31BF-0BAED3370D5B}"/>
+              </a:ext>
+            </a:extLst>
+          </p:cNvPr>
+          <p:cNvPicPr>
+            <a:picLocks noChangeAspect="1"/>
+          </p:cNvPicPr>
+          <p:nvPr/>
+        </p:nvPicPr>
+        <p:blipFill>
+          <a:blip r:embed="rId3"/>
+          <a:stretch>
+            <a:fillRect/>
+          </a:stretch>
+        </p:blipFill>
+        <p:spPr>
+          <a:xfrm>
+            <a:off x="555811" y="2746583"/>
+            <a:ext cx="11180781" cy="2078031"/>
+          </a:xfrm>
+          <a:prstGeom prst="rect">
+            <a:avLst/>
+          </a:prstGeom>
+        </p:spPr>
+      </p:pic>
+      <p:pic>
+        <p:nvPicPr>
+          <p:cNvPr id="14" name="Picture 13">
+            <a:extLst>
+              <a:ext uri="{FF2B5EF4-FFF2-40B4-BE49-F238E27FC236}">
+                <a16:creationId xmlns:a16="http://schemas.microsoft.com/office/drawing/2014/main" id="{5B889769-2059-43D0-E052-E6FE42927B0A}"/>
+              </a:ext>
+            </a:extLst>
+          </p:cNvPr>
+          <p:cNvPicPr>
+            <a:picLocks noChangeAspect="1"/>
+          </p:cNvPicPr>
+          <p:nvPr/>
+        </p:nvPicPr>
+        <p:blipFill>
+          <a:blip r:embed="rId4"/>
+          <a:stretch>
+            <a:fillRect/>
+          </a:stretch>
+        </p:blipFill>
+        <p:spPr>
+          <a:xfrm>
+            <a:off x="505609" y="4996490"/>
+            <a:ext cx="11180781" cy="2088486"/>
+          </a:xfrm>
+          <a:prstGeom prst="rect">
+            <a:avLst/>
+          </a:prstGeom>
+        </p:spPr>
+      </p:pic>
     </p:spTree>
     <p:extLst>
       <p:ext uri="{BB962C8B-B14F-4D97-AF65-F5344CB8AC3E}">
-        <p14:creationId xmlns:p14="http://schemas.microsoft.com/office/powerpoint/2010/main" val="1713963719"/>
+        <p14:creationId xmlns:p14="http://schemas.microsoft.com/office/powerpoint/2010/main" val="85114783"/>
       </p:ext>
     </p:extLst>
   </p:cSld>
@@ -5038,10 +5832,10 @@
       </p:grpSpPr>
       <p:sp>
         <p:nvSpPr>
-          <p:cNvPr id="2" name="Title 1">
-            <a:extLst>
-              <a:ext uri="{FF2B5EF4-FFF2-40B4-BE49-F238E27FC236}">
-                <a16:creationId xmlns:a16="http://schemas.microsoft.com/office/drawing/2014/main" id="{7D982123-15B2-1432-2665-37AFC5D3121A}"/>
+          <p:cNvPr id="4" name="Title 1">
+            <a:extLst>
+              <a:ext uri="{FF2B5EF4-FFF2-40B4-BE49-F238E27FC236}">
+                <a16:creationId xmlns:a16="http://schemas.microsoft.com/office/drawing/2014/main" id="{BF777B0F-4011-A720-0F02-653DA1880CA0}"/>
               </a:ext>
             </a:extLst>
           </p:cNvPr>
@@ -5054,102 +5848,37 @@
         </p:nvSpPr>
         <p:spPr>
           <a:xfrm>
-            <a:off x="838200" y="0"/>
-            <a:ext cx="10515600" cy="1325563"/>
-          </a:xfrm>
-        </p:spPr>
-        <p:txBody>
-          <a:bodyPr/>
+            <a:off x="373380" y="29845"/>
+            <a:ext cx="11445240" cy="701675"/>
+          </a:xfrm>
+        </p:spPr>
+        <p:txBody>
+          <a:bodyPr>
+            <a:normAutofit fontScale="90000"/>
+          </a:bodyPr>
           <a:lstStyle/>
           <a:p>
             <a:r>
               <a:rPr lang="en-US" dirty="0"/>
-              <a:t>GLM </a:t>
+              <a:t>Block averages by channel (PFC </a:t>
             </a:r>
             <a:r>
               <a:rPr lang="en-US" dirty="0" err="1"/>
-              <a:t>topoplots</a:t>
-            </a:r>
-            <a:endParaRPr lang="en-US" dirty="0"/>
-          </a:p>
-        </p:txBody>
-      </p:sp>
-      <p:sp>
-        <p:nvSpPr>
-          <p:cNvPr id="10" name="TextBox 9">
-            <a:extLst>
-              <a:ext uri="{FF2B5EF4-FFF2-40B4-BE49-F238E27FC236}">
-                <a16:creationId xmlns:a16="http://schemas.microsoft.com/office/drawing/2014/main" id="{333A7074-FAA7-39C8-2789-A75504149594}"/>
-              </a:ext>
-            </a:extLst>
-          </p:cNvPr>
-          <p:cNvSpPr txBox="1"/>
-          <p:nvPr/>
-        </p:nvSpPr>
-        <p:spPr>
-          <a:xfrm>
-            <a:off x="364028" y="956231"/>
-            <a:ext cx="1837421" cy="369332"/>
-          </a:xfrm>
-          <a:prstGeom prst="rect">
-            <a:avLst/>
-          </a:prstGeom>
-          <a:noFill/>
-        </p:spPr>
-        <p:txBody>
-          <a:bodyPr wrap="square" rtlCol="0">
-            <a:spAutoFit/>
-          </a:bodyPr>
-          <a:lstStyle/>
-          <a:p>
+              <a:t>cont</a:t>
+            </a:r>
             <a:r>
               <a:rPr lang="en-US" dirty="0"/>
-              <a:t>Speech masker</a:t>
-            </a:r>
-          </a:p>
-        </p:txBody>
-      </p:sp>
-      <p:sp>
-        <p:nvSpPr>
-          <p:cNvPr id="21" name="TextBox 20">
-            <a:extLst>
-              <a:ext uri="{FF2B5EF4-FFF2-40B4-BE49-F238E27FC236}">
-                <a16:creationId xmlns:a16="http://schemas.microsoft.com/office/drawing/2014/main" id="{4DAA716A-D4C9-DF2C-19F5-01F3E91CE933}"/>
-              </a:ext>
-            </a:extLst>
-          </p:cNvPr>
-          <p:cNvSpPr txBox="1"/>
-          <p:nvPr/>
-        </p:nvSpPr>
-        <p:spPr>
-          <a:xfrm>
-            <a:off x="364028" y="3910620"/>
-            <a:ext cx="1837421" cy="369332"/>
-          </a:xfrm>
-          <a:prstGeom prst="rect">
-            <a:avLst/>
-          </a:prstGeom>
-          <a:noFill/>
-        </p:spPr>
-        <p:txBody>
-          <a:bodyPr wrap="square" rtlCol="0">
-            <a:spAutoFit/>
-          </a:bodyPr>
-          <a:lstStyle/>
-          <a:p>
-            <a:r>
-              <a:rPr lang="en-US" dirty="0"/>
-              <a:t>Noise masker</a:t>
+              <a:t>): Noise Masker</a:t>
             </a:r>
           </a:p>
         </p:txBody>
       </p:sp>
       <p:pic>
         <p:nvPicPr>
-          <p:cNvPr id="27" name="Picture 26">
-            <a:extLst>
-              <a:ext uri="{FF2B5EF4-FFF2-40B4-BE49-F238E27FC236}">
-                <a16:creationId xmlns:a16="http://schemas.microsoft.com/office/drawing/2014/main" id="{F01F33EF-9D02-703E-72EA-9D000BBAC166}"/>
+          <p:cNvPr id="10" name="Picture 9">
+            <a:extLst>
+              <a:ext uri="{FF2B5EF4-FFF2-40B4-BE49-F238E27FC236}">
+                <a16:creationId xmlns:a16="http://schemas.microsoft.com/office/drawing/2014/main" id="{095406A3-7954-46F0-0417-AAA276FAF41C}"/>
               </a:ext>
             </a:extLst>
           </p:cNvPr>
@@ -5166,8 +5895,8 @@
         </p:blipFill>
         <p:spPr>
           <a:xfrm>
-            <a:off x="364028" y="4279952"/>
-            <a:ext cx="2820844" cy="2355016"/>
+            <a:off x="0" y="731520"/>
+            <a:ext cx="12192000" cy="2236994"/>
           </a:xfrm>
           <a:prstGeom prst="rect">
             <a:avLst/>
@@ -5176,10 +5905,10 @@
       </p:pic>
       <p:pic>
         <p:nvPicPr>
-          <p:cNvPr id="29" name="Picture 28">
-            <a:extLst>
-              <a:ext uri="{FF2B5EF4-FFF2-40B4-BE49-F238E27FC236}">
-                <a16:creationId xmlns:a16="http://schemas.microsoft.com/office/drawing/2014/main" id="{9CC59EEB-4CA3-6FC9-2A8C-3835D3979562}"/>
+          <p:cNvPr id="12" name="Picture 11">
+            <a:extLst>
+              <a:ext uri="{FF2B5EF4-FFF2-40B4-BE49-F238E27FC236}">
+                <a16:creationId xmlns:a16="http://schemas.microsoft.com/office/drawing/2014/main" id="{638266B4-170E-BCAD-168D-57201AD3C5F9}"/>
               </a:ext>
             </a:extLst>
           </p:cNvPr>
@@ -5196,8 +5925,8 @@
         </p:blipFill>
         <p:spPr>
           <a:xfrm>
-            <a:off x="3184872" y="4279952"/>
-            <a:ext cx="2945414" cy="2459016"/>
+            <a:off x="0" y="2968514"/>
+            <a:ext cx="12192000" cy="2251780"/>
           </a:xfrm>
           <a:prstGeom prst="rect">
             <a:avLst/>
@@ -5206,10 +5935,10 @@
       </p:pic>
       <p:pic>
         <p:nvPicPr>
-          <p:cNvPr id="31" name="Picture 30">
-            <a:extLst>
-              <a:ext uri="{FF2B5EF4-FFF2-40B4-BE49-F238E27FC236}">
-                <a16:creationId xmlns:a16="http://schemas.microsoft.com/office/drawing/2014/main" id="{1225F699-3A16-CE02-C9DD-DCD98B6CE9CD}"/>
+          <p:cNvPr id="14" name="Picture 13">
+            <a:extLst>
+              <a:ext uri="{FF2B5EF4-FFF2-40B4-BE49-F238E27FC236}">
+                <a16:creationId xmlns:a16="http://schemas.microsoft.com/office/drawing/2014/main" id="{3098DB1E-9634-7247-957F-5A479114780C}"/>
               </a:ext>
             </a:extLst>
           </p:cNvPr>
@@ -5226,158 +5955,8 @@
         </p:blipFill>
         <p:spPr>
           <a:xfrm>
-            <a:off x="6130286" y="4382562"/>
-            <a:ext cx="2822508" cy="2356406"/>
-          </a:xfrm>
-          <a:prstGeom prst="rect">
-            <a:avLst/>
-          </a:prstGeom>
-        </p:spPr>
-      </p:pic>
-      <p:pic>
-        <p:nvPicPr>
-          <p:cNvPr id="33" name="Picture 32">
-            <a:extLst>
-              <a:ext uri="{FF2B5EF4-FFF2-40B4-BE49-F238E27FC236}">
-                <a16:creationId xmlns:a16="http://schemas.microsoft.com/office/drawing/2014/main" id="{10E26111-D51A-9A87-79F3-CB08DD72147E}"/>
-              </a:ext>
-            </a:extLst>
-          </p:cNvPr>
-          <p:cNvPicPr>
-            <a:picLocks noChangeAspect="1"/>
-          </p:cNvPicPr>
-          <p:nvPr/>
-        </p:nvPicPr>
-        <p:blipFill>
-          <a:blip r:embed="rId5"/>
-          <a:stretch>
-            <a:fillRect/>
-          </a:stretch>
-        </p:blipFill>
-        <p:spPr>
-          <a:xfrm>
-            <a:off x="9097710" y="4382562"/>
-            <a:ext cx="2912138" cy="2431236"/>
-          </a:xfrm>
-          <a:prstGeom prst="rect">
-            <a:avLst/>
-          </a:prstGeom>
-        </p:spPr>
-      </p:pic>
-      <p:pic>
-        <p:nvPicPr>
-          <p:cNvPr id="35" name="Picture 34">
-            <a:extLst>
-              <a:ext uri="{FF2B5EF4-FFF2-40B4-BE49-F238E27FC236}">
-                <a16:creationId xmlns:a16="http://schemas.microsoft.com/office/drawing/2014/main" id="{80CAD29F-88AE-4723-EFAC-F8BB17F74CAB}"/>
-              </a:ext>
-            </a:extLst>
-          </p:cNvPr>
-          <p:cNvPicPr>
-            <a:picLocks noChangeAspect="1"/>
-          </p:cNvPicPr>
-          <p:nvPr/>
-        </p:nvPicPr>
-        <p:blipFill>
-          <a:blip r:embed="rId6"/>
-          <a:stretch>
-            <a:fillRect/>
-          </a:stretch>
-        </p:blipFill>
-        <p:spPr>
-          <a:xfrm>
-            <a:off x="285237" y="1419632"/>
-            <a:ext cx="2762518" cy="2306322"/>
-          </a:xfrm>
-          <a:prstGeom prst="rect">
-            <a:avLst/>
-          </a:prstGeom>
-        </p:spPr>
-      </p:pic>
-      <p:pic>
-        <p:nvPicPr>
-          <p:cNvPr id="37" name="Picture 36">
-            <a:extLst>
-              <a:ext uri="{FF2B5EF4-FFF2-40B4-BE49-F238E27FC236}">
-                <a16:creationId xmlns:a16="http://schemas.microsoft.com/office/drawing/2014/main" id="{E7673780-6817-483B-CF1E-9F705A80C046}"/>
-              </a:ext>
-            </a:extLst>
-          </p:cNvPr>
-          <p:cNvPicPr>
-            <a:picLocks noChangeAspect="1"/>
-          </p:cNvPicPr>
-          <p:nvPr/>
-        </p:nvPicPr>
-        <p:blipFill>
-          <a:blip r:embed="rId7"/>
-          <a:stretch>
-            <a:fillRect/>
-          </a:stretch>
-        </p:blipFill>
-        <p:spPr>
-          <a:xfrm>
-            <a:off x="3047755" y="1499669"/>
-            <a:ext cx="2570780" cy="2146248"/>
-          </a:xfrm>
-          <a:prstGeom prst="rect">
-            <a:avLst/>
-          </a:prstGeom>
-        </p:spPr>
-      </p:pic>
-      <p:pic>
-        <p:nvPicPr>
-          <p:cNvPr id="39" name="Picture 38">
-            <a:extLst>
-              <a:ext uri="{FF2B5EF4-FFF2-40B4-BE49-F238E27FC236}">
-                <a16:creationId xmlns:a16="http://schemas.microsoft.com/office/drawing/2014/main" id="{354FF7AF-31A1-C840-FC69-07610A166767}"/>
-              </a:ext>
-            </a:extLst>
-          </p:cNvPr>
-          <p:cNvPicPr>
-            <a:picLocks noChangeAspect="1"/>
-          </p:cNvPicPr>
-          <p:nvPr/>
-        </p:nvPicPr>
-        <p:blipFill>
-          <a:blip r:embed="rId8"/>
-          <a:stretch>
-            <a:fillRect/>
-          </a:stretch>
-        </p:blipFill>
-        <p:spPr>
-          <a:xfrm>
-            <a:off x="5945987" y="1499669"/>
-            <a:ext cx="2679354" cy="2236892"/>
-          </a:xfrm>
-          <a:prstGeom prst="rect">
-            <a:avLst/>
-          </a:prstGeom>
-        </p:spPr>
-      </p:pic>
-      <p:pic>
-        <p:nvPicPr>
-          <p:cNvPr id="41" name="Picture 40">
-            <a:extLst>
-              <a:ext uri="{FF2B5EF4-FFF2-40B4-BE49-F238E27FC236}">
-                <a16:creationId xmlns:a16="http://schemas.microsoft.com/office/drawing/2014/main" id="{105E53FF-44C7-96A4-7720-86AD677915DE}"/>
-              </a:ext>
-            </a:extLst>
-          </p:cNvPr>
-          <p:cNvPicPr>
-            <a:picLocks noChangeAspect="1"/>
-          </p:cNvPicPr>
-          <p:nvPr/>
-        </p:nvPicPr>
-        <p:blipFill>
-          <a:blip r:embed="rId9"/>
-          <a:stretch>
-            <a:fillRect/>
-          </a:stretch>
-        </p:blipFill>
-        <p:spPr>
-          <a:xfrm>
-            <a:off x="8896361" y="1442602"/>
-            <a:ext cx="2627212" cy="2193362"/>
+            <a:off x="0" y="5205508"/>
+            <a:ext cx="12192000" cy="2214637"/>
           </a:xfrm>
           <a:prstGeom prst="rect">
             <a:avLst/>
@@ -5387,7 +5966,7 @@
     </p:spTree>
     <p:extLst>
       <p:ext uri="{BB962C8B-B14F-4D97-AF65-F5344CB8AC3E}">
-        <p14:creationId xmlns:p14="http://schemas.microsoft.com/office/powerpoint/2010/main" val="2359869660"/>
+        <p14:creationId xmlns:p14="http://schemas.microsoft.com/office/powerpoint/2010/main" val="3238606209"/>
       </p:ext>
     </p:extLst>
   </p:cSld>

--- a/SRM-NIRS-EEG Update 6-7-2024.pptx
+++ b/SRM-NIRS-EEG Update 6-7-2024.pptx
@@ -4,6 +4,9 @@
   <p:sldMasterIdLst>
     <p:sldMasterId id="2147483648" r:id="rId1"/>
   </p:sldMasterIdLst>
+  <p:notesMasterIdLst>
+    <p:notesMasterId r:id="rId20"/>
+  </p:notesMasterIdLst>
   <p:sldIdLst>
     <p:sldId id="256" r:id="rId2"/>
     <p:sldId id="257" r:id="rId3"/>
@@ -129,6 +132,630 @@
 </p:presentation>
 </file>
 
+<file path=ppt/authors.xml><?xml version="1.0" encoding="utf-8"?>
+<p188:authorLst xmlns:a="http://schemas.openxmlformats.org/drawingml/2006/main" xmlns:r="http://schemas.openxmlformats.org/officeDocument/2006/relationships" xmlns:p188="http://schemas.microsoft.com/office/powerpoint/2018/8/main">
+  <p188:author id="{B6706189-4051-F0EC-10B7-62A2E5B815A7}" name="Ben Noah Richardson" initials="BR" userId="S::bnrichar@andrew.cmu.edu::e0885a15-8e89-43c8-9c2c-7480c0f8d0b2" providerId="AD"/>
+</p188:authorLst>
+</file>
+
+<file path=ppt/comments/modernComment_101_F11CC6D3.xml><?xml version="1.0" encoding="utf-8"?>
+<p188:cmLst xmlns:a="http://schemas.openxmlformats.org/drawingml/2006/main" xmlns:r="http://schemas.openxmlformats.org/officeDocument/2006/relationships" xmlns:p188="http://schemas.microsoft.com/office/powerpoint/2018/8/main">
+  <p188:cm id="{03A962DF-C0D1-4FC9-B75A-7A57D0E8AF8F}" authorId="{B6706189-4051-F0EC-10B7-62A2E5B815A7}" created="2024-06-07T14:28:09.401">
+    <ac:deMkLst xmlns:ac="http://schemas.microsoft.com/office/drawing/2013/main/command">
+      <pc:docMk xmlns:pc="http://schemas.microsoft.com/office/powerpoint/2013/main/command"/>
+      <pc:sldMk xmlns:pc="http://schemas.microsoft.com/office/powerpoint/2013/main/command" cId="4045194963" sldId="257"/>
+      <ac:picMk id="9" creationId="{7396B84D-C2CC-6821-0EFD-31F8599FF4AE}"/>
+    </ac:deMkLst>
+    <p188:replyLst>
+      <p188:reply id="{77AD63C6-72F9-40FD-81DB-EC98B6C55302}" authorId="{B6706189-4051-F0EC-10B7-62A2E5B815A7}" created="2024-06-07T14:29:59.454">
+        <p188:txBody>
+          <a:bodyPr/>
+          <a:lstStyle/>
+          <a:p>
+            <a:r>
+              <a:rPr lang="en-US"/>
+              <a:t>Plot: hit rate, FA rate, speech d prime, other type of d prime</a:t>
+            </a:r>
+          </a:p>
+        </p188:txBody>
+      </p188:reply>
+    </p188:replyLst>
+    <p188:txBody>
+      <a:bodyPr/>
+      <a:lstStyle/>
+      <a:p>
+        <a:r>
+          <a:rPr lang="en-US"/>
+          <a:t>axes</a:t>
+        </a:r>
+      </a:p>
+    </p188:txBody>
+  </p188:cm>
+  <p188:cm id="{2226BE1E-D1DB-46B1-A243-7E0D963BAD9A}" authorId="{B6706189-4051-F0EC-10B7-62A2E5B815A7}" created="2024-06-07T17:16:38.159">
+    <ac:deMkLst xmlns:ac="http://schemas.microsoft.com/office/drawing/2013/main/command">
+      <pc:docMk xmlns:pc="http://schemas.microsoft.com/office/powerpoint/2013/main/command"/>
+      <pc:sldMk xmlns:pc="http://schemas.microsoft.com/office/powerpoint/2013/main/command" cId="4045194963" sldId="257"/>
+      <ac:picMk id="11" creationId="{A3FB79A3-9677-C854-FE16-1BD44F480EBA}"/>
+    </ac:deMkLst>
+    <p188:replyLst>
+      <p188:reply id="{99EB4C6F-C6A1-48FE-B45E-2E4BF863472F}" authorId="{B6706189-4051-F0EC-10B7-62A2E5B815A7}" created="2024-06-07T17:17:18.198">
+        <p188:txBody>
+          <a:bodyPr/>
+          <a:lstStyle/>
+          <a:p>
+            <a:r>
+              <a:rPr lang="en-US"/>
+              <a:t>Scatterplot: d-prime vs hit rate in each condition, for each subject</a:t>
+            </a:r>
+          </a:p>
+        </p188:txBody>
+      </p188:reply>
+      <p188:reply id="{33BFBE84-7E5C-439E-BED5-95CAC1C9F29A}" authorId="{B6706189-4051-F0EC-10B7-62A2E5B815A7}" created="2024-06-07T17:17:43.092">
+        <p188:txBody>
+          <a:bodyPr/>
+          <a:lstStyle/>
+          <a:p>
+            <a:r>
+              <a:rPr lang="en-US"/>
+              <a:t>What happens if collapse?</a:t>
+            </a:r>
+          </a:p>
+        </p188:txBody>
+      </p188:reply>
+    </p188:replyLst>
+    <p188:txBody>
+      <a:bodyPr/>
+      <a:lstStyle/>
+      <a:p>
+        <a:r>
+          <a:rPr lang="en-US"/>
+          <a:t>D-prime vs hit rate at individual subject level --&gt; characterize bias --&gt; if highly correlated, ok to compare with hit rate in Noise masker</a:t>
+        </a:r>
+      </a:p>
+    </p188:txBody>
+  </p188:cm>
+</p188:cmLst>
+</file>
+
+<file path=ppt/comments/modernComment_102_30283873.xml><?xml version="1.0" encoding="utf-8"?>
+<p188:cmLst xmlns:a="http://schemas.openxmlformats.org/drawingml/2006/main" xmlns:r="http://schemas.openxmlformats.org/officeDocument/2006/relationships" xmlns:p188="http://schemas.microsoft.com/office/powerpoint/2018/8/main">
+  <p188:cm id="{CB3C51B7-7C1A-43FE-8A3A-C18095E747F1}" authorId="{B6706189-4051-F0EC-10B7-62A2E5B815A7}" created="2024-06-07T16:18:09.855">
+    <ac:deMkLst xmlns:ac="http://schemas.microsoft.com/office/drawing/2013/main/command">
+      <pc:docMk xmlns:pc="http://schemas.microsoft.com/office/powerpoint/2013/main/command"/>
+      <pc:sldMk xmlns:pc="http://schemas.microsoft.com/office/powerpoint/2013/main/command" cId="807942259" sldId="258"/>
+      <ac:picMk id="18" creationId="{52ACAAAF-7ADC-06DC-A825-CDF845BB112F}"/>
+    </ac:deMkLst>
+    <p188:txBody>
+      <a:bodyPr/>
+      <a:lstStyle/>
+      <a:p>
+        <a:r>
+          <a:rPr lang="en-US"/>
+          <a:t>Try -5-0 baseline</a:t>
+        </a:r>
+      </a:p>
+    </p188:txBody>
+  </p188:cm>
+</p188:cmLst>
+</file>
+
+<file path=ppt/notesMasters/notesMaster1.xml><?xml version="1.0" encoding="utf-8"?>
+<p:notesMaster xmlns:a="http://schemas.openxmlformats.org/drawingml/2006/main" xmlns:r="http://schemas.openxmlformats.org/officeDocument/2006/relationships" xmlns:p="http://schemas.openxmlformats.org/presentationml/2006/main">
+  <p:cSld>
+    <p:bg>
+      <p:bgRef idx="1001">
+        <a:schemeClr val="bg1"/>
+      </p:bgRef>
+    </p:bg>
+    <p:spTree>
+      <p:nvGrpSpPr>
+        <p:cNvPr id="1" name=""/>
+        <p:cNvGrpSpPr/>
+        <p:nvPr/>
+      </p:nvGrpSpPr>
+      <p:grpSpPr>
+        <a:xfrm>
+          <a:off x="0" y="0"/>
+          <a:ext cx="0" cy="0"/>
+          <a:chOff x="0" y="0"/>
+          <a:chExt cx="0" cy="0"/>
+        </a:xfrm>
+      </p:grpSpPr>
+      <p:sp>
+        <p:nvSpPr>
+          <p:cNvPr id="2" name="Header Placeholder 1"/>
+          <p:cNvSpPr>
+            <a:spLocks noGrp="1"/>
+          </p:cNvSpPr>
+          <p:nvPr>
+            <p:ph type="hdr" sz="quarter"/>
+          </p:nvPr>
+        </p:nvSpPr>
+        <p:spPr>
+          <a:xfrm>
+            <a:off x="0" y="0"/>
+            <a:ext cx="2971800" cy="458788"/>
+          </a:xfrm>
+          <a:prstGeom prst="rect">
+            <a:avLst/>
+          </a:prstGeom>
+        </p:spPr>
+        <p:txBody>
+          <a:bodyPr vert="horz" lIns="91440" tIns="45720" rIns="91440" bIns="45720" rtlCol="0"/>
+          <a:lstStyle>
+            <a:lvl1pPr algn="l">
+              <a:defRPr sz="1200"/>
+            </a:lvl1pPr>
+          </a:lstStyle>
+          <a:p>
+            <a:endParaRPr lang="en-US"/>
+          </a:p>
+        </p:txBody>
+      </p:sp>
+      <p:sp>
+        <p:nvSpPr>
+          <p:cNvPr id="3" name="Date Placeholder 2"/>
+          <p:cNvSpPr>
+            <a:spLocks noGrp="1"/>
+          </p:cNvSpPr>
+          <p:nvPr>
+            <p:ph type="dt" idx="1"/>
+          </p:nvPr>
+        </p:nvSpPr>
+        <p:spPr>
+          <a:xfrm>
+            <a:off x="3884613" y="0"/>
+            <a:ext cx="2971800" cy="458788"/>
+          </a:xfrm>
+          <a:prstGeom prst="rect">
+            <a:avLst/>
+          </a:prstGeom>
+        </p:spPr>
+        <p:txBody>
+          <a:bodyPr vert="horz" lIns="91440" tIns="45720" rIns="91440" bIns="45720" rtlCol="0"/>
+          <a:lstStyle>
+            <a:lvl1pPr algn="r">
+              <a:defRPr sz="1200"/>
+            </a:lvl1pPr>
+          </a:lstStyle>
+          <a:p>
+            <a:fld id="{C6C5A134-67AB-4D2D-9424-A545A3B4DBC8}" type="datetimeFigureOut">
+              <a:rPr lang="en-US" smtClean="0"/>
+              <a:t>6/10/2024</a:t>
+            </a:fld>
+            <a:endParaRPr lang="en-US"/>
+          </a:p>
+        </p:txBody>
+      </p:sp>
+      <p:sp>
+        <p:nvSpPr>
+          <p:cNvPr id="4" name="Slide Image Placeholder 3"/>
+          <p:cNvSpPr>
+            <a:spLocks noGrp="1" noRot="1" noChangeAspect="1"/>
+          </p:cNvSpPr>
+          <p:nvPr>
+            <p:ph type="sldImg" idx="2"/>
+          </p:nvPr>
+        </p:nvSpPr>
+        <p:spPr>
+          <a:xfrm>
+            <a:off x="685800" y="1143000"/>
+            <a:ext cx="5486400" cy="3086100"/>
+          </a:xfrm>
+          <a:prstGeom prst="rect">
+            <a:avLst/>
+          </a:prstGeom>
+          <a:noFill/>
+          <a:ln w="12700">
+            <a:solidFill>
+              <a:prstClr val="black"/>
+            </a:solidFill>
+          </a:ln>
+        </p:spPr>
+        <p:txBody>
+          <a:bodyPr vert="horz" lIns="91440" tIns="45720" rIns="91440" bIns="45720" rtlCol="0" anchor="ctr"/>
+          <a:lstStyle/>
+          <a:p>
+            <a:endParaRPr lang="en-US"/>
+          </a:p>
+        </p:txBody>
+      </p:sp>
+      <p:sp>
+        <p:nvSpPr>
+          <p:cNvPr id="5" name="Notes Placeholder 4"/>
+          <p:cNvSpPr>
+            <a:spLocks noGrp="1"/>
+          </p:cNvSpPr>
+          <p:nvPr>
+            <p:ph type="body" sz="quarter" idx="3"/>
+          </p:nvPr>
+        </p:nvSpPr>
+        <p:spPr>
+          <a:xfrm>
+            <a:off x="685800" y="4400550"/>
+            <a:ext cx="5486400" cy="3600450"/>
+          </a:xfrm>
+          <a:prstGeom prst="rect">
+            <a:avLst/>
+          </a:prstGeom>
+        </p:spPr>
+        <p:txBody>
+          <a:bodyPr vert="horz" lIns="91440" tIns="45720" rIns="91440" bIns="45720" rtlCol="0"/>
+          <a:lstStyle/>
+          <a:p>
+            <a:pPr lvl="0"/>
+            <a:r>
+              <a:rPr lang="en-US"/>
+              <a:t>Click to edit Master text styles</a:t>
+            </a:r>
+          </a:p>
+          <a:p>
+            <a:pPr lvl="1"/>
+            <a:r>
+              <a:rPr lang="en-US"/>
+              <a:t>Second level</a:t>
+            </a:r>
+          </a:p>
+          <a:p>
+            <a:pPr lvl="2"/>
+            <a:r>
+              <a:rPr lang="en-US"/>
+              <a:t>Third level</a:t>
+            </a:r>
+          </a:p>
+          <a:p>
+            <a:pPr lvl="3"/>
+            <a:r>
+              <a:rPr lang="en-US"/>
+              <a:t>Fourth level</a:t>
+            </a:r>
+          </a:p>
+          <a:p>
+            <a:pPr lvl="4"/>
+            <a:r>
+              <a:rPr lang="en-US"/>
+              <a:t>Fifth level</a:t>
+            </a:r>
+          </a:p>
+        </p:txBody>
+      </p:sp>
+      <p:sp>
+        <p:nvSpPr>
+          <p:cNvPr id="6" name="Footer Placeholder 5"/>
+          <p:cNvSpPr>
+            <a:spLocks noGrp="1"/>
+          </p:cNvSpPr>
+          <p:nvPr>
+            <p:ph type="ftr" sz="quarter" idx="4"/>
+          </p:nvPr>
+        </p:nvSpPr>
+        <p:spPr>
+          <a:xfrm>
+            <a:off x="0" y="8685213"/>
+            <a:ext cx="2971800" cy="458787"/>
+          </a:xfrm>
+          <a:prstGeom prst="rect">
+            <a:avLst/>
+          </a:prstGeom>
+        </p:spPr>
+        <p:txBody>
+          <a:bodyPr vert="horz" lIns="91440" tIns="45720" rIns="91440" bIns="45720" rtlCol="0" anchor="b"/>
+          <a:lstStyle>
+            <a:lvl1pPr algn="l">
+              <a:defRPr sz="1200"/>
+            </a:lvl1pPr>
+          </a:lstStyle>
+          <a:p>
+            <a:endParaRPr lang="en-US"/>
+          </a:p>
+        </p:txBody>
+      </p:sp>
+      <p:sp>
+        <p:nvSpPr>
+          <p:cNvPr id="7" name="Slide Number Placeholder 6"/>
+          <p:cNvSpPr>
+            <a:spLocks noGrp="1"/>
+          </p:cNvSpPr>
+          <p:nvPr>
+            <p:ph type="sldNum" sz="quarter" idx="5"/>
+          </p:nvPr>
+        </p:nvSpPr>
+        <p:spPr>
+          <a:xfrm>
+            <a:off x="3884613" y="8685213"/>
+            <a:ext cx="2971800" cy="458787"/>
+          </a:xfrm>
+          <a:prstGeom prst="rect">
+            <a:avLst/>
+          </a:prstGeom>
+        </p:spPr>
+        <p:txBody>
+          <a:bodyPr vert="horz" lIns="91440" tIns="45720" rIns="91440" bIns="45720" rtlCol="0" anchor="b"/>
+          <a:lstStyle>
+            <a:lvl1pPr algn="r">
+              <a:defRPr sz="1200"/>
+            </a:lvl1pPr>
+          </a:lstStyle>
+          <a:p>
+            <a:fld id="{716E6363-8AB1-4B76-A588-8578C3CF2E59}" type="slidenum">
+              <a:rPr lang="en-US" smtClean="0"/>
+              <a:t>‹#›</a:t>
+            </a:fld>
+            <a:endParaRPr lang="en-US"/>
+          </a:p>
+        </p:txBody>
+      </p:sp>
+    </p:spTree>
+    <p:extLst>
+      <p:ext uri="{BB962C8B-B14F-4D97-AF65-F5344CB8AC3E}">
+        <p14:creationId xmlns:p14="http://schemas.microsoft.com/office/powerpoint/2010/main" val="3116156437"/>
+      </p:ext>
+    </p:extLst>
+  </p:cSld>
+  <p:clrMap bg1="lt1" tx1="dk1" bg2="lt2" tx2="dk2" accent1="accent1" accent2="accent2" accent3="accent3" accent4="accent4" accent5="accent5" accent6="accent6" hlink="hlink" folHlink="folHlink"/>
+  <p:notesStyle>
+    <a:lvl1pPr marL="0" algn="l" defTabSz="914400" rtl="0" eaLnBrk="1" latinLnBrk="0" hangingPunct="1">
+      <a:defRPr sz="1200" kern="1200">
+        <a:solidFill>
+          <a:schemeClr val="tx1"/>
+        </a:solidFill>
+        <a:latin typeface="+mn-lt"/>
+        <a:ea typeface="+mn-ea"/>
+        <a:cs typeface="+mn-cs"/>
+      </a:defRPr>
+    </a:lvl1pPr>
+    <a:lvl2pPr marL="457200" algn="l" defTabSz="914400" rtl="0" eaLnBrk="1" latinLnBrk="0" hangingPunct="1">
+      <a:defRPr sz="1200" kern="1200">
+        <a:solidFill>
+          <a:schemeClr val="tx1"/>
+        </a:solidFill>
+        <a:latin typeface="+mn-lt"/>
+        <a:ea typeface="+mn-ea"/>
+        <a:cs typeface="+mn-cs"/>
+      </a:defRPr>
+    </a:lvl2pPr>
+    <a:lvl3pPr marL="914400" algn="l" defTabSz="914400" rtl="0" eaLnBrk="1" latinLnBrk="0" hangingPunct="1">
+      <a:defRPr sz="1200" kern="1200">
+        <a:solidFill>
+          <a:schemeClr val="tx1"/>
+        </a:solidFill>
+        <a:latin typeface="+mn-lt"/>
+        <a:ea typeface="+mn-ea"/>
+        <a:cs typeface="+mn-cs"/>
+      </a:defRPr>
+    </a:lvl3pPr>
+    <a:lvl4pPr marL="1371600" algn="l" defTabSz="914400" rtl="0" eaLnBrk="1" latinLnBrk="0" hangingPunct="1">
+      <a:defRPr sz="1200" kern="1200">
+        <a:solidFill>
+          <a:schemeClr val="tx1"/>
+        </a:solidFill>
+        <a:latin typeface="+mn-lt"/>
+        <a:ea typeface="+mn-ea"/>
+        <a:cs typeface="+mn-cs"/>
+      </a:defRPr>
+    </a:lvl4pPr>
+    <a:lvl5pPr marL="1828800" algn="l" defTabSz="914400" rtl="0" eaLnBrk="1" latinLnBrk="0" hangingPunct="1">
+      <a:defRPr sz="1200" kern="1200">
+        <a:solidFill>
+          <a:schemeClr val="tx1"/>
+        </a:solidFill>
+        <a:latin typeface="+mn-lt"/>
+        <a:ea typeface="+mn-ea"/>
+        <a:cs typeface="+mn-cs"/>
+      </a:defRPr>
+    </a:lvl5pPr>
+    <a:lvl6pPr marL="2286000" algn="l" defTabSz="914400" rtl="0" eaLnBrk="1" latinLnBrk="0" hangingPunct="1">
+      <a:defRPr sz="1200" kern="1200">
+        <a:solidFill>
+          <a:schemeClr val="tx1"/>
+        </a:solidFill>
+        <a:latin typeface="+mn-lt"/>
+        <a:ea typeface="+mn-ea"/>
+        <a:cs typeface="+mn-cs"/>
+      </a:defRPr>
+    </a:lvl6pPr>
+    <a:lvl7pPr marL="2743200" algn="l" defTabSz="914400" rtl="0" eaLnBrk="1" latinLnBrk="0" hangingPunct="1">
+      <a:defRPr sz="1200" kern="1200">
+        <a:solidFill>
+          <a:schemeClr val="tx1"/>
+        </a:solidFill>
+        <a:latin typeface="+mn-lt"/>
+        <a:ea typeface="+mn-ea"/>
+        <a:cs typeface="+mn-cs"/>
+      </a:defRPr>
+    </a:lvl7pPr>
+    <a:lvl8pPr marL="3200400" algn="l" defTabSz="914400" rtl="0" eaLnBrk="1" latinLnBrk="0" hangingPunct="1">
+      <a:defRPr sz="1200" kern="1200">
+        <a:solidFill>
+          <a:schemeClr val="tx1"/>
+        </a:solidFill>
+        <a:latin typeface="+mn-lt"/>
+        <a:ea typeface="+mn-ea"/>
+        <a:cs typeface="+mn-cs"/>
+      </a:defRPr>
+    </a:lvl8pPr>
+    <a:lvl9pPr marL="3657600" algn="l" defTabSz="914400" rtl="0" eaLnBrk="1" latinLnBrk="0" hangingPunct="1">
+      <a:defRPr sz="1200" kern="1200">
+        <a:solidFill>
+          <a:schemeClr val="tx1"/>
+        </a:solidFill>
+        <a:latin typeface="+mn-lt"/>
+        <a:ea typeface="+mn-ea"/>
+        <a:cs typeface="+mn-cs"/>
+      </a:defRPr>
+    </a:lvl9pPr>
+  </p:notesStyle>
+</p:notesMaster>
+</file>
+
+<file path=ppt/notesSlides/notesSlide1.xml><?xml version="1.0" encoding="utf-8"?>
+<p:notes xmlns:a="http://schemas.openxmlformats.org/drawingml/2006/main" xmlns:r="http://schemas.openxmlformats.org/officeDocument/2006/relationships" xmlns:p="http://schemas.openxmlformats.org/presentationml/2006/main">
+  <p:cSld>
+    <p:spTree>
+      <p:nvGrpSpPr>
+        <p:cNvPr id="1" name=""/>
+        <p:cNvGrpSpPr/>
+        <p:nvPr/>
+      </p:nvGrpSpPr>
+      <p:grpSpPr>
+        <a:xfrm>
+          <a:off x="0" y="0"/>
+          <a:ext cx="0" cy="0"/>
+          <a:chOff x="0" y="0"/>
+          <a:chExt cx="0" cy="0"/>
+        </a:xfrm>
+      </p:grpSpPr>
+      <p:sp>
+        <p:nvSpPr>
+          <p:cNvPr id="2" name="Slide Image Placeholder 1"/>
+          <p:cNvSpPr>
+            <a:spLocks noGrp="1" noRot="1" noChangeAspect="1"/>
+          </p:cNvSpPr>
+          <p:nvPr>
+            <p:ph type="sldImg"/>
+          </p:nvPr>
+        </p:nvSpPr>
+        <p:spPr/>
+      </p:sp>
+      <p:sp>
+        <p:nvSpPr>
+          <p:cNvPr id="3" name="Notes Placeholder 2"/>
+          <p:cNvSpPr>
+            <a:spLocks noGrp="1"/>
+          </p:cNvSpPr>
+          <p:nvPr>
+            <p:ph type="body" idx="1"/>
+          </p:nvPr>
+        </p:nvSpPr>
+        <p:spPr/>
+        <p:txBody>
+          <a:bodyPr/>
+          <a:lstStyle/>
+          <a:p>
+            <a:endParaRPr lang="en-US" dirty="0"/>
+          </a:p>
+        </p:txBody>
+      </p:sp>
+      <p:sp>
+        <p:nvSpPr>
+          <p:cNvPr id="4" name="Slide Number Placeholder 3"/>
+          <p:cNvSpPr>
+            <a:spLocks noGrp="1"/>
+          </p:cNvSpPr>
+          <p:nvPr>
+            <p:ph type="sldNum" sz="quarter" idx="5"/>
+          </p:nvPr>
+        </p:nvSpPr>
+        <p:spPr/>
+        <p:txBody>
+          <a:bodyPr/>
+          <a:lstStyle/>
+          <a:p>
+            <a:fld id="{716E6363-8AB1-4B76-A588-8578C3CF2E59}" type="slidenum">
+              <a:rPr lang="en-US" smtClean="0"/>
+              <a:t>2</a:t>
+            </a:fld>
+            <a:endParaRPr lang="en-US"/>
+          </a:p>
+        </p:txBody>
+      </p:sp>
+    </p:spTree>
+    <p:extLst>
+      <p:ext uri="{BB962C8B-B14F-4D97-AF65-F5344CB8AC3E}">
+        <p14:creationId xmlns:p14="http://schemas.microsoft.com/office/powerpoint/2010/main" val="4188156632"/>
+      </p:ext>
+    </p:extLst>
+  </p:cSld>
+  <p:clrMapOvr>
+    <a:masterClrMapping/>
+  </p:clrMapOvr>
+</p:notes>
+</file>
+
+<file path=ppt/notesSlides/notesSlide2.xml><?xml version="1.0" encoding="utf-8"?>
+<p:notes xmlns:a="http://schemas.openxmlformats.org/drawingml/2006/main" xmlns:r="http://schemas.openxmlformats.org/officeDocument/2006/relationships" xmlns:p="http://schemas.openxmlformats.org/presentationml/2006/main">
+  <p:cSld>
+    <p:spTree>
+      <p:nvGrpSpPr>
+        <p:cNvPr id="1" name=""/>
+        <p:cNvGrpSpPr/>
+        <p:nvPr/>
+      </p:nvGrpSpPr>
+      <p:grpSpPr>
+        <a:xfrm>
+          <a:off x="0" y="0"/>
+          <a:ext cx="0" cy="0"/>
+          <a:chOff x="0" y="0"/>
+          <a:chExt cx="0" cy="0"/>
+        </a:xfrm>
+      </p:grpSpPr>
+      <p:sp>
+        <p:nvSpPr>
+          <p:cNvPr id="2" name="Slide Image Placeholder 1"/>
+          <p:cNvSpPr>
+            <a:spLocks noGrp="1" noRot="1" noChangeAspect="1"/>
+          </p:cNvSpPr>
+          <p:nvPr>
+            <p:ph type="sldImg"/>
+          </p:nvPr>
+        </p:nvSpPr>
+        <p:spPr/>
+      </p:sp>
+      <p:sp>
+        <p:nvSpPr>
+          <p:cNvPr id="3" name="Notes Placeholder 2"/>
+          <p:cNvSpPr>
+            <a:spLocks noGrp="1"/>
+          </p:cNvSpPr>
+          <p:nvPr>
+            <p:ph type="body" idx="1"/>
+          </p:nvPr>
+        </p:nvSpPr>
+        <p:spPr/>
+        <p:txBody>
+          <a:bodyPr/>
+          <a:lstStyle/>
+          <a:p>
+            <a:endParaRPr lang="en-US"/>
+          </a:p>
+        </p:txBody>
+      </p:sp>
+      <p:sp>
+        <p:nvSpPr>
+          <p:cNvPr id="4" name="Slide Number Placeholder 3"/>
+          <p:cNvSpPr>
+            <a:spLocks noGrp="1"/>
+          </p:cNvSpPr>
+          <p:nvPr>
+            <p:ph type="sldNum" sz="quarter" idx="5"/>
+          </p:nvPr>
+        </p:nvSpPr>
+        <p:spPr/>
+        <p:txBody>
+          <a:bodyPr/>
+          <a:lstStyle/>
+          <a:p>
+            <a:fld id="{716E6363-8AB1-4B76-A588-8578C3CF2E59}" type="slidenum">
+              <a:rPr lang="en-US" smtClean="0"/>
+              <a:t>3</a:t>
+            </a:fld>
+            <a:endParaRPr lang="en-US"/>
+          </a:p>
+        </p:txBody>
+      </p:sp>
+    </p:spTree>
+    <p:extLst>
+      <p:ext uri="{BB962C8B-B14F-4D97-AF65-F5344CB8AC3E}">
+        <p14:creationId xmlns:p14="http://schemas.microsoft.com/office/powerpoint/2010/main" val="4265371348"/>
+      </p:ext>
+    </p:extLst>
+  </p:cSld>
+  <p:clrMapOvr>
+    <a:masterClrMapping/>
+  </p:clrMapOvr>
+</p:notes>
+</file>
+
 <file path=ppt/slideLayouts/slideLayout1.xml><?xml version="1.0" encoding="utf-8"?>
 <p:sldLayout xmlns:a="http://schemas.openxmlformats.org/drawingml/2006/main" xmlns:r="http://schemas.openxmlformats.org/officeDocument/2006/relationships" xmlns:p="http://schemas.openxmlformats.org/presentationml/2006/main" type="title" preserve="1">
   <p:cSld name="Title Slide">
@@ -276,7 +903,7 @@
           <a:p>
             <a:fld id="{844B939F-3FB1-4DA9-BBAD-2CC7FE554B1A}" type="datetimeFigureOut">
               <a:rPr lang="en-US" smtClean="0"/>
-              <a:t>6/5/2024</a:t>
+              <a:t>6/10/2024</a:t>
             </a:fld>
             <a:endParaRPr lang="en-US"/>
           </a:p>
@@ -474,7 +1101,7 @@
           <a:p>
             <a:fld id="{844B939F-3FB1-4DA9-BBAD-2CC7FE554B1A}" type="datetimeFigureOut">
               <a:rPr lang="en-US" smtClean="0"/>
-              <a:t>6/5/2024</a:t>
+              <a:t>6/10/2024</a:t>
             </a:fld>
             <a:endParaRPr lang="en-US"/>
           </a:p>
@@ -682,7 +1309,7 @@
           <a:p>
             <a:fld id="{844B939F-3FB1-4DA9-BBAD-2CC7FE554B1A}" type="datetimeFigureOut">
               <a:rPr lang="en-US" smtClean="0"/>
-              <a:t>6/5/2024</a:t>
+              <a:t>6/10/2024</a:t>
             </a:fld>
             <a:endParaRPr lang="en-US"/>
           </a:p>
@@ -880,7 +1507,7 @@
           <a:p>
             <a:fld id="{844B939F-3FB1-4DA9-BBAD-2CC7FE554B1A}" type="datetimeFigureOut">
               <a:rPr lang="en-US" smtClean="0"/>
-              <a:t>6/5/2024</a:t>
+              <a:t>6/10/2024</a:t>
             </a:fld>
             <a:endParaRPr lang="en-US"/>
           </a:p>
@@ -1155,7 +1782,7 @@
           <a:p>
             <a:fld id="{844B939F-3FB1-4DA9-BBAD-2CC7FE554B1A}" type="datetimeFigureOut">
               <a:rPr lang="en-US" smtClean="0"/>
-              <a:t>6/5/2024</a:t>
+              <a:t>6/10/2024</a:t>
             </a:fld>
             <a:endParaRPr lang="en-US"/>
           </a:p>
@@ -1420,7 +2047,7 @@
           <a:p>
             <a:fld id="{844B939F-3FB1-4DA9-BBAD-2CC7FE554B1A}" type="datetimeFigureOut">
               <a:rPr lang="en-US" smtClean="0"/>
-              <a:t>6/5/2024</a:t>
+              <a:t>6/10/2024</a:t>
             </a:fld>
             <a:endParaRPr lang="en-US"/>
           </a:p>
@@ -1832,7 +2459,7 @@
           <a:p>
             <a:fld id="{844B939F-3FB1-4DA9-BBAD-2CC7FE554B1A}" type="datetimeFigureOut">
               <a:rPr lang="en-US" smtClean="0"/>
-              <a:t>6/5/2024</a:t>
+              <a:t>6/10/2024</a:t>
             </a:fld>
             <a:endParaRPr lang="en-US"/>
           </a:p>
@@ -1973,7 +2600,7 @@
           <a:p>
             <a:fld id="{844B939F-3FB1-4DA9-BBAD-2CC7FE554B1A}" type="datetimeFigureOut">
               <a:rPr lang="en-US" smtClean="0"/>
-              <a:t>6/5/2024</a:t>
+              <a:t>6/10/2024</a:t>
             </a:fld>
             <a:endParaRPr lang="en-US"/>
           </a:p>
@@ -2086,7 +2713,7 @@
           <a:p>
             <a:fld id="{844B939F-3FB1-4DA9-BBAD-2CC7FE554B1A}" type="datetimeFigureOut">
               <a:rPr lang="en-US" smtClean="0"/>
-              <a:t>6/5/2024</a:t>
+              <a:t>6/10/2024</a:t>
             </a:fld>
             <a:endParaRPr lang="en-US"/>
           </a:p>
@@ -2397,7 +3024,7 @@
           <a:p>
             <a:fld id="{844B939F-3FB1-4DA9-BBAD-2CC7FE554B1A}" type="datetimeFigureOut">
               <a:rPr lang="en-US" smtClean="0"/>
-              <a:t>6/5/2024</a:t>
+              <a:t>6/10/2024</a:t>
             </a:fld>
             <a:endParaRPr lang="en-US"/>
           </a:p>
@@ -2685,7 +3312,7 @@
           <a:p>
             <a:fld id="{844B939F-3FB1-4DA9-BBAD-2CC7FE554B1A}" type="datetimeFigureOut">
               <a:rPr lang="en-US" smtClean="0"/>
-              <a:t>6/5/2024</a:t>
+              <a:t>6/10/2024</a:t>
             </a:fld>
             <a:endParaRPr lang="en-US"/>
           </a:p>
@@ -2926,7 +3553,7 @@
           <a:p>
             <a:fld id="{844B939F-3FB1-4DA9-BBAD-2CC7FE554B1A}" type="datetimeFigureOut">
               <a:rPr lang="en-US" smtClean="0"/>
-              <a:t>6/5/2024</a:t>
+              <a:t>6/10/2024</a:t>
             </a:fld>
             <a:endParaRPr lang="en-US"/>
           </a:p>
@@ -4758,14 +5385,14 @@
           <p:nvPr/>
         </p:nvPicPr>
         <p:blipFill>
-          <a:blip r:embed="rId2"/>
+          <a:blip r:embed="rId4"/>
           <a:stretch>
             <a:fillRect/>
           </a:stretch>
         </p:blipFill>
         <p:spPr>
           <a:xfrm>
-            <a:off x="4156095" y="1270413"/>
+            <a:off x="4282374" y="1102994"/>
             <a:ext cx="4147604" cy="5188772"/>
           </a:xfrm>
           <a:prstGeom prst="rect">
@@ -4821,14 +5448,14 @@
           <p:nvPr/>
         </p:nvPicPr>
         <p:blipFill>
-          <a:blip r:embed="rId3"/>
+          <a:blip r:embed="rId5"/>
           <a:stretch>
             <a:fillRect/>
           </a:stretch>
         </p:blipFill>
         <p:spPr>
           <a:xfrm>
-            <a:off x="96759" y="1270413"/>
+            <a:off x="0" y="1042705"/>
             <a:ext cx="4059336" cy="5222838"/>
           </a:xfrm>
           <a:prstGeom prst="rect">
@@ -4851,15 +5478,15 @@
           <p:nvPr/>
         </p:nvPicPr>
         <p:blipFill>
-          <a:blip r:embed="rId4"/>
+          <a:blip r:embed="rId6"/>
           <a:stretch>
             <a:fillRect/>
           </a:stretch>
         </p:blipFill>
         <p:spPr>
           <a:xfrm>
-            <a:off x="7920384" y="1270413"/>
-            <a:ext cx="4271616" cy="5328508"/>
+            <a:off x="7920384" y="1102994"/>
+            <a:ext cx="4271616" cy="5162549"/>
           </a:xfrm>
           <a:prstGeom prst="rect">
             <a:avLst/>
@@ -4876,6 +5503,11 @@
   <p:clrMapOvr>
     <a:masterClrMapping/>
   </p:clrMapOvr>
+  <p:extLst>
+    <p:ext uri="{6950BFC3-D8DA-4A85-94F7-54DA5524770B}">
+      <p188:commentRel xmlns:p188="http://schemas.microsoft.com/office/powerpoint/2018/8/main" r:id="rId3"/>
+    </p:ext>
+  </p:extLst>
 </p:sld>
 </file>
 
@@ -4933,70 +5565,10 @@
       </p:sp>
       <p:pic>
         <p:nvPicPr>
-          <p:cNvPr id="17" name="Picture 16">
-            <a:extLst>
-              <a:ext uri="{FF2B5EF4-FFF2-40B4-BE49-F238E27FC236}">
-                <a16:creationId xmlns:a16="http://schemas.microsoft.com/office/drawing/2014/main" id="{CBFAF68C-639C-1E7C-239A-1B00377EC731}"/>
-              </a:ext>
-            </a:extLst>
-          </p:cNvPr>
-          <p:cNvPicPr>
-            <a:picLocks noChangeAspect="1"/>
-          </p:cNvPicPr>
-          <p:nvPr/>
-        </p:nvPicPr>
-        <p:blipFill>
-          <a:blip r:embed="rId2"/>
-          <a:stretch>
-            <a:fillRect/>
-          </a:stretch>
-        </p:blipFill>
-        <p:spPr>
-          <a:xfrm>
-            <a:off x="477520" y="452796"/>
-            <a:ext cx="11480800" cy="2157612"/>
-          </a:xfrm>
-          <a:prstGeom prst="rect">
-            <a:avLst/>
-          </a:prstGeom>
-        </p:spPr>
-      </p:pic>
-      <p:pic>
-        <p:nvPicPr>
           <p:cNvPr id="19" name="Picture 18">
             <a:extLst>
               <a:ext uri="{FF2B5EF4-FFF2-40B4-BE49-F238E27FC236}">
                 <a16:creationId xmlns:a16="http://schemas.microsoft.com/office/drawing/2014/main" id="{700E8B35-2FE9-7907-48EE-65579EA611BD}"/>
-              </a:ext>
-            </a:extLst>
-          </p:cNvPr>
-          <p:cNvPicPr>
-            <a:picLocks noChangeAspect="1"/>
-          </p:cNvPicPr>
-          <p:nvPr/>
-        </p:nvPicPr>
-        <p:blipFill>
-          <a:blip r:embed="rId3"/>
-          <a:stretch>
-            <a:fillRect/>
-          </a:stretch>
-        </p:blipFill>
-        <p:spPr>
-          <a:xfrm>
-            <a:off x="477520" y="2641873"/>
-            <a:ext cx="11480800" cy="2127938"/>
-          </a:xfrm>
-          <a:prstGeom prst="rect">
-            <a:avLst/>
-          </a:prstGeom>
-        </p:spPr>
-      </p:pic>
-      <p:pic>
-        <p:nvPicPr>
-          <p:cNvPr id="21" name="Picture 20">
-            <a:extLst>
-              <a:ext uri="{FF2B5EF4-FFF2-40B4-BE49-F238E27FC236}">
-                <a16:creationId xmlns:a16="http://schemas.microsoft.com/office/drawing/2014/main" id="{3ED3110C-31E1-0EC1-E2C4-A073D8FE1865}"/>
               </a:ext>
             </a:extLst>
           </p:cNvPr>
@@ -5013,8 +5585,68 @@
         </p:blipFill>
         <p:spPr>
           <a:xfrm>
+            <a:off x="482600" y="2604036"/>
+            <a:ext cx="11480800" cy="2127938"/>
+          </a:xfrm>
+          <a:prstGeom prst="rect">
+            <a:avLst/>
+          </a:prstGeom>
+        </p:spPr>
+      </p:pic>
+      <p:pic>
+        <p:nvPicPr>
+          <p:cNvPr id="21" name="Picture 20">
+            <a:extLst>
+              <a:ext uri="{FF2B5EF4-FFF2-40B4-BE49-F238E27FC236}">
+                <a16:creationId xmlns:a16="http://schemas.microsoft.com/office/drawing/2014/main" id="{3ED3110C-31E1-0EC1-E2C4-A073D8FE1865}"/>
+              </a:ext>
+            </a:extLst>
+          </p:cNvPr>
+          <p:cNvPicPr>
+            <a:picLocks noChangeAspect="1"/>
+          </p:cNvPicPr>
+          <p:nvPr/>
+        </p:nvPicPr>
+        <p:blipFill>
+          <a:blip r:embed="rId5"/>
+          <a:stretch>
+            <a:fillRect/>
+          </a:stretch>
+        </p:blipFill>
+        <p:spPr>
+          <a:xfrm>
             <a:off x="396240" y="4720694"/>
             <a:ext cx="11480800" cy="2137306"/>
+          </a:xfrm>
+          <a:prstGeom prst="rect">
+            <a:avLst/>
+          </a:prstGeom>
+        </p:spPr>
+      </p:pic>
+      <p:pic>
+        <p:nvPicPr>
+          <p:cNvPr id="18" name="Picture 17">
+            <a:extLst>
+              <a:ext uri="{FF2B5EF4-FFF2-40B4-BE49-F238E27FC236}">
+                <a16:creationId xmlns:a16="http://schemas.microsoft.com/office/drawing/2014/main" id="{52ACAAAF-7ADC-06DC-A825-CDF845BB112F}"/>
+              </a:ext>
+            </a:extLst>
+          </p:cNvPr>
+          <p:cNvPicPr>
+            <a:picLocks noChangeAspect="1"/>
+          </p:cNvPicPr>
+          <p:nvPr/>
+        </p:nvPicPr>
+        <p:blipFill>
+          <a:blip r:embed="rId6"/>
+          <a:stretch>
+            <a:fillRect/>
+          </a:stretch>
+        </p:blipFill>
+        <p:spPr>
+          <a:xfrm>
+            <a:off x="563880" y="532497"/>
+            <a:ext cx="11145520" cy="2082819"/>
           </a:xfrm>
           <a:prstGeom prst="rect">
             <a:avLst/>
@@ -5031,6 +5663,11 @@
   <p:clrMapOvr>
     <a:masterClrMapping/>
   </p:clrMapOvr>
+  <p:extLst>
+    <p:ext uri="{6950BFC3-D8DA-4A85-94F7-54DA5524770B}">
+      <p188:commentRel xmlns:p188="http://schemas.microsoft.com/office/powerpoint/2018/8/main" r:id="rId3"/>
+    </p:ext>
+  </p:extLst>
 </p:sld>
 </file>
 
@@ -5096,10 +5733,10 @@
       </p:sp>
       <p:pic>
         <p:nvPicPr>
-          <p:cNvPr id="18" name="Picture 17">
-            <a:extLst>
-              <a:ext uri="{FF2B5EF4-FFF2-40B4-BE49-F238E27FC236}">
-                <a16:creationId xmlns:a16="http://schemas.microsoft.com/office/drawing/2014/main" id="{52ACAAAF-7ADC-06DC-A825-CDF845BB112F}"/>
+          <p:cNvPr id="20" name="Picture 19">
+            <a:extLst>
+              <a:ext uri="{FF2B5EF4-FFF2-40B4-BE49-F238E27FC236}">
+                <a16:creationId xmlns:a16="http://schemas.microsoft.com/office/drawing/2014/main" id="{79DF8ABE-2048-078E-EDE4-47DAA0747979}"/>
               </a:ext>
             </a:extLst>
           </p:cNvPr>
@@ -5116,8 +5753,8 @@
         </p:blipFill>
         <p:spPr>
           <a:xfrm>
-            <a:off x="523240" y="731520"/>
-            <a:ext cx="11145520" cy="2082819"/>
+            <a:off x="523240" y="837238"/>
+            <a:ext cx="11145520" cy="2072774"/>
           </a:xfrm>
           <a:prstGeom prst="rect">
             <a:avLst/>
@@ -5126,10 +5763,10 @@
       </p:pic>
       <p:pic>
         <p:nvPicPr>
-          <p:cNvPr id="20" name="Picture 19">
-            <a:extLst>
-              <a:ext uri="{FF2B5EF4-FFF2-40B4-BE49-F238E27FC236}">
-                <a16:creationId xmlns:a16="http://schemas.microsoft.com/office/drawing/2014/main" id="{79DF8ABE-2048-078E-EDE4-47DAA0747979}"/>
+          <p:cNvPr id="22" name="Picture 21">
+            <a:extLst>
+              <a:ext uri="{FF2B5EF4-FFF2-40B4-BE49-F238E27FC236}">
+                <a16:creationId xmlns:a16="http://schemas.microsoft.com/office/drawing/2014/main" id="{64E511FE-243B-513C-2CA9-83395E706F1C}"/>
               </a:ext>
             </a:extLst>
           </p:cNvPr>
@@ -5146,8 +5783,8 @@
         </p:blipFill>
         <p:spPr>
           <a:xfrm>
-            <a:off x="523240" y="2666038"/>
-            <a:ext cx="11145520" cy="2072774"/>
+            <a:off x="523240" y="2778735"/>
+            <a:ext cx="11145520" cy="2065795"/>
           </a:xfrm>
           <a:prstGeom prst="rect">
             <a:avLst/>
@@ -5156,10 +5793,10 @@
       </p:pic>
       <p:pic>
         <p:nvPicPr>
-          <p:cNvPr id="22" name="Picture 21">
-            <a:extLst>
-              <a:ext uri="{FF2B5EF4-FFF2-40B4-BE49-F238E27FC236}">
-                <a16:creationId xmlns:a16="http://schemas.microsoft.com/office/drawing/2014/main" id="{64E511FE-243B-513C-2CA9-83395E706F1C}"/>
+          <p:cNvPr id="17" name="Picture 16">
+            <a:extLst>
+              <a:ext uri="{FF2B5EF4-FFF2-40B4-BE49-F238E27FC236}">
+                <a16:creationId xmlns:a16="http://schemas.microsoft.com/office/drawing/2014/main" id="{CBFAF68C-639C-1E7C-239A-1B00377EC731}"/>
               </a:ext>
             </a:extLst>
           </p:cNvPr>
@@ -5176,8 +5813,8 @@
         </p:blipFill>
         <p:spPr>
           <a:xfrm>
-            <a:off x="523240" y="4607535"/>
-            <a:ext cx="11145520" cy="2065795"/>
+            <a:off x="337820" y="4844530"/>
+            <a:ext cx="11480800" cy="2157612"/>
           </a:xfrm>
           <a:prstGeom prst="rect">
             <a:avLst/>
@@ -6289,4 +6926,319 @@
     </a:ext>
   </a:extLst>
 </a:theme>
+</file>
+
+<file path=ppt/theme/theme2.xml><?xml version="1.0" encoding="utf-8"?>
+<a:theme xmlns:a="http://schemas.openxmlformats.org/drawingml/2006/main" name="Office Theme">
+  <a:themeElements>
+    <a:clrScheme name="Office">
+      <a:dk1>
+        <a:sysClr val="windowText" lastClr="000000"/>
+      </a:dk1>
+      <a:lt1>
+        <a:sysClr val="window" lastClr="FFFFFF"/>
+      </a:lt1>
+      <a:dk2>
+        <a:srgbClr val="0E2841"/>
+      </a:dk2>
+      <a:lt2>
+        <a:srgbClr val="E8E8E8"/>
+      </a:lt2>
+      <a:accent1>
+        <a:srgbClr val="156082"/>
+      </a:accent1>
+      <a:accent2>
+        <a:srgbClr val="E97132"/>
+      </a:accent2>
+      <a:accent3>
+        <a:srgbClr val="196B24"/>
+      </a:accent3>
+      <a:accent4>
+        <a:srgbClr val="0F9ED5"/>
+      </a:accent4>
+      <a:accent5>
+        <a:srgbClr val="A02B93"/>
+      </a:accent5>
+      <a:accent6>
+        <a:srgbClr val="4EA72E"/>
+      </a:accent6>
+      <a:hlink>
+        <a:srgbClr val="467886"/>
+      </a:hlink>
+      <a:folHlink>
+        <a:srgbClr val="96607D"/>
+      </a:folHlink>
+    </a:clrScheme>
+    <a:fontScheme name="Office">
+      <a:majorFont>
+        <a:latin typeface="Aptos Display" panose="02110004020202020204"/>
+        <a:ea typeface=""/>
+        <a:cs typeface=""/>
+        <a:font script="Jpan" typeface="游ゴシック Light"/>
+        <a:font script="Hang" typeface="맑은 고딕"/>
+        <a:font script="Hans" typeface="等线 Light"/>
+        <a:font script="Hant" typeface="新細明體"/>
+        <a:font script="Arab" typeface="Times New Roman"/>
+        <a:font script="Hebr" typeface="Times New Roman"/>
+        <a:font script="Thai" typeface="Angsana New"/>
+        <a:font script="Ethi" typeface="Nyala"/>
+        <a:font script="Beng" typeface="Vrinda"/>
+        <a:font script="Gujr" typeface="Shruti"/>
+        <a:font script="Khmr" typeface="MoolBoran"/>
+        <a:font script="Knda" typeface="Tunga"/>
+        <a:font script="Guru" typeface="Raavi"/>
+        <a:font script="Cans" typeface="Euphemia"/>
+        <a:font script="Cher" typeface="Plantagenet Cherokee"/>
+        <a:font script="Yiii" typeface="Microsoft Yi Baiti"/>
+        <a:font script="Tibt" typeface="Microsoft Himalaya"/>
+        <a:font script="Thaa" typeface="MV Boli"/>
+        <a:font script="Deva" typeface="Mangal"/>
+        <a:font script="Telu" typeface="Gautami"/>
+        <a:font script="Taml" typeface="Latha"/>
+        <a:font script="Syrc" typeface="Estrangelo Edessa"/>
+        <a:font script="Orya" typeface="Kalinga"/>
+        <a:font script="Mlym" typeface="Kartika"/>
+        <a:font script="Laoo" typeface="DokChampa"/>
+        <a:font script="Sinh" typeface="Iskoola Pota"/>
+        <a:font script="Mong" typeface="Mongolian Baiti"/>
+        <a:font script="Viet" typeface="Times New Roman"/>
+        <a:font script="Uigh" typeface="Microsoft Uighur"/>
+        <a:font script="Geor" typeface="Sylfaen"/>
+        <a:font script="Armn" typeface="Arial"/>
+        <a:font script="Bugi" typeface="Leelawadee UI"/>
+        <a:font script="Bopo" typeface="Microsoft JhengHei"/>
+        <a:font script="Java" typeface="Javanese Text"/>
+        <a:font script="Lisu" typeface="Segoe UI"/>
+        <a:font script="Mymr" typeface="Myanmar Text"/>
+        <a:font script="Nkoo" typeface="Ebrima"/>
+        <a:font script="Olck" typeface="Nirmala UI"/>
+        <a:font script="Osma" typeface="Ebrima"/>
+        <a:font script="Phag" typeface="Phagspa"/>
+        <a:font script="Syrn" typeface="Estrangelo Edessa"/>
+        <a:font script="Syrj" typeface="Estrangelo Edessa"/>
+        <a:font script="Syre" typeface="Estrangelo Edessa"/>
+        <a:font script="Sora" typeface="Nirmala UI"/>
+        <a:font script="Tale" typeface="Microsoft Tai Le"/>
+        <a:font script="Talu" typeface="Microsoft New Tai Lue"/>
+        <a:font script="Tfng" typeface="Ebrima"/>
+      </a:majorFont>
+      <a:minorFont>
+        <a:latin typeface="Aptos" panose="02110004020202020204"/>
+        <a:ea typeface=""/>
+        <a:cs typeface=""/>
+        <a:font script="Jpan" typeface="游ゴシック"/>
+        <a:font script="Hang" typeface="맑은 고딕"/>
+        <a:font script="Hans" typeface="等线"/>
+        <a:font script="Hant" typeface="新細明體"/>
+        <a:font script="Arab" typeface="Arial"/>
+        <a:font script="Hebr" typeface="Arial"/>
+        <a:font script="Thai" typeface="Cordia New"/>
+        <a:font script="Ethi" typeface="Nyala"/>
+        <a:font script="Beng" typeface="Vrinda"/>
+        <a:font script="Gujr" typeface="Shruti"/>
+        <a:font script="Khmr" typeface="DaunPenh"/>
+        <a:font script="Knda" typeface="Tunga"/>
+        <a:font script="Guru" typeface="Raavi"/>
+        <a:font script="Cans" typeface="Euphemia"/>
+        <a:font script="Cher" typeface="Plantagenet Cherokee"/>
+        <a:font script="Yiii" typeface="Microsoft Yi Baiti"/>
+        <a:font script="Tibt" typeface="Microsoft Himalaya"/>
+        <a:font script="Thaa" typeface="MV Boli"/>
+        <a:font script="Deva" typeface="Mangal"/>
+        <a:font script="Telu" typeface="Gautami"/>
+        <a:font script="Taml" typeface="Latha"/>
+        <a:font script="Syrc" typeface="Estrangelo Edessa"/>
+        <a:font script="Orya" typeface="Kalinga"/>
+        <a:font script="Mlym" typeface="Kartika"/>
+        <a:font script="Laoo" typeface="DokChampa"/>
+        <a:font script="Sinh" typeface="Iskoola Pota"/>
+        <a:font script="Mong" typeface="Mongolian Baiti"/>
+        <a:font script="Viet" typeface="Arial"/>
+        <a:font script="Uigh" typeface="Microsoft Uighur"/>
+        <a:font script="Geor" typeface="Sylfaen"/>
+        <a:font script="Armn" typeface="Arial"/>
+        <a:font script="Bugi" typeface="Leelawadee UI"/>
+        <a:font script="Bopo" typeface="Microsoft JhengHei"/>
+        <a:font script="Java" typeface="Javanese Text"/>
+        <a:font script="Lisu" typeface="Segoe UI"/>
+        <a:font script="Mymr" typeface="Myanmar Text"/>
+        <a:font script="Nkoo" typeface="Ebrima"/>
+        <a:font script="Olck" typeface="Nirmala UI"/>
+        <a:font script="Osma" typeface="Ebrima"/>
+        <a:font script="Phag" typeface="Phagspa"/>
+        <a:font script="Syrn" typeface="Estrangelo Edessa"/>
+        <a:font script="Syrj" typeface="Estrangelo Edessa"/>
+        <a:font script="Syre" typeface="Estrangelo Edessa"/>
+        <a:font script="Sora" typeface="Nirmala UI"/>
+        <a:font script="Tale" typeface="Microsoft Tai Le"/>
+        <a:font script="Talu" typeface="Microsoft New Tai Lue"/>
+        <a:font script="Tfng" typeface="Ebrima"/>
+      </a:minorFont>
+    </a:fontScheme>
+    <a:fmtScheme name="Office">
+      <a:fillStyleLst>
+        <a:solidFill>
+          <a:schemeClr val="phClr"/>
+        </a:solidFill>
+        <a:gradFill rotWithShape="1">
+          <a:gsLst>
+            <a:gs pos="0">
+              <a:schemeClr val="phClr">
+                <a:lumMod val="110000"/>
+                <a:satMod val="105000"/>
+                <a:tint val="67000"/>
+              </a:schemeClr>
+            </a:gs>
+            <a:gs pos="50000">
+              <a:schemeClr val="phClr">
+                <a:lumMod val="105000"/>
+                <a:satMod val="103000"/>
+                <a:tint val="73000"/>
+              </a:schemeClr>
+            </a:gs>
+            <a:gs pos="100000">
+              <a:schemeClr val="phClr">
+                <a:lumMod val="105000"/>
+                <a:satMod val="109000"/>
+                <a:tint val="81000"/>
+              </a:schemeClr>
+            </a:gs>
+          </a:gsLst>
+          <a:lin ang="5400000" scaled="0"/>
+        </a:gradFill>
+        <a:gradFill rotWithShape="1">
+          <a:gsLst>
+            <a:gs pos="0">
+              <a:schemeClr val="phClr">
+                <a:satMod val="103000"/>
+                <a:lumMod val="102000"/>
+                <a:tint val="94000"/>
+              </a:schemeClr>
+            </a:gs>
+            <a:gs pos="50000">
+              <a:schemeClr val="phClr">
+                <a:satMod val="110000"/>
+                <a:lumMod val="100000"/>
+                <a:shade val="100000"/>
+              </a:schemeClr>
+            </a:gs>
+            <a:gs pos="100000">
+              <a:schemeClr val="phClr">
+                <a:lumMod val="99000"/>
+                <a:satMod val="120000"/>
+                <a:shade val="78000"/>
+              </a:schemeClr>
+            </a:gs>
+          </a:gsLst>
+          <a:lin ang="5400000" scaled="0"/>
+        </a:gradFill>
+      </a:fillStyleLst>
+      <a:lnStyleLst>
+        <a:ln w="12700" cap="flat" cmpd="sng" algn="ctr">
+          <a:solidFill>
+            <a:schemeClr val="phClr"/>
+          </a:solidFill>
+          <a:prstDash val="solid"/>
+          <a:miter lim="800000"/>
+        </a:ln>
+        <a:ln w="19050" cap="flat" cmpd="sng" algn="ctr">
+          <a:solidFill>
+            <a:schemeClr val="phClr"/>
+          </a:solidFill>
+          <a:prstDash val="solid"/>
+          <a:miter lim="800000"/>
+        </a:ln>
+        <a:ln w="25400" cap="flat" cmpd="sng" algn="ctr">
+          <a:solidFill>
+            <a:schemeClr val="phClr"/>
+          </a:solidFill>
+          <a:prstDash val="solid"/>
+          <a:miter lim="800000"/>
+        </a:ln>
+      </a:lnStyleLst>
+      <a:effectStyleLst>
+        <a:effectStyle>
+          <a:effectLst/>
+        </a:effectStyle>
+        <a:effectStyle>
+          <a:effectLst/>
+        </a:effectStyle>
+        <a:effectStyle>
+          <a:effectLst>
+            <a:outerShdw blurRad="57150" dist="19050" dir="5400000" algn="ctr" rotWithShape="0">
+              <a:srgbClr val="000000">
+                <a:alpha val="63000"/>
+              </a:srgbClr>
+            </a:outerShdw>
+          </a:effectLst>
+        </a:effectStyle>
+      </a:effectStyleLst>
+      <a:bgFillStyleLst>
+        <a:solidFill>
+          <a:schemeClr val="phClr"/>
+        </a:solidFill>
+        <a:solidFill>
+          <a:schemeClr val="phClr">
+            <a:tint val="95000"/>
+            <a:satMod val="170000"/>
+          </a:schemeClr>
+        </a:solidFill>
+        <a:gradFill rotWithShape="1">
+          <a:gsLst>
+            <a:gs pos="0">
+              <a:schemeClr val="phClr">
+                <a:tint val="93000"/>
+                <a:satMod val="150000"/>
+                <a:shade val="98000"/>
+                <a:lumMod val="102000"/>
+              </a:schemeClr>
+            </a:gs>
+            <a:gs pos="50000">
+              <a:schemeClr val="phClr">
+                <a:tint val="98000"/>
+                <a:satMod val="130000"/>
+                <a:shade val="90000"/>
+                <a:lumMod val="103000"/>
+              </a:schemeClr>
+            </a:gs>
+            <a:gs pos="100000">
+              <a:schemeClr val="phClr">
+                <a:shade val="63000"/>
+                <a:satMod val="120000"/>
+              </a:schemeClr>
+            </a:gs>
+          </a:gsLst>
+          <a:lin ang="5400000" scaled="0"/>
+        </a:gradFill>
+      </a:bgFillStyleLst>
+    </a:fmtScheme>
+  </a:themeElements>
+  <a:objectDefaults>
+    <a:lnDef>
+      <a:spPr/>
+      <a:bodyPr/>
+      <a:lstStyle/>
+      <a:style>
+        <a:lnRef idx="2">
+          <a:schemeClr val="accent1"/>
+        </a:lnRef>
+        <a:fillRef idx="0">
+          <a:schemeClr val="accent1"/>
+        </a:fillRef>
+        <a:effectRef idx="1">
+          <a:schemeClr val="accent1"/>
+        </a:effectRef>
+        <a:fontRef idx="minor">
+          <a:schemeClr val="tx1"/>
+        </a:fontRef>
+      </a:style>
+    </a:lnDef>
+  </a:objectDefaults>
+  <a:extraClrSchemeLst/>
+  <a:extLst>
+    <a:ext uri="{05A4C25C-085E-4340-85A3-A5531E510DB2}">
+      <thm15:themeFamily xmlns:thm15="http://schemas.microsoft.com/office/thememl/2012/main" name="Office Theme" id="{2E142A2C-CD16-42D6-873A-C26D2A0506FA}" vid="{1BDDFF52-6CD6-40A5-AB3C-68EB2F1E4D0A}"/>
+    </a:ext>
+  </a:extLst>
+</a:theme>
 </file>